--- a/Whats new Kofax RPA 11.1 _ partner.pptx
+++ b/Whats new Kofax RPA 11.1 _ partner.pptx
@@ -5,18 +5,18 @@
     <p:sldMasterId id="2147483648" r:id="rId5"/>
   </p:sldMasterIdLst>
   <p:notesMasterIdLst>
-    <p:notesMasterId r:id="rId35"/>
+    <p:notesMasterId r:id="rId36"/>
   </p:notesMasterIdLst>
   <p:handoutMasterIdLst>
-    <p:handoutMasterId r:id="rId36"/>
+    <p:handoutMasterId r:id="rId37"/>
   </p:handoutMasterIdLst>
   <p:sldIdLst>
     <p:sldId id="416" r:id="rId6"/>
     <p:sldId id="473" r:id="rId7"/>
     <p:sldId id="474" r:id="rId8"/>
     <p:sldId id="478" r:id="rId9"/>
-    <p:sldId id="479" r:id="rId10"/>
-    <p:sldId id="444" r:id="rId11"/>
+    <p:sldId id="444" r:id="rId10"/>
+    <p:sldId id="479" r:id="rId11"/>
     <p:sldId id="445" r:id="rId12"/>
     <p:sldId id="438" r:id="rId13"/>
     <p:sldId id="483" r:id="rId14"/>
@@ -38,8 +38,9 @@
     <p:sldId id="467" r:id="rId30"/>
     <p:sldId id="443" r:id="rId31"/>
     <p:sldId id="435" r:id="rId32"/>
-    <p:sldId id="476" r:id="rId33"/>
-    <p:sldId id="462" r:id="rId34"/>
+    <p:sldId id="486" r:id="rId33"/>
+    <p:sldId id="476" r:id="rId34"/>
+    <p:sldId id="462" r:id="rId35"/>
   </p:sldIdLst>
   <p:sldSz cx="12192000" cy="6858000"/>
   <p:notesSz cx="6858000" cy="9144000"/>
@@ -147,8 +148,8 @@
             <p14:sldId id="473"/>
             <p14:sldId id="474"/>
             <p14:sldId id="478"/>
+            <p14:sldId id="444"/>
             <p14:sldId id="479"/>
-            <p14:sldId id="444"/>
             <p14:sldId id="445"/>
             <p14:sldId id="438"/>
             <p14:sldId id="483"/>
@@ -170,6 +171,7 @@
             <p14:sldId id="467"/>
             <p14:sldId id="443"/>
             <p14:sldId id="435"/>
+            <p14:sldId id="486"/>
             <p14:sldId id="476"/>
             <p14:sldId id="462"/>
           </p14:sldIdLst>
@@ -313,7 +315,7 @@
           <a:p>
             <a:fld id="{E906DB5C-305D-411E-9FF1-AB4D9AED83FF}" type="datetimeFigureOut">
               <a:rPr lang="en-US" smtClean="0"/>
-              <a:t>11/12/2020</a:t>
+              <a:t>11/23/2020</a:t>
             </a:fld>
             <a:endParaRPr lang="en-US"/>
           </a:p>
@@ -490,7 +492,7 @@
           <a:p>
             <a:fld id="{9192B29F-F5DC-4812-BA82-1B50C0D6A1DD}" type="datetimeFigureOut">
               <a:rPr lang="en-US" smtClean="0"/>
-              <a:t>11/10/2020</a:t>
+              <a:t>11/21/2020</a:t>
             </a:fld>
             <a:endParaRPr lang="en-US"/>
           </a:p>
@@ -888,10 +890,7 @@
           <a:bodyPr/>
           <a:lstStyle/>
           <a:p>
-            <a:r>
-              <a:rPr lang="en-GB" dirty="0"/>
-              <a:t>https://commons.wikimedia.org/wiki/File:Noun_Project_stopwatch_icon_386232_cc.svg</a:t>
-            </a:r>
+            <a:endParaRPr lang="en-GB" dirty="0"/>
           </a:p>
         </p:txBody>
       </p:sp>
@@ -912,7 +911,7 @@
           <a:p>
             <a:fld id="{AE87D6E9-5DD3-45AB-8092-B3C75CBC4910}" type="slidenum">
               <a:rPr lang="en-US" smtClean="0"/>
-              <a:t>9</a:t>
+              <a:t>4</a:t>
             </a:fld>
             <a:endParaRPr lang="en-US"/>
           </a:p>
@@ -921,7 +920,7 @@
     </p:spTree>
     <p:extLst>
       <p:ext uri="{BB962C8B-B14F-4D97-AF65-F5344CB8AC3E}">
-        <p14:creationId xmlns:p14="http://schemas.microsoft.com/office/powerpoint/2010/main" val="1543552637"/>
+        <p14:creationId xmlns:p14="http://schemas.microsoft.com/office/powerpoint/2010/main" val="529075747"/>
       </p:ext>
     </p:extLst>
   </p:cSld>
@@ -977,6 +976,93 @@
           <a:p>
             <a:r>
               <a:rPr lang="en-GB" dirty="0"/>
+              <a:t>https://commons.wikimedia.org/wiki/File:Noun_Project_stopwatch_icon_386232_cc.svg</a:t>
+            </a:r>
+          </a:p>
+        </p:txBody>
+      </p:sp>
+      <p:sp>
+        <p:nvSpPr>
+          <p:cNvPr id="4" name="Slide Number Placeholder 3"/>
+          <p:cNvSpPr>
+            <a:spLocks noGrp="1"/>
+          </p:cNvSpPr>
+          <p:nvPr>
+            <p:ph type="sldNum" sz="quarter" idx="5"/>
+          </p:nvPr>
+        </p:nvSpPr>
+        <p:spPr/>
+        <p:txBody>
+          <a:bodyPr/>
+          <a:lstStyle/>
+          <a:p>
+            <a:fld id="{AE87D6E9-5DD3-45AB-8092-B3C75CBC4910}" type="slidenum">
+              <a:rPr lang="en-US" smtClean="0"/>
+              <a:t>9</a:t>
+            </a:fld>
+            <a:endParaRPr lang="en-US"/>
+          </a:p>
+        </p:txBody>
+      </p:sp>
+    </p:spTree>
+    <p:extLst>
+      <p:ext uri="{BB962C8B-B14F-4D97-AF65-F5344CB8AC3E}">
+        <p14:creationId xmlns:p14="http://schemas.microsoft.com/office/powerpoint/2010/main" val="1543552637"/>
+      </p:ext>
+    </p:extLst>
+  </p:cSld>
+  <p:clrMapOvr>
+    <a:masterClrMapping/>
+  </p:clrMapOvr>
+</p:notes>
+</file>
+
+<file path=ppt/notesSlides/notesSlide4.xml><?xml version="1.0" encoding="utf-8"?>
+<p:notes xmlns:a="http://schemas.openxmlformats.org/drawingml/2006/main" xmlns:r="http://schemas.openxmlformats.org/officeDocument/2006/relationships" xmlns:p="http://schemas.openxmlformats.org/presentationml/2006/main">
+  <p:cSld>
+    <p:spTree>
+      <p:nvGrpSpPr>
+        <p:cNvPr id="1" name=""/>
+        <p:cNvGrpSpPr/>
+        <p:nvPr/>
+      </p:nvGrpSpPr>
+      <p:grpSpPr>
+        <a:xfrm>
+          <a:off x="0" y="0"/>
+          <a:ext cx="0" cy="0"/>
+          <a:chOff x="0" y="0"/>
+          <a:chExt cx="0" cy="0"/>
+        </a:xfrm>
+      </p:grpSpPr>
+      <p:sp>
+        <p:nvSpPr>
+          <p:cNvPr id="2" name="Slide Image Placeholder 1"/>
+          <p:cNvSpPr>
+            <a:spLocks noGrp="1" noRot="1" noChangeAspect="1"/>
+          </p:cNvSpPr>
+          <p:nvPr>
+            <p:ph type="sldImg"/>
+          </p:nvPr>
+        </p:nvSpPr>
+        <p:spPr/>
+      </p:sp>
+      <p:sp>
+        <p:nvSpPr>
+          <p:cNvPr id="3" name="Notes Placeholder 2"/>
+          <p:cNvSpPr>
+            <a:spLocks noGrp="1"/>
+          </p:cNvSpPr>
+          <p:nvPr>
+            <p:ph type="body" idx="1"/>
+          </p:nvPr>
+        </p:nvSpPr>
+        <p:spPr/>
+        <p:txBody>
+          <a:bodyPr/>
+          <a:lstStyle/>
+          <a:p>
+            <a:r>
+              <a:rPr lang="en-GB" dirty="0"/>
               <a:t>Top hat: https://commons.wikimedia.org/wiki/File:TotalBiscuit_icon.png</a:t>
             </a:r>
           </a:p>
@@ -1018,7 +1104,91 @@
 </p:notes>
 </file>
 
-<file path=ppt/notesSlides/notesSlide4.xml><?xml version="1.0" encoding="utf-8"?>
+<file path=ppt/notesSlides/notesSlide5.xml><?xml version="1.0" encoding="utf-8"?>
+<p:notes xmlns:a="http://schemas.openxmlformats.org/drawingml/2006/main" xmlns:r="http://schemas.openxmlformats.org/officeDocument/2006/relationships" xmlns:p="http://schemas.openxmlformats.org/presentationml/2006/main">
+  <p:cSld>
+    <p:spTree>
+      <p:nvGrpSpPr>
+        <p:cNvPr id="1" name=""/>
+        <p:cNvGrpSpPr/>
+        <p:nvPr/>
+      </p:nvGrpSpPr>
+      <p:grpSpPr>
+        <a:xfrm>
+          <a:off x="0" y="0"/>
+          <a:ext cx="0" cy="0"/>
+          <a:chOff x="0" y="0"/>
+          <a:chExt cx="0" cy="0"/>
+        </a:xfrm>
+      </p:grpSpPr>
+      <p:sp>
+        <p:nvSpPr>
+          <p:cNvPr id="2" name="Slide Image Placeholder 1"/>
+          <p:cNvSpPr>
+            <a:spLocks noGrp="1" noRot="1" noChangeAspect="1"/>
+          </p:cNvSpPr>
+          <p:nvPr>
+            <p:ph type="sldImg"/>
+          </p:nvPr>
+        </p:nvSpPr>
+        <p:spPr/>
+      </p:sp>
+      <p:sp>
+        <p:nvSpPr>
+          <p:cNvPr id="3" name="Notes Placeholder 2"/>
+          <p:cNvSpPr>
+            <a:spLocks noGrp="1"/>
+          </p:cNvSpPr>
+          <p:nvPr>
+            <p:ph type="body" idx="1"/>
+          </p:nvPr>
+        </p:nvSpPr>
+        <p:spPr/>
+        <p:txBody>
+          <a:bodyPr/>
+          <a:lstStyle/>
+          <a:p>
+            <a:endParaRPr lang="en-GB" dirty="0"/>
+          </a:p>
+        </p:txBody>
+      </p:sp>
+      <p:sp>
+        <p:nvSpPr>
+          <p:cNvPr id="4" name="Slide Number Placeholder 3"/>
+          <p:cNvSpPr>
+            <a:spLocks noGrp="1"/>
+          </p:cNvSpPr>
+          <p:nvPr>
+            <p:ph type="sldNum" sz="quarter" idx="5"/>
+          </p:nvPr>
+        </p:nvSpPr>
+        <p:spPr/>
+        <p:txBody>
+          <a:bodyPr/>
+          <a:lstStyle/>
+          <a:p>
+            <a:fld id="{AE87D6E9-5DD3-45AB-8092-B3C75CBC4910}" type="slidenum">
+              <a:rPr lang="en-US" smtClean="0"/>
+              <a:t>19</a:t>
+            </a:fld>
+            <a:endParaRPr lang="en-US"/>
+          </a:p>
+        </p:txBody>
+      </p:sp>
+    </p:spTree>
+    <p:extLst>
+      <p:ext uri="{BB962C8B-B14F-4D97-AF65-F5344CB8AC3E}">
+        <p14:creationId xmlns:p14="http://schemas.microsoft.com/office/powerpoint/2010/main" val="72118554"/>
+      </p:ext>
+    </p:extLst>
+  </p:cSld>
+  <p:clrMapOvr>
+    <a:masterClrMapping/>
+  </p:clrMapOvr>
+</p:notes>
+</file>
+
+<file path=ppt/notesSlides/notesSlide6.xml><?xml version="1.0" encoding="utf-8"?>
 <p:notes xmlns:a="http://schemas.openxmlformats.org/drawingml/2006/main" xmlns:r="http://schemas.openxmlformats.org/officeDocument/2006/relationships" xmlns:p="http://schemas.openxmlformats.org/presentationml/2006/main">
   <p:cSld>
     <p:spTree>
@@ -41158,7 +41328,7 @@
         <p:spPr>
           <a:xfrm>
             <a:off x="6313713" y="1753490"/>
-            <a:ext cx="5382167" cy="4509716"/>
+            <a:ext cx="5382167" cy="4602860"/>
           </a:xfrm>
         </p:spPr>
         <p:txBody>
@@ -41187,11 +41357,11 @@
             </a:r>
             <a:r>
               <a:rPr lang="en-GB" dirty="0"/>
-              <a:t>, </a:t>
+              <a:t> to track the progress – </a:t>
             </a:r>
             <a:r>
               <a:rPr lang="en-GB" b="1" dirty="0"/>
-              <a:t>to track the progress – Queued, Running, Finished, Error</a:t>
+              <a:t>Queued, Running, Finished, Error</a:t>
             </a:r>
           </a:p>
           <a:p>
@@ -41205,7 +41375,10 @@
             </a:r>
           </a:p>
           <a:p>
-            <a:endParaRPr lang="en-GB" dirty="0"/>
+            <a:r>
+              <a:rPr lang="en-GB" dirty="0"/>
+              <a:t>Sell More Licenses!!</a:t>
+            </a:r>
           </a:p>
         </p:txBody>
       </p:sp>
@@ -41587,7 +41760,18 @@
           <p:nvPr/>
         </p:nvPicPr>
         <p:blipFill rotWithShape="1">
-          <a:blip r:embed="rId5"/>
+          <a:blip r:embed="rId5">
+            <a:clrChange>
+              <a:clrFrom>
+                <a:srgbClr val="FFFFFF"/>
+              </a:clrFrom>
+              <a:clrTo>
+                <a:srgbClr val="FFFFFF">
+                  <a:alpha val="0"/>
+                </a:srgbClr>
+              </a:clrTo>
+            </a:clrChange>
+          </a:blip>
           <a:srcRect l="4674" t="40637"/>
           <a:stretch/>
         </p:blipFill>
@@ -42263,7 +42447,7 @@
                                 </p:cTn>
                               </p:par>
                               <p:par>
-                                <p:cTn id="55" presetID="1" presetClass="entr" presetSubtype="0" fill="hold" nodeType="withEffect">
+                                <p:cTn id="55" presetID="1" presetClass="exit" presetSubtype="0" fill="hold" nodeType="withEffect">
                                   <p:stCondLst>
                                     <p:cond delay="0"/>
                                   </p:stCondLst>
@@ -42271,6 +42455,141 @@
                                     <p:set>
                                       <p:cBhvr>
                                         <p:cTn id="56" dur="1" fill="hold">
+                                          <p:stCondLst>
+                                            <p:cond delay="0"/>
+                                          </p:stCondLst>
+                                        </p:cTn>
+                                        <p:tgtEl>
+                                          <p:spTgt spid="16"/>
+                                        </p:tgtEl>
+                                        <p:attrNameLst>
+                                          <p:attrName>style.visibility</p:attrName>
+                                        </p:attrNameLst>
+                                      </p:cBhvr>
+                                      <p:to>
+                                        <p:strVal val="hidden"/>
+                                      </p:to>
+                                    </p:set>
+                                  </p:childTnLst>
+                                </p:cTn>
+                              </p:par>
+                              <p:par>
+                                <p:cTn id="57" presetID="1" presetClass="exit" presetSubtype="0" fill="hold" nodeType="withEffect">
+                                  <p:stCondLst>
+                                    <p:cond delay="0"/>
+                                  </p:stCondLst>
+                                  <p:childTnLst>
+                                    <p:set>
+                                      <p:cBhvr>
+                                        <p:cTn id="58" dur="1" fill="hold">
+                                          <p:stCondLst>
+                                            <p:cond delay="0"/>
+                                          </p:stCondLst>
+                                        </p:cTn>
+                                        <p:tgtEl>
+                                          <p:spTgt spid="22"/>
+                                        </p:tgtEl>
+                                        <p:attrNameLst>
+                                          <p:attrName>style.visibility</p:attrName>
+                                        </p:attrNameLst>
+                                      </p:cBhvr>
+                                      <p:to>
+                                        <p:strVal val="hidden"/>
+                                      </p:to>
+                                    </p:set>
+                                  </p:childTnLst>
+                                </p:cTn>
+                              </p:par>
+                              <p:par>
+                                <p:cTn id="59" presetID="1" presetClass="exit" presetSubtype="0" fill="hold" nodeType="withEffect">
+                                  <p:stCondLst>
+                                    <p:cond delay="0"/>
+                                  </p:stCondLst>
+                                  <p:childTnLst>
+                                    <p:set>
+                                      <p:cBhvr>
+                                        <p:cTn id="60" dur="1" fill="hold">
+                                          <p:stCondLst>
+                                            <p:cond delay="0"/>
+                                          </p:stCondLst>
+                                        </p:cTn>
+                                        <p:tgtEl>
+                                          <p:spTgt spid="23"/>
+                                        </p:tgtEl>
+                                        <p:attrNameLst>
+                                          <p:attrName>style.visibility</p:attrName>
+                                        </p:attrNameLst>
+                                      </p:cBhvr>
+                                      <p:to>
+                                        <p:strVal val="hidden"/>
+                                      </p:to>
+                                    </p:set>
+                                  </p:childTnLst>
+                                </p:cTn>
+                              </p:par>
+                              <p:par>
+                                <p:cTn id="61" presetID="1" presetClass="exit" presetSubtype="0" fill="hold" nodeType="withEffect">
+                                  <p:stCondLst>
+                                    <p:cond delay="0"/>
+                                  </p:stCondLst>
+                                  <p:childTnLst>
+                                    <p:set>
+                                      <p:cBhvr>
+                                        <p:cTn id="62" dur="1" fill="hold">
+                                          <p:stCondLst>
+                                            <p:cond delay="0"/>
+                                          </p:stCondLst>
+                                        </p:cTn>
+                                        <p:tgtEl>
+                                          <p:spTgt spid="24"/>
+                                        </p:tgtEl>
+                                        <p:attrNameLst>
+                                          <p:attrName>style.visibility</p:attrName>
+                                        </p:attrNameLst>
+                                      </p:cBhvr>
+                                      <p:to>
+                                        <p:strVal val="hidden"/>
+                                      </p:to>
+                                    </p:set>
+                                  </p:childTnLst>
+                                </p:cTn>
+                              </p:par>
+                              <p:par>
+                                <p:cTn id="63" presetID="1" presetClass="exit" presetSubtype="0" fill="hold" nodeType="withEffect">
+                                  <p:stCondLst>
+                                    <p:cond delay="0"/>
+                                  </p:stCondLst>
+                                  <p:childTnLst>
+                                    <p:set>
+                                      <p:cBhvr>
+                                        <p:cTn id="64" dur="1" fill="hold">
+                                          <p:stCondLst>
+                                            <p:cond delay="0"/>
+                                          </p:stCondLst>
+                                        </p:cTn>
+                                        <p:tgtEl>
+                                          <p:spTgt spid="26"/>
+                                        </p:tgtEl>
+                                        <p:attrNameLst>
+                                          <p:attrName>style.visibility</p:attrName>
+                                        </p:attrNameLst>
+                                      </p:cBhvr>
+                                      <p:to>
+                                        <p:strVal val="hidden"/>
+                                      </p:to>
+                                    </p:set>
+                                  </p:childTnLst>
+                                </p:cTn>
+                              </p:par>
+                              <p:par>
+                                <p:cTn id="65" presetID="1" presetClass="entr" presetSubtype="0" fill="hold" nodeType="withEffect">
+                                  <p:stCondLst>
+                                    <p:cond delay="0"/>
+                                  </p:stCondLst>
+                                  <p:childTnLst>
+                                    <p:set>
+                                      <p:cBhvr>
+                                        <p:cTn id="66" dur="1" fill="hold">
                                           <p:stCondLst>
                                             <p:cond delay="0"/>
                                           </p:stCondLst>
@@ -42296,53 +42615,26 @@
                     </p:cTn>
                   </p:par>
                   <p:par>
-                    <p:cTn id="57" fill="hold">
+                    <p:cTn id="67" fill="hold">
                       <p:stCondLst>
                         <p:cond delay="indefinite"/>
                       </p:stCondLst>
                       <p:childTnLst>
                         <p:par>
-                          <p:cTn id="58" fill="hold">
+                          <p:cTn id="68" fill="hold">
                             <p:stCondLst>
                               <p:cond delay="0"/>
                             </p:stCondLst>
                             <p:childTnLst>
                               <p:par>
-                                <p:cTn id="59" presetID="1" presetClass="exit" presetSubtype="0" fill="hold" nodeType="clickEffect">
+                                <p:cTn id="69" presetID="1" presetClass="entr" presetSubtype="0" fill="hold" grpId="0" nodeType="clickEffect">
                                   <p:stCondLst>
                                     <p:cond delay="0"/>
                                   </p:stCondLst>
                                   <p:childTnLst>
                                     <p:set>
                                       <p:cBhvr>
-                                        <p:cTn id="60" dur="1" fill="hold">
-                                          <p:stCondLst>
-                                            <p:cond delay="0"/>
-                                          </p:stCondLst>
-                                        </p:cTn>
-                                        <p:tgtEl>
-                                          <p:spTgt spid="29"/>
-                                        </p:tgtEl>
-                                        <p:attrNameLst>
-                                          <p:attrName>style.visibility</p:attrName>
-                                        </p:attrNameLst>
-                                      </p:cBhvr>
-                                      <p:to>
-                                        <p:strVal val="hidden"/>
-                                      </p:to>
-                                    </p:set>
-                                  </p:childTnLst>
-                                </p:cTn>
-                              </p:par>
-                              <p:par>
-                                <p:cTn id="61" presetID="1" presetClass="entr" presetSubtype="0" fill="hold" grpId="0" nodeType="withEffect">
-                                  <p:stCondLst>
-                                    <p:cond delay="0"/>
-                                  </p:stCondLst>
-                                  <p:childTnLst>
-                                    <p:set>
-                                      <p:cBhvr>
-                                        <p:cTn id="62" dur="1" fill="hold">
+                                        <p:cTn id="70" dur="1" fill="hold">
                                           <p:stCondLst>
                                             <p:cond delay="0"/>
                                           </p:stCondLst>
@@ -42351,6 +42643,55 @@
                                           <p:spTgt spid="4">
                                             <p:txEl>
                                               <p:pRg st="3" end="3"/>
+                                            </p:txEl>
+                                          </p:spTgt>
+                                        </p:tgtEl>
+                                        <p:attrNameLst>
+                                          <p:attrName>style.visibility</p:attrName>
+                                        </p:attrNameLst>
+                                      </p:cBhvr>
+                                      <p:to>
+                                        <p:strVal val="visible"/>
+                                      </p:to>
+                                    </p:set>
+                                  </p:childTnLst>
+                                </p:cTn>
+                              </p:par>
+                            </p:childTnLst>
+                          </p:cTn>
+                        </p:par>
+                      </p:childTnLst>
+                    </p:cTn>
+                  </p:par>
+                  <p:par>
+                    <p:cTn id="71" fill="hold">
+                      <p:stCondLst>
+                        <p:cond delay="indefinite"/>
+                      </p:stCondLst>
+                      <p:childTnLst>
+                        <p:par>
+                          <p:cTn id="72" fill="hold">
+                            <p:stCondLst>
+                              <p:cond delay="0"/>
+                            </p:stCondLst>
+                            <p:childTnLst>
+                              <p:par>
+                                <p:cTn id="73" presetID="1" presetClass="entr" presetSubtype="0" fill="hold" grpId="0" nodeType="clickEffect">
+                                  <p:stCondLst>
+                                    <p:cond delay="0"/>
+                                  </p:stCondLst>
+                                  <p:childTnLst>
+                                    <p:set>
+                                      <p:cBhvr>
+                                        <p:cTn id="74" dur="1" fill="hold">
+                                          <p:stCondLst>
+                                            <p:cond delay="0"/>
+                                          </p:stCondLst>
+                                        </p:cTn>
+                                        <p:tgtEl>
+                                          <p:spTgt spid="4">
+                                            <p:txEl>
+                                              <p:pRg st="4" end="4"/>
                                             </p:txEl>
                                           </p:spTgt>
                                         </p:tgtEl>
@@ -42505,7 +42846,7 @@
           <a:p>
             <a:r>
               <a:rPr lang="en-GB" dirty="0"/>
-              <a:t>See resources for sample robots and Step-by-Step guide</a:t>
+              <a:t>See resources for sample robots and Step-by-Step guide, and how to handle images and other binary files, and authentication.</a:t>
             </a:r>
           </a:p>
           <a:p>
@@ -42519,7 +42860,7 @@
             </a:r>
             <a:r>
               <a:rPr lang="en-GB" dirty="0"/>
-              <a:t>(default = 10 minutes)</a:t>
+              <a:t>(default = 6000 seconds = 10 minutes)</a:t>
             </a:r>
           </a:p>
         </p:txBody>
@@ -42571,7 +42912,7 @@
         </p:blipFill>
         <p:spPr>
           <a:xfrm>
-            <a:off x="5276836" y="3090879"/>
+            <a:off x="5339217" y="3529996"/>
             <a:ext cx="5068007" cy="3048425"/>
           </a:xfrm>
           <a:prstGeom prst="rect">
@@ -42591,10 +42932,10 @@
       </p:pic>
       <p:pic>
         <p:nvPicPr>
-          <p:cNvPr id="9" name="Picture 8">
-            <a:extLst>
-              <a:ext uri="{FF2B5EF4-FFF2-40B4-BE49-F238E27FC236}">
-                <a16:creationId xmlns:a16="http://schemas.microsoft.com/office/drawing/2014/main" id="{9A3254EC-F126-4E4A-858B-5FE32B6B83DB}"/>
+          <p:cNvPr id="8" name="Picture 7">
+            <a:extLst>
+              <a:ext uri="{FF2B5EF4-FFF2-40B4-BE49-F238E27FC236}">
+                <a16:creationId xmlns:a16="http://schemas.microsoft.com/office/drawing/2014/main" id="{87A8B0F0-D08D-4C98-8623-6348FFF67A30}"/>
               </a:ext>
             </a:extLst>
           </p:cNvPr>
@@ -42611,8 +42952,8 @@
         </p:blipFill>
         <p:spPr>
           <a:xfrm>
-            <a:off x="1703448" y="3090879"/>
-            <a:ext cx="2591793" cy="3268631"/>
+            <a:off x="375782" y="3429000"/>
+            <a:ext cx="4503828" cy="3295848"/>
           </a:xfrm>
           <a:prstGeom prst="rect">
             <a:avLst/>
@@ -42902,6 +43243,12 @@
               <a:t> </a:t>
             </a:r>
           </a:p>
+          <a:p>
+            <a:r>
+              <a:rPr lang="en-GB" dirty="0"/>
+              <a:t>Shows you the JSON that your robot needs.</a:t>
+            </a:r>
+          </a:p>
         </p:txBody>
       </p:sp>
       <p:sp>
@@ -42951,7 +43298,7 @@
         </p:blipFill>
         <p:spPr>
           <a:xfrm>
-            <a:off x="835389" y="2068633"/>
+            <a:off x="1386409" y="2642880"/>
             <a:ext cx="8249801" cy="3743847"/>
           </a:xfrm>
           <a:prstGeom prst="rect">
@@ -42961,10 +43308,10 @@
       </p:pic>
       <p:pic>
         <p:nvPicPr>
-          <p:cNvPr id="9" name="Picture 8">
-            <a:extLst>
-              <a:ext uri="{FF2B5EF4-FFF2-40B4-BE49-F238E27FC236}">
-                <a16:creationId xmlns:a16="http://schemas.microsoft.com/office/drawing/2014/main" id="{34B10FA8-94D6-4526-AC83-F480D5710547}"/>
+          <p:cNvPr id="8" name="Picture 7">
+            <a:extLst>
+              <a:ext uri="{FF2B5EF4-FFF2-40B4-BE49-F238E27FC236}">
+                <a16:creationId xmlns:a16="http://schemas.microsoft.com/office/drawing/2014/main" id="{E74BB279-1248-4318-B633-61CC7B26B632}"/>
               </a:ext>
             </a:extLst>
           </p:cNvPr>
@@ -42981,8 +43328,8 @@
         </p:blipFill>
         <p:spPr>
           <a:xfrm>
-            <a:off x="2702378" y="2089361"/>
-            <a:ext cx="7126514" cy="4266988"/>
+            <a:off x="1386409" y="2888159"/>
+            <a:ext cx="8935233" cy="3969841"/>
           </a:xfrm>
           <a:prstGeom prst="rect">
             <a:avLst/>
@@ -43033,7 +43380,7 @@
                                           </p:stCondLst>
                                         </p:cTn>
                                         <p:tgtEl>
-                                          <p:spTgt spid="9"/>
+                                          <p:spTgt spid="8"/>
                                         </p:tgtEl>
                                         <p:attrNameLst>
                                           <p:attrName>style.visibility</p:attrName>
@@ -43659,7 +44006,7 @@
         <p:spPr>
           <a:xfrm>
             <a:off x="4485746" y="3911646"/>
-            <a:ext cx="1265766" cy="908004"/>
+            <a:ext cx="1265766" cy="835718"/>
           </a:xfrm>
           <a:prstGeom prst="roundRect">
             <a:avLst/>
@@ -43721,6 +44068,14 @@
               <a:gd name="adj4" fmla="val -2211"/>
             </a:avLst>
           </a:prstGeom>
+          <a:solidFill>
+            <a:schemeClr val="accent4"/>
+          </a:solidFill>
+          <a:ln w="34925">
+            <a:solidFill>
+              <a:schemeClr val="accent4"/>
+            </a:solidFill>
+          </a:ln>
         </p:spPr>
         <p:style>
           <a:lnRef idx="2">
@@ -43744,7 +44099,11 @@
           <a:p>
             <a:pPr algn="ctr"/>
             <a:r>
-              <a:rPr lang="en-GB" dirty="0"/>
+              <a:rPr lang="en-GB" dirty="0">
+                <a:solidFill>
+                  <a:schemeClr val="accent5"/>
+                </a:solidFill>
+              </a:rPr>
               <a:t>Download succeeded</a:t>
             </a:r>
           </a:p>
@@ -43775,6 +44134,14 @@
               <a:gd name="adj4" fmla="val 51656"/>
             </a:avLst>
           </a:prstGeom>
+          <a:solidFill>
+            <a:schemeClr val="accent4"/>
+          </a:solidFill>
+          <a:ln w="34925">
+            <a:solidFill>
+              <a:schemeClr val="accent4"/>
+            </a:solidFill>
+          </a:ln>
         </p:spPr>
         <p:style>
           <a:lnRef idx="2">
@@ -43798,7 +44165,11 @@
           <a:p>
             <a:pPr algn="ctr"/>
             <a:r>
-              <a:rPr lang="en-GB" dirty="0"/>
+              <a:rPr lang="en-GB" dirty="0">
+                <a:solidFill>
+                  <a:schemeClr val="accent5"/>
+                </a:solidFill>
+              </a:rPr>
               <a:t>Download failed or 5 mins passed</a:t>
             </a:r>
           </a:p>
@@ -43877,19 +44248,100 @@
             <a:avLst/>
           </a:prstGeom>
           <a:solidFill>
-            <a:schemeClr val="bg1"/>
+            <a:schemeClr val="accent4"/>
           </a:solidFill>
-          <a:ln w="19050">
+          <a:ln w="34925">
             <a:solidFill>
-              <a:schemeClr val="tx2"/>
+              <a:schemeClr val="accent4"/>
             </a:solidFill>
           </a:ln>
         </p:spPr>
-        <p:txBody>
-          <a:bodyPr wrap="square" rtlCol="0">
-            <a:spAutoFit/>
-          </a:bodyPr>
-          <a:lstStyle/>
+        <p:style>
+          <a:lnRef idx="2">
+            <a:schemeClr val="accent1">
+              <a:shade val="50000"/>
+            </a:schemeClr>
+          </a:lnRef>
+          <a:fillRef idx="1">
+            <a:schemeClr val="accent1"/>
+          </a:fillRef>
+          <a:effectRef idx="0">
+            <a:schemeClr val="accent1"/>
+          </a:effectRef>
+          <a:fontRef idx="minor">
+            <a:schemeClr val="lt1"/>
+          </a:fontRef>
+        </p:style>
+        <p:txBody>
+          <a:bodyPr rtlCol="0" anchor="ctr"/>
+          <a:lstStyle>
+            <a:defPPr>
+              <a:defRPr lang="en-US"/>
+            </a:defPPr>
+            <a:lvl1pPr algn="ctr">
+              <a:defRPr>
+                <a:solidFill>
+                  <a:schemeClr val="accent5"/>
+                </a:solidFill>
+              </a:defRPr>
+            </a:lvl1pPr>
+            <a:lvl2pPr>
+              <a:defRPr>
+                <a:solidFill>
+                  <a:schemeClr val="lt1"/>
+                </a:solidFill>
+              </a:defRPr>
+            </a:lvl2pPr>
+            <a:lvl3pPr>
+              <a:defRPr>
+                <a:solidFill>
+                  <a:schemeClr val="lt1"/>
+                </a:solidFill>
+              </a:defRPr>
+            </a:lvl3pPr>
+            <a:lvl4pPr>
+              <a:defRPr>
+                <a:solidFill>
+                  <a:schemeClr val="lt1"/>
+                </a:solidFill>
+              </a:defRPr>
+            </a:lvl4pPr>
+            <a:lvl5pPr>
+              <a:defRPr>
+                <a:solidFill>
+                  <a:schemeClr val="lt1"/>
+                </a:solidFill>
+              </a:defRPr>
+            </a:lvl5pPr>
+            <a:lvl6pPr>
+              <a:defRPr>
+                <a:solidFill>
+                  <a:schemeClr val="lt1"/>
+                </a:solidFill>
+              </a:defRPr>
+            </a:lvl6pPr>
+            <a:lvl7pPr>
+              <a:defRPr>
+                <a:solidFill>
+                  <a:schemeClr val="lt1"/>
+                </a:solidFill>
+              </a:defRPr>
+            </a:lvl7pPr>
+            <a:lvl8pPr>
+              <a:defRPr>
+                <a:solidFill>
+                  <a:schemeClr val="lt1"/>
+                </a:solidFill>
+              </a:defRPr>
+            </a:lvl8pPr>
+            <a:lvl9pPr>
+              <a:defRPr>
+                <a:solidFill>
+                  <a:schemeClr val="lt1"/>
+                </a:solidFill>
+              </a:defRPr>
+            </a:lvl9pPr>
+          </a:lstStyle>
           <a:p>
             <a:r>
               <a:rPr lang="en-GB" dirty="0"/>
@@ -43919,19 +44371,100 @@
             <a:avLst/>
           </a:prstGeom>
           <a:solidFill>
-            <a:schemeClr val="bg1"/>
+            <a:schemeClr val="accent4"/>
           </a:solidFill>
-          <a:ln w="19050">
+          <a:ln w="34925">
             <a:solidFill>
-              <a:schemeClr val="tx2"/>
+              <a:schemeClr val="accent4"/>
             </a:solidFill>
           </a:ln>
         </p:spPr>
-        <p:txBody>
-          <a:bodyPr wrap="square" rtlCol="0">
-            <a:spAutoFit/>
-          </a:bodyPr>
-          <a:lstStyle/>
+        <p:style>
+          <a:lnRef idx="2">
+            <a:schemeClr val="accent1">
+              <a:shade val="50000"/>
+            </a:schemeClr>
+          </a:lnRef>
+          <a:fillRef idx="1">
+            <a:schemeClr val="accent1"/>
+          </a:fillRef>
+          <a:effectRef idx="0">
+            <a:schemeClr val="accent1"/>
+          </a:effectRef>
+          <a:fontRef idx="minor">
+            <a:schemeClr val="lt1"/>
+          </a:fontRef>
+        </p:style>
+        <p:txBody>
+          <a:bodyPr rtlCol="0" anchor="ctr"/>
+          <a:lstStyle>
+            <a:defPPr>
+              <a:defRPr lang="en-US"/>
+            </a:defPPr>
+            <a:lvl1pPr algn="ctr">
+              <a:defRPr>
+                <a:solidFill>
+                  <a:schemeClr val="accent5"/>
+                </a:solidFill>
+              </a:defRPr>
+            </a:lvl1pPr>
+            <a:lvl2pPr>
+              <a:defRPr>
+                <a:solidFill>
+                  <a:schemeClr val="lt1"/>
+                </a:solidFill>
+              </a:defRPr>
+            </a:lvl2pPr>
+            <a:lvl3pPr>
+              <a:defRPr>
+                <a:solidFill>
+                  <a:schemeClr val="lt1"/>
+                </a:solidFill>
+              </a:defRPr>
+            </a:lvl3pPr>
+            <a:lvl4pPr>
+              <a:defRPr>
+                <a:solidFill>
+                  <a:schemeClr val="lt1"/>
+                </a:solidFill>
+              </a:defRPr>
+            </a:lvl4pPr>
+            <a:lvl5pPr>
+              <a:defRPr>
+                <a:solidFill>
+                  <a:schemeClr val="lt1"/>
+                </a:solidFill>
+              </a:defRPr>
+            </a:lvl5pPr>
+            <a:lvl6pPr>
+              <a:defRPr>
+                <a:solidFill>
+                  <a:schemeClr val="lt1"/>
+                </a:solidFill>
+              </a:defRPr>
+            </a:lvl6pPr>
+            <a:lvl7pPr>
+              <a:defRPr>
+                <a:solidFill>
+                  <a:schemeClr val="lt1"/>
+                </a:solidFill>
+              </a:defRPr>
+            </a:lvl7pPr>
+            <a:lvl8pPr>
+              <a:defRPr>
+                <a:solidFill>
+                  <a:schemeClr val="lt1"/>
+                </a:solidFill>
+              </a:defRPr>
+            </a:lvl8pPr>
+            <a:lvl9pPr>
+              <a:defRPr>
+                <a:solidFill>
+                  <a:schemeClr val="lt1"/>
+                </a:solidFill>
+              </a:defRPr>
+            </a:lvl9pPr>
+          </a:lstStyle>
           <a:p>
             <a:r>
               <a:rPr lang="en-GB" dirty="0"/>
@@ -44147,7 +44680,7 @@
                                           </p:stCondLst>
                                         </p:cTn>
                                         <p:tgtEl>
-                                          <p:spTgt spid="35"/>
+                                          <p:spTgt spid="26"/>
                                         </p:tgtEl>
                                         <p:attrNameLst>
                                           <p:attrName>style.visibility</p:attrName>
@@ -44187,6 +44720,96 @@
                                     <p:set>
                                       <p:cBhvr>
                                         <p:cTn id="10" dur="1" fill="hold">
+                                          <p:stCondLst>
+                                            <p:cond delay="0"/>
+                                          </p:stCondLst>
+                                        </p:cTn>
+                                        <p:tgtEl>
+                                          <p:spTgt spid="28"/>
+                                        </p:tgtEl>
+                                        <p:attrNameLst>
+                                          <p:attrName>style.visibility</p:attrName>
+                                        </p:attrNameLst>
+                                      </p:cBhvr>
+                                      <p:to>
+                                        <p:strVal val="visible"/>
+                                      </p:to>
+                                    </p:set>
+                                  </p:childTnLst>
+                                </p:cTn>
+                              </p:par>
+                            </p:childTnLst>
+                          </p:cTn>
+                        </p:par>
+                      </p:childTnLst>
+                    </p:cTn>
+                  </p:par>
+                  <p:par>
+                    <p:cTn id="11" fill="hold">
+                      <p:stCondLst>
+                        <p:cond delay="indefinite"/>
+                      </p:stCondLst>
+                      <p:childTnLst>
+                        <p:par>
+                          <p:cTn id="12" fill="hold">
+                            <p:stCondLst>
+                              <p:cond delay="0"/>
+                            </p:stCondLst>
+                            <p:childTnLst>
+                              <p:par>
+                                <p:cTn id="13" presetID="1" presetClass="entr" presetSubtype="0" fill="hold" grpId="0" nodeType="clickEffect">
+                                  <p:stCondLst>
+                                    <p:cond delay="0"/>
+                                  </p:stCondLst>
+                                  <p:childTnLst>
+                                    <p:set>
+                                      <p:cBhvr>
+                                        <p:cTn id="14" dur="1" fill="hold">
+                                          <p:stCondLst>
+                                            <p:cond delay="0"/>
+                                          </p:stCondLst>
+                                        </p:cTn>
+                                        <p:tgtEl>
+                                          <p:spTgt spid="35"/>
+                                        </p:tgtEl>
+                                        <p:attrNameLst>
+                                          <p:attrName>style.visibility</p:attrName>
+                                        </p:attrNameLst>
+                                      </p:cBhvr>
+                                      <p:to>
+                                        <p:strVal val="visible"/>
+                                      </p:to>
+                                    </p:set>
+                                  </p:childTnLst>
+                                </p:cTn>
+                              </p:par>
+                            </p:childTnLst>
+                          </p:cTn>
+                        </p:par>
+                      </p:childTnLst>
+                    </p:cTn>
+                  </p:par>
+                  <p:par>
+                    <p:cTn id="15" fill="hold">
+                      <p:stCondLst>
+                        <p:cond delay="indefinite"/>
+                      </p:stCondLst>
+                      <p:childTnLst>
+                        <p:par>
+                          <p:cTn id="16" fill="hold">
+                            <p:stCondLst>
+                              <p:cond delay="0"/>
+                            </p:stCondLst>
+                            <p:childTnLst>
+                              <p:par>
+                                <p:cTn id="17" presetID="1" presetClass="entr" presetSubtype="0" fill="hold" grpId="0" nodeType="clickEffect">
+                                  <p:stCondLst>
+                                    <p:cond delay="0"/>
+                                  </p:stCondLst>
+                                  <p:childTnLst>
+                                    <p:set>
+                                      <p:cBhvr>
+                                        <p:cTn id="18" dur="1" fill="hold">
                                           <p:stCondLst>
                                             <p:cond delay="0"/>
                                           </p:stCondLst>
@@ -44233,6 +44856,8 @@
       </p:par>
     </p:tnLst>
     <p:bldLst>
+      <p:bldP spid="26" grpId="0" animBg="1"/>
+      <p:bldP spid="28" grpId="0" animBg="1"/>
       <p:bldP spid="35" grpId="0" animBg="1"/>
       <p:bldP spid="37" grpId="0" animBg="1"/>
     </p:bldLst>
@@ -44799,7 +45424,11 @@
             <a:avLst/>
           </a:prstGeom>
           <a:noFill/>
-          <a:ln w="76200"/>
+          <a:ln w="76200">
+            <a:solidFill>
+              <a:schemeClr val="accent4"/>
+            </a:solidFill>
+          </a:ln>
         </p:spPr>
         <p:style>
           <a:lnRef idx="2">
@@ -44822,7 +45451,7 @@
           <a:lstStyle/>
           <a:p>
             <a:pPr algn="ctr"/>
-            <a:endParaRPr lang="en-GB"/>
+            <a:endParaRPr lang="en-GB" dirty="0"/>
           </a:p>
         </p:txBody>
       </p:sp>
@@ -44965,7 +45594,7 @@
           <a:p>
             <a:r>
               <a:rPr lang="en-US" dirty="0"/>
-              <a:t>Kofax Total Agility Integration</a:t>
+              <a:t>Kofax Total Agility Integration – 5 Actions</a:t>
             </a:r>
             <a:endParaRPr lang="en-DK" dirty="0"/>
           </a:p>
@@ -45072,7 +45701,7 @@
         <p:spPr>
           <a:xfrm>
             <a:off x="527648" y="1402861"/>
-            <a:ext cx="5078722" cy="872034"/>
+            <a:ext cx="5078722" cy="1703030"/>
           </a:xfrm>
           <a:prstGeom prst="rect">
             <a:avLst/>
@@ -45102,7 +45731,7 @@
             </a:pPr>
             <a:r>
               <a:rPr lang="en-US" dirty="0"/>
-              <a:t>Initialize job with a document</a:t>
+              <a:t>Create job with a document – it’s really Kofax now!!</a:t>
             </a:r>
           </a:p>
           <a:p>
@@ -45127,8 +45756,67 @@
               <a:t>Config menus automatically update.</a:t>
             </a:r>
           </a:p>
-        </p:txBody>
-      </p:sp>
+          <a:p>
+            <a:pPr marL="708660" lvl="2" indent="-342900">
+              <a:lnSpc>
+                <a:spcPct val="150000"/>
+              </a:lnSpc>
+              <a:buClr>
+                <a:srgbClr val="E7E6E6">
+                  <a:lumMod val="50000"/>
+                </a:srgbClr>
+              </a:buClr>
+              <a:buFont typeface="Courier New" panose="02070309020205020404" pitchFamily="49" charset="0"/>
+              <a:buChar char="o"/>
+              <a:tabLst>
+                <a:tab pos="456515" algn="l"/>
+              </a:tabLst>
+              <a:defRPr/>
+            </a:pPr>
+            <a:endParaRPr lang="en-US" dirty="0"/>
+          </a:p>
+        </p:txBody>
+      </p:sp>
+      <p:pic>
+        <p:nvPicPr>
+          <p:cNvPr id="8" name="Picture 7">
+            <a:extLst>
+              <a:ext uri="{FF2B5EF4-FFF2-40B4-BE49-F238E27FC236}">
+                <a16:creationId xmlns:a16="http://schemas.microsoft.com/office/drawing/2014/main" id="{279D5D64-564B-49E9-BAEF-C9B72A273E68}"/>
+              </a:ext>
+            </a:extLst>
+          </p:cNvPr>
+          <p:cNvPicPr>
+            <a:picLocks noChangeAspect="1"/>
+          </p:cNvPicPr>
+          <p:nvPr/>
+        </p:nvPicPr>
+        <p:blipFill>
+          <a:blip r:embed="rId3"/>
+          <a:stretch>
+            <a:fillRect/>
+          </a:stretch>
+        </p:blipFill>
+        <p:spPr>
+          <a:xfrm>
+            <a:off x="2035311" y="2743616"/>
+            <a:ext cx="2449007" cy="3914224"/>
+          </a:xfrm>
+          <a:prstGeom prst="rect">
+            <a:avLst/>
+          </a:prstGeom>
+          <a:ln>
+            <a:noFill/>
+          </a:ln>
+          <a:effectLst>
+            <a:outerShdw blurRad="292100" dist="139700" dir="2700000" algn="tl" rotWithShape="0">
+              <a:srgbClr val="333333">
+                <a:alpha val="65000"/>
+              </a:srgbClr>
+            </a:outerShdw>
+          </a:effectLst>
+        </p:spPr>
+      </p:pic>
     </p:spTree>
     <p:extLst>
       <p:ext uri="{BB962C8B-B14F-4D97-AF65-F5344CB8AC3E}">
@@ -45302,7 +45990,7 @@
           <p:nvPr/>
         </p:nvPicPr>
         <p:blipFill>
-          <a:blip r:embed="rId2"/>
+          <a:blip r:embed="rId3"/>
           <a:stretch>
             <a:fillRect/>
           </a:stretch>
@@ -45332,9 +46020,9 @@
         <p:grpSpPr>
           <a:xfrm>
             <a:off x="5584463" y="2158363"/>
-            <a:ext cx="4531767" cy="4563112"/>
+            <a:ext cx="4531767" cy="4649973"/>
             <a:chOff x="5279663" y="1887509"/>
-            <a:chExt cx="4531767" cy="4563112"/>
+            <a:chExt cx="4531767" cy="4649973"/>
           </a:xfrm>
         </p:grpSpPr>
         <p:pic>
@@ -45352,7 +46040,7 @@
             <p:nvPr/>
           </p:nvPicPr>
           <p:blipFill>
-            <a:blip r:embed="rId3"/>
+            <a:blip r:embed="rId4"/>
             <a:stretch>
               <a:fillRect/>
             </a:stretch>
@@ -45388,19 +46076,28 @@
               <a:avLst/>
             </a:prstGeom>
             <a:solidFill>
-              <a:schemeClr val="bg1"/>
+              <a:schemeClr val="accent4"/>
             </a:solidFill>
             <a:ln w="19050">
-              <a:solidFill>
-                <a:schemeClr val="tx2"/>
-              </a:solidFill>
+              <a:noFill/>
             </a:ln>
           </p:spPr>
           <p:txBody>
             <a:bodyPr wrap="square" rtlCol="0">
               <a:spAutoFit/>
             </a:bodyPr>
-            <a:lstStyle/>
+            <a:lstStyle>
+              <a:defPPr>
+                <a:defRPr lang="en-US"/>
+              </a:defPPr>
+              <a:lvl1pPr>
+                <a:defRPr b="1">
+                  <a:solidFill>
+                    <a:schemeClr val="accent5"/>
+                  </a:solidFill>
+                </a:defRPr>
+              </a:lvl1pPr>
+            </a:lstStyle>
             <a:p>
               <a:r>
                 <a:rPr lang="en-GB" dirty="0"/>
@@ -45593,7 +46290,7 @@
         <p:spPr/>
         <p:txBody>
           <a:bodyPr>
-            <a:normAutofit/>
+            <a:normAutofit lnSpcReduction="10000"/>
           </a:bodyPr>
           <a:lstStyle/>
           <a:p>
@@ -45666,7 +46363,7 @@
             </a:pPr>
             <a:r>
               <a:rPr lang="en-US" sz="1600" dirty="0"/>
-              <a:t>New UI Management Console to conform with other Kofax IA products.</a:t>
+              <a:t>New Management Console UI to conform with other Kofax Intelligent Automation products.</a:t>
             </a:r>
           </a:p>
           <a:p>
@@ -45766,8 +46463,20 @@
               <a:defRPr/>
             </a:pPr>
             <a:r>
+              <a:rPr lang="en-US" sz="1600" b="1" dirty="0"/>
+              <a:t>Desktop Automation Robots </a:t>
+            </a:r>
+            <a:r>
               <a:rPr lang="en-US" sz="1600" dirty="0"/>
-              <a:t>Desktop Automation Robots can now be edited without the host Web Automation Robot open.</a:t>
+              <a:t>can now be edited without the host </a:t>
+            </a:r>
+            <a:r>
+              <a:rPr lang="en-US" sz="1600" b="1" dirty="0"/>
+              <a:t>Web Automation Robot </a:t>
+            </a:r>
+            <a:r>
+              <a:rPr lang="en-US" sz="1600" dirty="0"/>
+              <a:t>open.</a:t>
             </a:r>
           </a:p>
           <a:p>
@@ -45786,8 +46495,12 @@
               <a:defRPr/>
             </a:pPr>
             <a:r>
+              <a:rPr lang="en-US" sz="1600" b="1" dirty="0"/>
+              <a:t>Robots that are not </a:t>
+            </a:r>
+            <a:r>
               <a:rPr lang="en-US" sz="1600" dirty="0"/>
-              <a:t>Bulk extraction of DAR from WAR in project tree, since RPA 11 requires them to be different files.</a:t>
+              <a:t>executing can be edited and copied.</a:t>
             </a:r>
           </a:p>
           <a:p>
@@ -45807,6 +46520,26 @@
             </a:pPr>
             <a:r>
               <a:rPr lang="en-US" sz="1600" dirty="0"/>
+              <a:t>Bulk extraction of DAR from WAR in project tree, since RPA 11 requires them to be different files.</a:t>
+            </a:r>
+          </a:p>
+          <a:p>
+            <a:pPr marL="457200" lvl="1" indent="-457200">
+              <a:lnSpc>
+                <a:spcPct val="150000"/>
+              </a:lnSpc>
+              <a:buClr>
+                <a:srgbClr val="E7E6E6">
+                  <a:lumMod val="50000"/>
+                </a:srgbClr>
+              </a:buClr>
+              <a:tabLst>
+                <a:tab pos="456515" algn="l"/>
+              </a:tabLst>
+              <a:defRPr/>
+            </a:pPr>
+            <a:r>
+              <a:rPr lang="en-US" sz="1600" dirty="0"/>
               <a:t>Process Discovery Improvements</a:t>
             </a:r>
           </a:p>
@@ -45897,10 +46630,10 @@
       </p:sp>
       <p:pic>
         <p:nvPicPr>
-          <p:cNvPr id="8" name="Picture 7">
-            <a:extLst>
-              <a:ext uri="{FF2B5EF4-FFF2-40B4-BE49-F238E27FC236}">
-                <a16:creationId xmlns:a16="http://schemas.microsoft.com/office/drawing/2014/main" id="{D6DA25F4-2385-47B2-B0E2-BF4DAEC70C1A}"/>
+          <p:cNvPr id="9" name="Picture 8">
+            <a:extLst>
+              <a:ext uri="{FF2B5EF4-FFF2-40B4-BE49-F238E27FC236}">
+                <a16:creationId xmlns:a16="http://schemas.microsoft.com/office/drawing/2014/main" id="{0B7B86B3-A400-4952-8AB0-19A17B1A8C9A}"/>
               </a:ext>
             </a:extLst>
           </p:cNvPr>
@@ -45917,8 +46650,8 @@
         </p:blipFill>
         <p:spPr>
           <a:xfrm>
-            <a:off x="4143102" y="2967335"/>
-            <a:ext cx="3905795" cy="2391109"/>
+            <a:off x="5409538" y="2919832"/>
+            <a:ext cx="4648849" cy="2991267"/>
           </a:xfrm>
           <a:prstGeom prst="rect">
             <a:avLst/>
@@ -45937,10 +46670,10 @@
       </p:pic>
       <p:pic>
         <p:nvPicPr>
-          <p:cNvPr id="10" name="Picture 9">
-            <a:extLst>
-              <a:ext uri="{FF2B5EF4-FFF2-40B4-BE49-F238E27FC236}">
-                <a16:creationId xmlns:a16="http://schemas.microsoft.com/office/drawing/2014/main" id="{5104982C-1D55-4015-85C8-8B1E45EA2117}"/>
+          <p:cNvPr id="8" name="Picture 7">
+            <a:extLst>
+              <a:ext uri="{FF2B5EF4-FFF2-40B4-BE49-F238E27FC236}">
+                <a16:creationId xmlns:a16="http://schemas.microsoft.com/office/drawing/2014/main" id="{D6DA25F4-2385-47B2-B0E2-BF4DAEC70C1A}"/>
               </a:ext>
             </a:extLst>
           </p:cNvPr>
@@ -45957,8 +46690,8 @@
         </p:blipFill>
         <p:spPr>
           <a:xfrm>
-            <a:off x="2885816" y="2858150"/>
-            <a:ext cx="5763429" cy="3791479"/>
+            <a:off x="848764" y="2967335"/>
+            <a:ext cx="3905795" cy="2391109"/>
           </a:xfrm>
           <a:prstGeom prst="rect">
             <a:avLst/>
@@ -45977,10 +46710,10 @@
       </p:pic>
       <p:pic>
         <p:nvPicPr>
-          <p:cNvPr id="12" name="Picture 11">
-            <a:extLst>
-              <a:ext uri="{FF2B5EF4-FFF2-40B4-BE49-F238E27FC236}">
-                <a16:creationId xmlns:a16="http://schemas.microsoft.com/office/drawing/2014/main" id="{50A028FC-8AE3-4406-9F02-AC5B94D190BE}"/>
+          <p:cNvPr id="10" name="Picture 9">
+            <a:extLst>
+              <a:ext uri="{FF2B5EF4-FFF2-40B4-BE49-F238E27FC236}">
+                <a16:creationId xmlns:a16="http://schemas.microsoft.com/office/drawing/2014/main" id="{5104982C-1D55-4015-85C8-8B1E45EA2117}"/>
               </a:ext>
             </a:extLst>
           </p:cNvPr>
@@ -45997,8 +46730,8 @@
         </p:blipFill>
         <p:spPr>
           <a:xfrm>
-            <a:off x="1646251" y="3296361"/>
-            <a:ext cx="6770702" cy="3389663"/>
+            <a:off x="2885816" y="2858150"/>
+            <a:ext cx="5763429" cy="3791479"/>
           </a:xfrm>
           <a:prstGeom prst="rect">
             <a:avLst/>
@@ -46017,10 +46750,10 @@
       </p:pic>
       <p:pic>
         <p:nvPicPr>
-          <p:cNvPr id="14" name="Picture 13">
-            <a:extLst>
-              <a:ext uri="{FF2B5EF4-FFF2-40B4-BE49-F238E27FC236}">
-                <a16:creationId xmlns:a16="http://schemas.microsoft.com/office/drawing/2014/main" id="{C62CE3F5-3581-4221-8E2E-F4CBE445FFCE}"/>
+          <p:cNvPr id="12" name="Picture 11">
+            <a:extLst>
+              <a:ext uri="{FF2B5EF4-FFF2-40B4-BE49-F238E27FC236}">
+                <a16:creationId xmlns:a16="http://schemas.microsoft.com/office/drawing/2014/main" id="{50A028FC-8AE3-4406-9F02-AC5B94D190BE}"/>
               </a:ext>
             </a:extLst>
           </p:cNvPr>
@@ -46031,6 +46764,46 @@
         </p:nvPicPr>
         <p:blipFill>
           <a:blip r:embed="rId5"/>
+          <a:stretch>
+            <a:fillRect/>
+          </a:stretch>
+        </p:blipFill>
+        <p:spPr>
+          <a:xfrm>
+            <a:off x="1646251" y="3296361"/>
+            <a:ext cx="6770702" cy="3389663"/>
+          </a:xfrm>
+          <a:prstGeom prst="rect">
+            <a:avLst/>
+          </a:prstGeom>
+          <a:ln>
+            <a:noFill/>
+          </a:ln>
+          <a:effectLst>
+            <a:outerShdw blurRad="292100" dist="139700" dir="2700000" algn="tl" rotWithShape="0">
+              <a:srgbClr val="333333">
+                <a:alpha val="65000"/>
+              </a:srgbClr>
+            </a:outerShdw>
+          </a:effectLst>
+        </p:spPr>
+      </p:pic>
+      <p:pic>
+        <p:nvPicPr>
+          <p:cNvPr id="14" name="Picture 13">
+            <a:extLst>
+              <a:ext uri="{FF2B5EF4-FFF2-40B4-BE49-F238E27FC236}">
+                <a16:creationId xmlns:a16="http://schemas.microsoft.com/office/drawing/2014/main" id="{C62CE3F5-3581-4221-8E2E-F4CBE445FFCE}"/>
+              </a:ext>
+            </a:extLst>
+          </p:cNvPr>
+          <p:cNvPicPr>
+            <a:picLocks noChangeAspect="1"/>
+          </p:cNvPicPr>
+          <p:nvPr/>
+        </p:nvPicPr>
+        <p:blipFill>
+          <a:blip r:embed="rId6"/>
           <a:stretch>
             <a:fillRect/>
           </a:stretch>
@@ -46174,6 +46947,33 @@
                                   </p:childTnLst>
                                 </p:cTn>
                               </p:par>
+                              <p:par>
+                                <p:cTn id="11" presetID="1" presetClass="entr" presetSubtype="0" fill="hold" nodeType="withEffect">
+                                  <p:stCondLst>
+                                    <p:cond delay="0"/>
+                                  </p:stCondLst>
+                                  <p:childTnLst>
+                                    <p:set>
+                                      <p:cBhvr>
+                                        <p:cTn id="12" dur="1" fill="hold">
+                                          <p:stCondLst>
+                                            <p:cond delay="0"/>
+                                          </p:stCondLst>
+                                        </p:cTn>
+                                        <p:tgtEl>
+                                          <p:spTgt spid="9"/>
+                                        </p:tgtEl>
+                                        <p:attrNameLst>
+                                          <p:attrName>style.visibility</p:attrName>
+                                        </p:attrNameLst>
+                                      </p:cBhvr>
+                                      <p:to>
+                                        <p:strVal val="visible"/>
+                                      </p:to>
+                                    </p:set>
+                                  </p:childTnLst>
+                                </p:cTn>
+                              </p:par>
                             </p:childTnLst>
                           </p:cTn>
                         </p:par>
@@ -46181,26 +46981,26 @@
                     </p:cTn>
                   </p:par>
                   <p:par>
-                    <p:cTn id="11" fill="hold">
+                    <p:cTn id="13" fill="hold">
                       <p:stCondLst>
                         <p:cond delay="indefinite"/>
                       </p:stCondLst>
                       <p:childTnLst>
                         <p:par>
-                          <p:cTn id="12" fill="hold">
+                          <p:cTn id="14" fill="hold">
                             <p:stCondLst>
                               <p:cond delay="0"/>
                             </p:stCondLst>
                             <p:childTnLst>
                               <p:par>
-                                <p:cTn id="13" presetID="1" presetClass="exit" presetSubtype="0" fill="hold" nodeType="clickEffect">
+                                <p:cTn id="15" presetID="1" presetClass="exit" presetSubtype="0" fill="hold" nodeType="clickEffect">
                                   <p:stCondLst>
                                     <p:cond delay="0"/>
                                   </p:stCondLst>
                                   <p:childTnLst>
                                     <p:set>
                                       <p:cBhvr>
-                                        <p:cTn id="14" dur="1" fill="hold">
+                                        <p:cTn id="16" dur="1" fill="hold">
                                           <p:stCondLst>
                                             <p:cond delay="0"/>
                                           </p:stCondLst>
@@ -46220,14 +47020,41 @@
                                 </p:cTn>
                               </p:par>
                               <p:par>
-                                <p:cTn id="15" presetID="1" presetClass="entr" presetSubtype="0" fill="hold" grpId="0" nodeType="withEffect">
+                                <p:cTn id="17" presetID="1" presetClass="exit" presetSubtype="0" fill="hold" nodeType="withEffect">
                                   <p:stCondLst>
                                     <p:cond delay="0"/>
                                   </p:stCondLst>
                                   <p:childTnLst>
                                     <p:set>
                                       <p:cBhvr>
-                                        <p:cTn id="16" dur="1" fill="hold">
+                                        <p:cTn id="18" dur="1" fill="hold">
+                                          <p:stCondLst>
+                                            <p:cond delay="0"/>
+                                          </p:stCondLst>
+                                        </p:cTn>
+                                        <p:tgtEl>
+                                          <p:spTgt spid="9"/>
+                                        </p:tgtEl>
+                                        <p:attrNameLst>
+                                          <p:attrName>style.visibility</p:attrName>
+                                        </p:attrNameLst>
+                                      </p:cBhvr>
+                                      <p:to>
+                                        <p:strVal val="hidden"/>
+                                      </p:to>
+                                    </p:set>
+                                  </p:childTnLst>
+                                </p:cTn>
+                              </p:par>
+                              <p:par>
+                                <p:cTn id="19" presetID="1" presetClass="entr" presetSubtype="0" fill="hold" grpId="0" nodeType="withEffect">
+                                  <p:stCondLst>
+                                    <p:cond delay="0"/>
+                                  </p:stCondLst>
+                                  <p:childTnLst>
+                                    <p:set>
+                                      <p:cBhvr>
+                                        <p:cTn id="20" dur="1" fill="hold">
                                           <p:stCondLst>
                                             <p:cond delay="0"/>
                                           </p:stCondLst>
@@ -46251,14 +47078,14 @@
                                 </p:cTn>
                               </p:par>
                               <p:par>
-                                <p:cTn id="17" presetID="1" presetClass="entr" presetSubtype="0" fill="hold" nodeType="withEffect">
+                                <p:cTn id="21" presetID="1" presetClass="entr" presetSubtype="0" fill="hold" nodeType="withEffect">
                                   <p:stCondLst>
                                     <p:cond delay="0"/>
                                   </p:stCondLst>
                                   <p:childTnLst>
                                     <p:set>
                                       <p:cBhvr>
-                                        <p:cTn id="18" dur="1" fill="hold">
+                                        <p:cTn id="22" dur="1" fill="hold">
                                           <p:stCondLst>
                                             <p:cond delay="0"/>
                                           </p:stCondLst>
@@ -46284,26 +47111,26 @@
                     </p:cTn>
                   </p:par>
                   <p:par>
-                    <p:cTn id="19" fill="hold">
+                    <p:cTn id="23" fill="hold">
                       <p:stCondLst>
                         <p:cond delay="indefinite"/>
                       </p:stCondLst>
                       <p:childTnLst>
                         <p:par>
-                          <p:cTn id="20" fill="hold">
+                          <p:cTn id="24" fill="hold">
                             <p:stCondLst>
                               <p:cond delay="0"/>
                             </p:stCondLst>
                             <p:childTnLst>
                               <p:par>
-                                <p:cTn id="21" presetID="1" presetClass="exit" presetSubtype="0" fill="hold" nodeType="clickEffect">
+                                <p:cTn id="25" presetID="1" presetClass="exit" presetSubtype="0" fill="hold" nodeType="clickEffect">
                                   <p:stCondLst>
                                     <p:cond delay="0"/>
                                   </p:stCondLst>
                                   <p:childTnLst>
                                     <p:set>
                                       <p:cBhvr>
-                                        <p:cTn id="22" dur="1" fill="hold">
+                                        <p:cTn id="26" dur="1" fill="hold">
                                           <p:stCondLst>
                                             <p:cond delay="0"/>
                                           </p:stCondLst>
@@ -46323,14 +47150,14 @@
                                 </p:cTn>
                               </p:par>
                               <p:par>
-                                <p:cTn id="23" presetID="1" presetClass="entr" presetSubtype="0" fill="hold" grpId="0" nodeType="withEffect">
+                                <p:cTn id="27" presetID="1" presetClass="entr" presetSubtype="0" fill="hold" grpId="0" nodeType="withEffect">
                                   <p:stCondLst>
                                     <p:cond delay="0"/>
                                   </p:stCondLst>
                                   <p:childTnLst>
                                     <p:set>
                                       <p:cBhvr>
-                                        <p:cTn id="24" dur="1" fill="hold">
+                                        <p:cTn id="28" dur="1" fill="hold">
                                           <p:stCondLst>
                                             <p:cond delay="0"/>
                                           </p:stCondLst>
@@ -46354,14 +47181,14 @@
                                 </p:cTn>
                               </p:par>
                               <p:par>
-                                <p:cTn id="25" presetID="1" presetClass="entr" presetSubtype="0" fill="hold" nodeType="withEffect">
+                                <p:cTn id="29" presetID="1" presetClass="entr" presetSubtype="0" fill="hold" nodeType="withEffect">
                                   <p:stCondLst>
                                     <p:cond delay="0"/>
                                   </p:stCondLst>
                                   <p:childTnLst>
                                     <p:set>
                                       <p:cBhvr>
-                                        <p:cTn id="26" dur="1" fill="hold">
+                                        <p:cTn id="30" dur="1" fill="hold">
                                           <p:stCondLst>
                                             <p:cond delay="0"/>
                                           </p:stCondLst>
@@ -46387,26 +47214,26 @@
                     </p:cTn>
                   </p:par>
                   <p:par>
-                    <p:cTn id="27" fill="hold">
+                    <p:cTn id="31" fill="hold">
                       <p:stCondLst>
                         <p:cond delay="indefinite"/>
                       </p:stCondLst>
                       <p:childTnLst>
                         <p:par>
-                          <p:cTn id="28" fill="hold">
+                          <p:cTn id="32" fill="hold">
                             <p:stCondLst>
                               <p:cond delay="0"/>
                             </p:stCondLst>
                             <p:childTnLst>
                               <p:par>
-                                <p:cTn id="29" presetID="1" presetClass="exit" presetSubtype="0" fill="hold" nodeType="clickEffect">
+                                <p:cTn id="33" presetID="1" presetClass="exit" presetSubtype="0" fill="hold" nodeType="clickEffect">
                                   <p:stCondLst>
                                     <p:cond delay="0"/>
                                   </p:stCondLst>
                                   <p:childTnLst>
                                     <p:set>
                                       <p:cBhvr>
-                                        <p:cTn id="30" dur="1" fill="hold">
+                                        <p:cTn id="34" dur="1" fill="hold">
                                           <p:stCondLst>
                                             <p:cond delay="0"/>
                                           </p:stCondLst>
@@ -46426,14 +47253,14 @@
                                 </p:cTn>
                               </p:par>
                               <p:par>
-                                <p:cTn id="31" presetID="1" presetClass="entr" presetSubtype="0" fill="hold" grpId="0" nodeType="withEffect">
+                                <p:cTn id="35" presetID="1" presetClass="entr" presetSubtype="0" fill="hold" grpId="0" nodeType="withEffect">
                                   <p:stCondLst>
                                     <p:cond delay="0"/>
                                   </p:stCondLst>
                                   <p:childTnLst>
                                     <p:set>
                                       <p:cBhvr>
-                                        <p:cTn id="32" dur="1" fill="hold">
+                                        <p:cTn id="36" dur="1" fill="hold">
                                           <p:stCondLst>
                                             <p:cond delay="0"/>
                                           </p:stCondLst>
@@ -46457,52 +47284,7 @@
                                 </p:cTn>
                               </p:par>
                               <p:par>
-                                <p:cTn id="33" presetID="1" presetClass="entr" presetSubtype="0" fill="hold" grpId="0" nodeType="withEffect">
-                                  <p:stCondLst>
-                                    <p:cond delay="0"/>
-                                  </p:stCondLst>
-                                  <p:childTnLst>
-                                    <p:set>
-                                      <p:cBhvr>
-                                        <p:cTn id="34" dur="1" fill="hold">
-                                          <p:stCondLst>
-                                            <p:cond delay="0"/>
-                                          </p:stCondLst>
-                                        </p:cTn>
-                                        <p:tgtEl>
-                                          <p:spTgt spid="7"/>
-                                        </p:tgtEl>
-                                        <p:attrNameLst>
-                                          <p:attrName>style.visibility</p:attrName>
-                                        </p:attrNameLst>
-                                      </p:cBhvr>
-                                      <p:to>
-                                        <p:strVal val="visible"/>
-                                      </p:to>
-                                    </p:set>
-                                  </p:childTnLst>
-                                </p:cTn>
-                              </p:par>
-                            </p:childTnLst>
-                          </p:cTn>
-                        </p:par>
-                      </p:childTnLst>
-                    </p:cTn>
-                  </p:par>
-                  <p:par>
-                    <p:cTn id="35" fill="hold">
-                      <p:stCondLst>
-                        <p:cond delay="indefinite"/>
-                      </p:stCondLst>
-                      <p:childTnLst>
-                        <p:par>
-                          <p:cTn id="36" fill="hold">
-                            <p:stCondLst>
-                              <p:cond delay="0"/>
-                            </p:stCondLst>
-                            <p:childTnLst>
-                              <p:par>
-                                <p:cTn id="37" presetID="1" presetClass="entr" presetSubtype="0" fill="hold" grpId="0" nodeType="clickEffect">
+                                <p:cTn id="37" presetID="1" presetClass="entr" presetSubtype="0" fill="hold" grpId="0" nodeType="withEffect">
                                   <p:stCondLst>
                                     <p:cond delay="0"/>
                                   </p:stCondLst>
@@ -46515,11 +47297,7 @@
                                           </p:stCondLst>
                                         </p:cTn>
                                         <p:tgtEl>
-                                          <p:spTgt spid="4">
-                                            <p:txEl>
-                                              <p:pRg st="5" end="5"/>
-                                            </p:txEl>
-                                          </p:spTgt>
+                                          <p:spTgt spid="7"/>
                                         </p:tgtEl>
                                         <p:attrNameLst>
                                           <p:attrName>style.visibility</p:attrName>
@@ -46566,6 +47344,55 @@
                                         <p:tgtEl>
                                           <p:spTgt spid="4">
                                             <p:txEl>
+                                              <p:pRg st="5" end="5"/>
+                                            </p:txEl>
+                                          </p:spTgt>
+                                        </p:tgtEl>
+                                        <p:attrNameLst>
+                                          <p:attrName>style.visibility</p:attrName>
+                                        </p:attrNameLst>
+                                      </p:cBhvr>
+                                      <p:to>
+                                        <p:strVal val="visible"/>
+                                      </p:to>
+                                    </p:set>
+                                  </p:childTnLst>
+                                </p:cTn>
+                              </p:par>
+                            </p:childTnLst>
+                          </p:cTn>
+                        </p:par>
+                      </p:childTnLst>
+                    </p:cTn>
+                  </p:par>
+                  <p:par>
+                    <p:cTn id="43" fill="hold">
+                      <p:stCondLst>
+                        <p:cond delay="indefinite"/>
+                      </p:stCondLst>
+                      <p:childTnLst>
+                        <p:par>
+                          <p:cTn id="44" fill="hold">
+                            <p:stCondLst>
+                              <p:cond delay="0"/>
+                            </p:stCondLst>
+                            <p:childTnLst>
+                              <p:par>
+                                <p:cTn id="45" presetID="1" presetClass="entr" presetSubtype="0" fill="hold" grpId="0" nodeType="clickEffect">
+                                  <p:stCondLst>
+                                    <p:cond delay="0"/>
+                                  </p:stCondLst>
+                                  <p:childTnLst>
+                                    <p:set>
+                                      <p:cBhvr>
+                                        <p:cTn id="46" dur="1" fill="hold">
+                                          <p:stCondLst>
+                                            <p:cond delay="0"/>
+                                          </p:stCondLst>
+                                        </p:cTn>
+                                        <p:tgtEl>
+                                          <p:spTgt spid="4">
+                                            <p:txEl>
                                               <p:pRg st="6" end="6"/>
                                             </p:txEl>
                                           </p:spTgt>
@@ -46582,14 +47409,14 @@
                                 </p:cTn>
                               </p:par>
                               <p:par>
-                                <p:cTn id="43" presetID="1" presetClass="entr" presetSubtype="0" fill="hold" nodeType="withEffect">
+                                <p:cTn id="47" presetID="1" presetClass="entr" presetSubtype="0" fill="hold" nodeType="withEffect">
                                   <p:stCondLst>
                                     <p:cond delay="0"/>
                                   </p:stCondLst>
                                   <p:childTnLst>
                                     <p:set>
                                       <p:cBhvr>
-                                        <p:cTn id="44" dur="1" fill="hold">
+                                        <p:cTn id="48" dur="1" fill="hold">
                                           <p:stCondLst>
                                             <p:cond delay="0"/>
                                           </p:stCondLst>
@@ -46615,26 +47442,26 @@
                     </p:cTn>
                   </p:par>
                   <p:par>
-                    <p:cTn id="45" fill="hold">
+                    <p:cTn id="49" fill="hold">
                       <p:stCondLst>
                         <p:cond delay="indefinite"/>
                       </p:stCondLst>
                       <p:childTnLst>
                         <p:par>
-                          <p:cTn id="46" fill="hold">
+                          <p:cTn id="50" fill="hold">
                             <p:stCondLst>
                               <p:cond delay="0"/>
                             </p:stCondLst>
                             <p:childTnLst>
                               <p:par>
-                                <p:cTn id="47" presetID="1" presetClass="exit" presetSubtype="0" fill="hold" nodeType="clickEffect">
+                                <p:cTn id="51" presetID="1" presetClass="exit" presetSubtype="0" fill="hold" nodeType="clickEffect">
                                   <p:stCondLst>
                                     <p:cond delay="0"/>
                                   </p:stCondLst>
                                   <p:childTnLst>
                                     <p:set>
                                       <p:cBhvr>
-                                        <p:cTn id="48" dur="1" fill="hold">
+                                        <p:cTn id="52" dur="1" fill="hold">
                                           <p:stCondLst>
                                             <p:cond delay="0"/>
                                           </p:stCondLst>
@@ -46654,14 +47481,14 @@
                                 </p:cTn>
                               </p:par>
                               <p:par>
-                                <p:cTn id="49" presetID="1" presetClass="entr" presetSubtype="0" fill="hold" grpId="0" nodeType="withEffect">
+                                <p:cTn id="53" presetID="1" presetClass="entr" presetSubtype="0" fill="hold" grpId="0" nodeType="withEffect">
                                   <p:stCondLst>
                                     <p:cond delay="0"/>
                                   </p:stCondLst>
                                   <p:childTnLst>
                                     <p:set>
                                       <p:cBhvr>
-                                        <p:cTn id="50" dur="1" fill="hold">
+                                        <p:cTn id="54" dur="1" fill="hold">
                                           <p:stCondLst>
                                             <p:cond delay="0"/>
                                           </p:stCondLst>
@@ -46684,33 +47511,15 @@
                                   </p:childTnLst>
                                 </p:cTn>
                               </p:par>
-                            </p:childTnLst>
-                          </p:cTn>
-                        </p:par>
-                      </p:childTnLst>
-                    </p:cTn>
-                  </p:par>
-                  <p:par>
-                    <p:cTn id="51" fill="hold">
-                      <p:stCondLst>
-                        <p:cond delay="indefinite"/>
-                      </p:stCondLst>
-                      <p:childTnLst>
-                        <p:par>
-                          <p:cTn id="52" fill="hold">
-                            <p:stCondLst>
-                              <p:cond delay="0"/>
-                            </p:stCondLst>
-                            <p:childTnLst>
                               <p:par>
-                                <p:cTn id="53" presetID="1" presetClass="entr" presetSubtype="0" fill="hold" grpId="0" nodeType="clickEffect">
+                                <p:cTn id="55" presetID="1" presetClass="entr" presetSubtype="0" fill="hold" grpId="0" nodeType="withEffect">
                                   <p:stCondLst>
                                     <p:cond delay="0"/>
                                   </p:stCondLst>
                                   <p:childTnLst>
                                     <p:set>
                                       <p:cBhvr>
-                                        <p:cTn id="54" dur="1" fill="hold">
+                                        <p:cTn id="56" dur="1" fill="hold">
                                           <p:stCondLst>
                                             <p:cond delay="0"/>
                                           </p:stCondLst>
@@ -46740,26 +47549,26 @@
                     </p:cTn>
                   </p:par>
                   <p:par>
-                    <p:cTn id="55" fill="hold">
+                    <p:cTn id="57" fill="hold">
                       <p:stCondLst>
                         <p:cond delay="indefinite"/>
                       </p:stCondLst>
                       <p:childTnLst>
                         <p:par>
-                          <p:cTn id="56" fill="hold">
+                          <p:cTn id="58" fill="hold">
                             <p:stCondLst>
                               <p:cond delay="0"/>
                             </p:stCondLst>
                             <p:childTnLst>
                               <p:par>
-                                <p:cTn id="57" presetID="1" presetClass="entr" presetSubtype="0" fill="hold" grpId="0" nodeType="clickEffect">
+                                <p:cTn id="59" presetID="1" presetClass="entr" presetSubtype="0" fill="hold" grpId="0" nodeType="clickEffect">
                                   <p:stCondLst>
                                     <p:cond delay="0"/>
                                   </p:stCondLst>
                                   <p:childTnLst>
                                     <p:set>
                                       <p:cBhvr>
-                                        <p:cTn id="58" dur="1" fill="hold">
+                                        <p:cTn id="60" dur="1" fill="hold">
                                           <p:stCondLst>
                                             <p:cond delay="0"/>
                                           </p:stCondLst>
@@ -46768,6 +47577,55 @@
                                           <p:spTgt spid="4">
                                             <p:txEl>
                                               <p:pRg st="9" end="9"/>
+                                            </p:txEl>
+                                          </p:spTgt>
+                                        </p:tgtEl>
+                                        <p:attrNameLst>
+                                          <p:attrName>style.visibility</p:attrName>
+                                        </p:attrNameLst>
+                                      </p:cBhvr>
+                                      <p:to>
+                                        <p:strVal val="visible"/>
+                                      </p:to>
+                                    </p:set>
+                                  </p:childTnLst>
+                                </p:cTn>
+                              </p:par>
+                            </p:childTnLst>
+                          </p:cTn>
+                        </p:par>
+                      </p:childTnLst>
+                    </p:cTn>
+                  </p:par>
+                  <p:par>
+                    <p:cTn id="61" fill="hold">
+                      <p:stCondLst>
+                        <p:cond delay="indefinite"/>
+                      </p:stCondLst>
+                      <p:childTnLst>
+                        <p:par>
+                          <p:cTn id="62" fill="hold">
+                            <p:stCondLst>
+                              <p:cond delay="0"/>
+                            </p:stCondLst>
+                            <p:childTnLst>
+                              <p:par>
+                                <p:cTn id="63" presetID="1" presetClass="entr" presetSubtype="0" fill="hold" grpId="0" nodeType="clickEffect">
+                                  <p:stCondLst>
+                                    <p:cond delay="0"/>
+                                  </p:stCondLst>
+                                  <p:childTnLst>
+                                    <p:set>
+                                      <p:cBhvr>
+                                        <p:cTn id="64" dur="1" fill="hold">
+                                          <p:stCondLst>
+                                            <p:cond delay="0"/>
+                                          </p:stCondLst>
+                                        </p:cTn>
+                                        <p:tgtEl>
+                                          <p:spTgt spid="4">
+                                            <p:txEl>
+                                              <p:pRg st="10" end="10"/>
                                             </p:txEl>
                                           </p:spTgt>
                                         </p:tgtEl>
@@ -47164,10 +48022,10 @@
       </p:sp>
       <p:pic>
         <p:nvPicPr>
-          <p:cNvPr id="7" name="Picture 6" descr="A picture containing sitting&#10;&#10;Description automatically generated">
-            <a:extLst>
-              <a:ext uri="{FF2B5EF4-FFF2-40B4-BE49-F238E27FC236}">
-                <a16:creationId xmlns:a16="http://schemas.microsoft.com/office/drawing/2014/main" id="{C025BA6B-21DC-4D6C-8B2F-C4A2517AA3AE}"/>
+          <p:cNvPr id="8" name="Picture 7">
+            <a:extLst>
+              <a:ext uri="{FF2B5EF4-FFF2-40B4-BE49-F238E27FC236}">
+                <a16:creationId xmlns:a16="http://schemas.microsoft.com/office/drawing/2014/main" id="{9E15A257-AA2F-41D3-94E8-AAB6CF529344}"/>
               </a:ext>
             </a:extLst>
           </p:cNvPr>
@@ -47184,14 +48042,13 @@
               </a:ext>
             </a:extLst>
           </a:blip>
-          <a:stretch>
-            <a:fillRect/>
-          </a:stretch>
+          <a:srcRect/>
+          <a:stretch/>
         </p:blipFill>
         <p:spPr>
           <a:xfrm>
-            <a:off x="7521610" y="1471211"/>
-            <a:ext cx="5250264" cy="5250264"/>
+            <a:off x="8299938" y="1431619"/>
+            <a:ext cx="3221057" cy="4831586"/>
           </a:xfrm>
           <a:prstGeom prst="rect">
             <a:avLst/>
@@ -48915,7 +49772,7 @@
           <p:cNvPr id="2" name="Title 1">
             <a:extLst>
               <a:ext uri="{FF2B5EF4-FFF2-40B4-BE49-F238E27FC236}">
-                <a16:creationId xmlns:a16="http://schemas.microsoft.com/office/drawing/2014/main" id="{4392922A-3A95-4B99-918F-69FAF43494DA}"/>
+                <a16:creationId xmlns:a16="http://schemas.microsoft.com/office/drawing/2014/main" id="{C6EAE962-E07F-435F-9CE6-6BE243182878}"/>
               </a:ext>
             </a:extLst>
           </p:cNvPr>
@@ -48933,7 +49790,7 @@
           <a:p>
             <a:r>
               <a:rPr lang="en-GB" dirty="0"/>
-              <a:t>Desktop Automation supports regular expressions (regex) to extract values from text.</a:t>
+              <a:t>User Enablement</a:t>
             </a:r>
           </a:p>
         </p:txBody>
@@ -48943,7 +49800,7 @@
           <p:cNvPr id="3" name="Slide Number Placeholder 2">
             <a:extLst>
               <a:ext uri="{FF2B5EF4-FFF2-40B4-BE49-F238E27FC236}">
-                <a16:creationId xmlns:a16="http://schemas.microsoft.com/office/drawing/2014/main" id="{DD130109-62EC-45D4-8BA1-0B2F73821DC3}"/>
+                <a16:creationId xmlns:a16="http://schemas.microsoft.com/office/drawing/2014/main" id="{BEFA614F-90AD-4C1C-8507-9823697A51CA}"/>
               </a:ext>
             </a:extLst>
           </p:cNvPr>
@@ -48973,7 +49830,7 @@
           <p:cNvPr id="4" name="Text Placeholder 3">
             <a:extLst>
               <a:ext uri="{FF2B5EF4-FFF2-40B4-BE49-F238E27FC236}">
-                <a16:creationId xmlns:a16="http://schemas.microsoft.com/office/drawing/2014/main" id="{01C8DD38-944D-4764-81A3-8D73C3CF1A0B}"/>
+                <a16:creationId xmlns:a16="http://schemas.microsoft.com/office/drawing/2014/main" id="{189869AB-41B3-4ECD-AFCD-E9821377CDA2}"/>
               </a:ext>
             </a:extLst>
           </p:cNvPr>
@@ -48987,178 +49844,108 @@
         <p:spPr/>
         <p:txBody>
           <a:bodyPr>
-            <a:normAutofit/>
+            <a:normAutofit lnSpcReduction="10000"/>
           </a:bodyPr>
           <a:lstStyle/>
           <a:p>
             <a:r>
               <a:rPr lang="en-GB" dirty="0"/>
-              <a:t>Here is how to extract the number in red and the number in blue, switch their order and put a dash between them</a:t>
+              <a:t>You must now login to Management Console and Design Studio.</a:t>
             </a:r>
           </a:p>
           <a:p>
             <a:r>
               <a:rPr lang="en-GB" dirty="0"/>
-              <a:t>Input :  </a:t>
-            </a:r>
-            <a:r>
-              <a:rPr lang="en-GB" dirty="0">
-                <a:highlight>
-                  <a:srgbClr val="C0C0C0"/>
-                </a:highlight>
-              </a:rPr>
-              <a:t>Code: L</a:t>
-            </a:r>
-            <a:r>
-              <a:rPr lang="en-GB" dirty="0">
-                <a:solidFill>
-                  <a:srgbClr val="FF0000"/>
-                </a:solidFill>
-                <a:highlight>
-                  <a:srgbClr val="C0C0C0"/>
-                </a:highlight>
-              </a:rPr>
-              <a:t>345</a:t>
-            </a:r>
-            <a:r>
-              <a:rPr lang="en-GB" dirty="0">
-                <a:highlight>
-                  <a:srgbClr val="C0C0C0"/>
-                </a:highlight>
-              </a:rPr>
-              <a:t>/</a:t>
-            </a:r>
-            <a:r>
-              <a:rPr lang="en-GB" dirty="0">
-                <a:solidFill>
-                  <a:schemeClr val="tx2"/>
-                </a:solidFill>
-                <a:highlight>
-                  <a:srgbClr val="C0C0C0"/>
-                </a:highlight>
-              </a:rPr>
-              <a:t>4</a:t>
-            </a:r>
-          </a:p>
-          <a:p>
+              <a:t>You shouldn’t just use the super-user </a:t>
+            </a:r>
+            <a:r>
+              <a:rPr lang="en-GB" b="1" dirty="0"/>
+              <a:t>admin</a:t>
+            </a:r>
             <a:r>
               <a:rPr lang="en-GB" dirty="0"/>
-              <a:t>Regular expression:  .*L(\\d+)/(.*)</a:t>
-            </a:r>
-          </a:p>
-          <a:p>
+              <a:t> with password </a:t>
+            </a:r>
+            <a:r>
+              <a:rPr lang="en-GB" b="1" dirty="0"/>
+              <a:t>admin </a:t>
+            </a:r>
             <a:r>
               <a:rPr lang="en-GB" dirty="0"/>
-              <a:t>The () make “capture groups”. The first group is </a:t>
-            </a:r>
-            <a:r>
-              <a:rPr lang="en-GB" dirty="0">
-                <a:highlight>
-                  <a:srgbClr val="C0C0C0"/>
-                </a:highlight>
-              </a:rPr>
-              <a:t>\\d+</a:t>
-            </a:r>
+              <a:t>for everything</a:t>
+            </a:r>
+          </a:p>
+          <a:p>
             <a:r>
               <a:rPr lang="en-GB" dirty="0"/>
-              <a:t> and the second is </a:t>
-            </a:r>
-            <a:r>
-              <a:rPr lang="en-GB" dirty="0">
-                <a:highlight>
-                  <a:srgbClr val="C0C0C0"/>
-                </a:highlight>
-              </a:rPr>
-              <a:t>.*</a:t>
+              <a:t>Create accounts for users, </a:t>
+            </a:r>
+            <a:r>
+              <a:rPr lang="en-GB" dirty="0" err="1"/>
+              <a:t>roboservers</a:t>
             </a:r>
             <a:r>
               <a:rPr lang="en-GB" dirty="0"/>
-              <a:t>. They are used in the replace step with $1 and $2.</a:t>
-            </a:r>
+              <a:t> and services.</a:t>
+            </a:r>
+          </a:p>
+          <a:p>
+            <a:endParaRPr lang="en-GB" dirty="0"/>
+          </a:p>
+          <a:p>
+            <a:endParaRPr lang="en-GB" dirty="0"/>
+          </a:p>
+          <a:p>
+            <a:endParaRPr lang="en-GB" dirty="0"/>
+          </a:p>
+          <a:p>
+            <a:endParaRPr lang="en-GB" dirty="0"/>
           </a:p>
           <a:p>
             <a:r>
               <a:rPr lang="en-GB" dirty="0"/>
-              <a:t>In this example $1=345, and $2=4</a:t>
-            </a:r>
-          </a:p>
-          <a:p>
-            <a:r>
-              <a:rPr lang="en-GB" dirty="0"/>
-              <a:t>The Output pattern of </a:t>
-            </a:r>
-            <a:r>
-              <a:rPr lang="en-GB" dirty="0">
-                <a:highlight>
-                  <a:srgbClr val="C0C0C0"/>
-                </a:highlight>
-              </a:rPr>
-              <a:t>$2-$1</a:t>
-            </a:r>
-            <a:r>
-              <a:rPr lang="en-GB" dirty="0"/>
-              <a:t> becomes  </a:t>
-            </a:r>
-            <a:r>
-              <a:rPr lang="en-GB" dirty="0">
-                <a:highlight>
-                  <a:srgbClr val="C0C0C0"/>
-                </a:highlight>
-              </a:rPr>
-              <a:t>“</a:t>
-            </a:r>
-            <a:r>
-              <a:rPr lang="en-GB" dirty="0">
-                <a:solidFill>
-                  <a:schemeClr val="tx2"/>
-                </a:solidFill>
-                <a:highlight>
-                  <a:srgbClr val="C0C0C0"/>
-                </a:highlight>
-              </a:rPr>
-              <a:t>4</a:t>
-            </a:r>
-            <a:r>
-              <a:rPr lang="en-GB" dirty="0">
-                <a:highlight>
-                  <a:srgbClr val="C0C0C0"/>
-                </a:highlight>
-              </a:rPr>
-              <a:t>-</a:t>
-            </a:r>
-            <a:r>
-              <a:rPr lang="en-GB" dirty="0">
-                <a:solidFill>
-                  <a:srgbClr val="FF0000"/>
-                </a:solidFill>
-                <a:highlight>
-                  <a:srgbClr val="C0C0C0"/>
-                </a:highlight>
-              </a:rPr>
-              <a:t>345</a:t>
-            </a:r>
-            <a:r>
-              <a:rPr lang="en-GB" dirty="0">
-                <a:highlight>
-                  <a:srgbClr val="C0C0C0"/>
-                </a:highlight>
-              </a:rPr>
-              <a:t>”</a:t>
-            </a:r>
-          </a:p>
-          <a:p>
-            <a:r>
-              <a:rPr lang="en-GB" dirty="0"/>
-              <a:t>You can experiment with this regex here </a:t>
-            </a:r>
-            <a:r>
-              <a:rPr lang="en-GB" dirty="0">
+              <a:t>See </a:t>
+            </a:r>
+            <a:r>
+              <a:rPr lang="en-GB" b="1" dirty="0"/>
+              <a:t>basic guide </a:t>
+            </a:r>
+            <a:r>
+              <a:rPr lang="en-GB" b="1" dirty="0">
                 <a:hlinkClick r:id="rId2"/>
               </a:rPr>
-              <a:t>https://regex101.com/r/fvuQyC/1</a:t>
-            </a:r>
+              <a:t>https://git.io/Jk6bo</a:t>
+            </a:r>
+            <a:r>
+              <a:rPr lang="en-GB" b="1" dirty="0"/>
+              <a:t> </a:t>
+            </a:r>
+          </a:p>
+          <a:p>
             <a:r>
               <a:rPr lang="en-GB" dirty="0"/>
+              <a:t>See </a:t>
+            </a:r>
+            <a:r>
+              <a:rPr lang="en-GB" b="1" dirty="0"/>
+              <a:t>advanced guide </a:t>
+            </a:r>
+            <a:r>
+              <a:rPr lang="en-GB" dirty="0"/>
+              <a:t>in </a:t>
+            </a:r>
+            <a:r>
+              <a:rPr lang="en-GB" b="1" dirty="0"/>
+              <a:t>Robot Lifecycle Management Guide </a:t>
+            </a:r>
+            <a:r>
+              <a:rPr lang="en-GB" b="1" dirty="0">
+                <a:hlinkClick r:id="rId3"/>
+              </a:rPr>
+              <a:t>https://git.io/Jk6bQ</a:t>
+            </a:r>
+            <a:r>
+              <a:rPr lang="en-GB" b="1" dirty="0"/>
               <a:t> </a:t>
             </a:r>
           </a:p>
@@ -49169,7 +49956,7 @@
           <p:cNvPr id="5" name="Text Placeholder 4">
             <a:extLst>
               <a:ext uri="{FF2B5EF4-FFF2-40B4-BE49-F238E27FC236}">
-                <a16:creationId xmlns:a16="http://schemas.microsoft.com/office/drawing/2014/main" id="{A8302C01-D3DF-4192-8751-609C30B100A8}"/>
+                <a16:creationId xmlns:a16="http://schemas.microsoft.com/office/drawing/2014/main" id="{76727DFF-BB7D-4973-BCC1-14CA47E6BDC9}"/>
               </a:ext>
             </a:extLst>
           </p:cNvPr>
@@ -49194,10 +49981,10 @@
       </p:sp>
       <p:pic>
         <p:nvPicPr>
-          <p:cNvPr id="10" name="Picture 9">
-            <a:extLst>
-              <a:ext uri="{FF2B5EF4-FFF2-40B4-BE49-F238E27FC236}">
-                <a16:creationId xmlns:a16="http://schemas.microsoft.com/office/drawing/2014/main" id="{FB053D18-C0F3-44A1-8DAE-68EEF67D15CD}"/>
+          <p:cNvPr id="7" name="Picture 6">
+            <a:extLst>
+              <a:ext uri="{FF2B5EF4-FFF2-40B4-BE49-F238E27FC236}">
+                <a16:creationId xmlns:a16="http://schemas.microsoft.com/office/drawing/2014/main" id="{19DACDA1-AEBD-40B3-8171-285CF19B9B22}"/>
               </a:ext>
             </a:extLst>
           </p:cNvPr>
@@ -49207,15 +49994,45 @@
           <p:nvPr/>
         </p:nvPicPr>
         <p:blipFill>
-          <a:blip r:embed="rId3"/>
+          <a:blip r:embed="rId4"/>
           <a:stretch>
             <a:fillRect/>
           </a:stretch>
         </p:blipFill>
         <p:spPr>
           <a:xfrm>
-            <a:off x="7495900" y="1954317"/>
-            <a:ext cx="3943900" cy="1324160"/>
+            <a:off x="7180239" y="2837934"/>
+            <a:ext cx="4001058" cy="2467319"/>
+          </a:xfrm>
+          <a:prstGeom prst="rect">
+            <a:avLst/>
+          </a:prstGeom>
+        </p:spPr>
+      </p:pic>
+      <p:pic>
+        <p:nvPicPr>
+          <p:cNvPr id="9" name="Picture 8">
+            <a:extLst>
+              <a:ext uri="{FF2B5EF4-FFF2-40B4-BE49-F238E27FC236}">
+                <a16:creationId xmlns:a16="http://schemas.microsoft.com/office/drawing/2014/main" id="{D7853B5D-40A2-496F-9058-D306BF0679CE}"/>
+              </a:ext>
+            </a:extLst>
+          </p:cNvPr>
+          <p:cNvPicPr>
+            <a:picLocks noChangeAspect="1"/>
+          </p:cNvPicPr>
+          <p:nvPr/>
+        </p:nvPicPr>
+        <p:blipFill>
+          <a:blip r:embed="rId5"/>
+          <a:stretch>
+            <a:fillRect/>
+          </a:stretch>
+        </p:blipFill>
+        <p:spPr>
+          <a:xfrm>
+            <a:off x="361399" y="3168755"/>
+            <a:ext cx="6574971" cy="1543604"/>
           </a:xfrm>
           <a:prstGeom prst="rect">
             <a:avLst/>
@@ -49225,7 +50042,7 @@
     </p:spTree>
     <p:extLst>
       <p:ext uri="{BB962C8B-B14F-4D97-AF65-F5344CB8AC3E}">
-        <p14:creationId xmlns:p14="http://schemas.microsoft.com/office/powerpoint/2010/main" val="4220961646"/>
+        <p14:creationId xmlns:p14="http://schemas.microsoft.com/office/powerpoint/2010/main" val="1800710821"/>
       </p:ext>
     </p:extLst>
   </p:cSld>
@@ -49254,10 +50071,38 @@
       </p:grpSpPr>
       <p:sp>
         <p:nvSpPr>
-          <p:cNvPr id="2" name="Slide Number Placeholder 1">
-            <a:extLst>
-              <a:ext uri="{FF2B5EF4-FFF2-40B4-BE49-F238E27FC236}">
-                <a16:creationId xmlns:a16="http://schemas.microsoft.com/office/drawing/2014/main" id="{A0EC139E-180C-4793-8338-04AB7722F0F9}"/>
+          <p:cNvPr id="2" name="Title 1">
+            <a:extLst>
+              <a:ext uri="{FF2B5EF4-FFF2-40B4-BE49-F238E27FC236}">
+                <a16:creationId xmlns:a16="http://schemas.microsoft.com/office/drawing/2014/main" id="{4392922A-3A95-4B99-918F-69FAF43494DA}"/>
+              </a:ext>
+            </a:extLst>
+          </p:cNvPr>
+          <p:cNvSpPr>
+            <a:spLocks noGrp="1"/>
+          </p:cNvSpPr>
+          <p:nvPr>
+            <p:ph type="title"/>
+          </p:nvPr>
+        </p:nvSpPr>
+        <p:spPr/>
+        <p:txBody>
+          <a:bodyPr/>
+          <a:lstStyle/>
+          <a:p>
+            <a:r>
+              <a:rPr lang="en-GB" dirty="0"/>
+              <a:t>Desktop Automation supports regular expressions (regex) to extract values from text.</a:t>
+            </a:r>
+          </a:p>
+        </p:txBody>
+      </p:sp>
+      <p:sp>
+        <p:nvSpPr>
+          <p:cNvPr id="3" name="Slide Number Placeholder 2">
+            <a:extLst>
+              <a:ext uri="{FF2B5EF4-FFF2-40B4-BE49-F238E27FC236}">
+                <a16:creationId xmlns:a16="http://schemas.microsoft.com/office/drawing/2014/main" id="{DD130109-62EC-45D4-8BA1-0B2F73821DC3}"/>
               </a:ext>
             </a:extLst>
           </p:cNvPr>
@@ -49284,10 +50129,10 @@
       </p:sp>
       <p:sp>
         <p:nvSpPr>
-          <p:cNvPr id="3" name="Text Placeholder 2">
-            <a:extLst>
-              <a:ext uri="{FF2B5EF4-FFF2-40B4-BE49-F238E27FC236}">
-                <a16:creationId xmlns:a16="http://schemas.microsoft.com/office/drawing/2014/main" id="{05320741-0BE5-45D3-895F-19B8BFC2AFD0}"/>
+          <p:cNvPr id="4" name="Text Placeholder 3">
+            <a:extLst>
+              <a:ext uri="{FF2B5EF4-FFF2-40B4-BE49-F238E27FC236}">
+                <a16:creationId xmlns:a16="http://schemas.microsoft.com/office/drawing/2014/main" id="{01C8DD38-944D-4764-81A3-8D73C3CF1A0B}"/>
               </a:ext>
             </a:extLst>
           </p:cNvPr>
@@ -49295,34 +50140,195 @@
             <a:spLocks noGrp="1"/>
           </p:cNvSpPr>
           <p:nvPr>
-            <p:ph type="body" sz="quarter" idx="12"/>
+            <p:ph type="body" sz="quarter" idx="14"/>
           </p:nvPr>
         </p:nvSpPr>
         <p:spPr/>
         <p:txBody>
-          <a:bodyPr/>
+          <a:bodyPr>
+            <a:normAutofit/>
+          </a:bodyPr>
           <a:lstStyle/>
           <a:p>
             <a:r>
-              <a:rPr lang="en-DK" dirty="0"/>
-              <a:t>Thank you for your attention</a:t>
-            </a:r>
-          </a:p>
-          <a:p>
-            <a:r>
               <a:rPr lang="en-GB" dirty="0"/>
-              <a:t>Enjoy building better robots!</a:t>
-            </a:r>
-            <a:endParaRPr lang="en-DK" dirty="0"/>
-          </a:p>
-        </p:txBody>
-      </p:sp>
-      <p:sp>
-        <p:nvSpPr>
-          <p:cNvPr id="4" name="Text Placeholder 3">
-            <a:extLst>
-              <a:ext uri="{FF2B5EF4-FFF2-40B4-BE49-F238E27FC236}">
-                <a16:creationId xmlns:a16="http://schemas.microsoft.com/office/drawing/2014/main" id="{35DBFFA5-0421-438B-94A8-245D030DBFFA}"/>
+              <a:t>Here is how to extract the number in red and the number in blue, switch their order and put a dash between them</a:t>
+            </a:r>
+          </a:p>
+          <a:p>
+            <a:r>
+              <a:rPr lang="en-GB" dirty="0"/>
+              <a:t>Input :  </a:t>
+            </a:r>
+            <a:r>
+              <a:rPr lang="en-GB" dirty="0">
+                <a:highlight>
+                  <a:srgbClr val="C0C0C0"/>
+                </a:highlight>
+              </a:rPr>
+              <a:t>Code: L</a:t>
+            </a:r>
+            <a:r>
+              <a:rPr lang="en-GB" dirty="0">
+                <a:solidFill>
+                  <a:srgbClr val="FF0000"/>
+                </a:solidFill>
+                <a:highlight>
+                  <a:srgbClr val="C0C0C0"/>
+                </a:highlight>
+              </a:rPr>
+              <a:t>345</a:t>
+            </a:r>
+            <a:r>
+              <a:rPr lang="en-GB" dirty="0">
+                <a:highlight>
+                  <a:srgbClr val="C0C0C0"/>
+                </a:highlight>
+              </a:rPr>
+              <a:t>/</a:t>
+            </a:r>
+            <a:r>
+              <a:rPr lang="en-GB" dirty="0">
+                <a:solidFill>
+                  <a:schemeClr val="tx2"/>
+                </a:solidFill>
+                <a:highlight>
+                  <a:srgbClr val="C0C0C0"/>
+                </a:highlight>
+              </a:rPr>
+              <a:t>4</a:t>
+            </a:r>
+          </a:p>
+          <a:p>
+            <a:r>
+              <a:rPr lang="en-GB" dirty="0"/>
+              <a:t>Regular expression:  .*L(\\d+)/(.*)</a:t>
+            </a:r>
+          </a:p>
+          <a:p>
+            <a:r>
+              <a:rPr lang="en-GB" dirty="0"/>
+              <a:t>The () make “capture groups”. The first group is </a:t>
+            </a:r>
+            <a:r>
+              <a:rPr lang="en-GB" dirty="0">
+                <a:highlight>
+                  <a:srgbClr val="C0C0C0"/>
+                </a:highlight>
+              </a:rPr>
+              <a:t>\\d+</a:t>
+            </a:r>
+            <a:r>
+              <a:rPr lang="en-GB" dirty="0"/>
+              <a:t> and the second is </a:t>
+            </a:r>
+            <a:r>
+              <a:rPr lang="en-GB" dirty="0">
+                <a:highlight>
+                  <a:srgbClr val="C0C0C0"/>
+                </a:highlight>
+              </a:rPr>
+              <a:t>.*</a:t>
+            </a:r>
+            <a:r>
+              <a:rPr lang="en-GB" dirty="0"/>
+              <a:t>. They are used in the replace step with $1 and $2.</a:t>
+            </a:r>
+          </a:p>
+          <a:p>
+            <a:r>
+              <a:rPr lang="en-GB" dirty="0"/>
+              <a:t>In this example $1=345, and $2=4</a:t>
+            </a:r>
+          </a:p>
+          <a:p>
+            <a:r>
+              <a:rPr lang="en-GB" dirty="0"/>
+              <a:t>The Output pattern of </a:t>
+            </a:r>
+            <a:r>
+              <a:rPr lang="en-GB" dirty="0">
+                <a:highlight>
+                  <a:srgbClr val="C0C0C0"/>
+                </a:highlight>
+              </a:rPr>
+              <a:t>$2-$1</a:t>
+            </a:r>
+            <a:r>
+              <a:rPr lang="en-GB" dirty="0"/>
+              <a:t> becomes  </a:t>
+            </a:r>
+            <a:r>
+              <a:rPr lang="en-GB" dirty="0">
+                <a:highlight>
+                  <a:srgbClr val="C0C0C0"/>
+                </a:highlight>
+              </a:rPr>
+              <a:t>“</a:t>
+            </a:r>
+            <a:r>
+              <a:rPr lang="en-GB" dirty="0">
+                <a:solidFill>
+                  <a:schemeClr val="tx2"/>
+                </a:solidFill>
+                <a:highlight>
+                  <a:srgbClr val="C0C0C0"/>
+                </a:highlight>
+              </a:rPr>
+              <a:t>4</a:t>
+            </a:r>
+            <a:r>
+              <a:rPr lang="en-GB" dirty="0">
+                <a:highlight>
+                  <a:srgbClr val="C0C0C0"/>
+                </a:highlight>
+              </a:rPr>
+              <a:t>-</a:t>
+            </a:r>
+            <a:r>
+              <a:rPr lang="en-GB" dirty="0">
+                <a:solidFill>
+                  <a:srgbClr val="FF0000"/>
+                </a:solidFill>
+                <a:highlight>
+                  <a:srgbClr val="C0C0C0"/>
+                </a:highlight>
+              </a:rPr>
+              <a:t>345</a:t>
+            </a:r>
+            <a:r>
+              <a:rPr lang="en-GB" dirty="0">
+                <a:highlight>
+                  <a:srgbClr val="C0C0C0"/>
+                </a:highlight>
+              </a:rPr>
+              <a:t>”</a:t>
+            </a:r>
+          </a:p>
+          <a:p>
+            <a:r>
+              <a:rPr lang="en-GB" dirty="0"/>
+              <a:t>You can experiment with this regex here </a:t>
+            </a:r>
+            <a:r>
+              <a:rPr lang="en-GB" dirty="0">
+                <a:hlinkClick r:id="rId2"/>
+              </a:rPr>
+              <a:t>https://regex101.com/r/fvuQyC/1</a:t>
+            </a:r>
+            <a:r>
+              <a:rPr lang="en-GB" dirty="0"/>
+              <a:t> </a:t>
+            </a:r>
+          </a:p>
+        </p:txBody>
+      </p:sp>
+      <p:sp>
+        <p:nvSpPr>
+          <p:cNvPr id="5" name="Text Placeholder 4">
+            <a:extLst>
+              <a:ext uri="{FF2B5EF4-FFF2-40B4-BE49-F238E27FC236}">
+                <a16:creationId xmlns:a16="http://schemas.microsoft.com/office/drawing/2014/main" id="{A8302C01-D3DF-4192-8751-609C30B100A8}"/>
               </a:ext>
             </a:extLst>
           </p:cNvPr>
@@ -49340,45 +50346,45 @@
           <a:p>
             <a:r>
               <a:rPr lang="en-GB" dirty="0"/>
-              <a:t>David Wright</a:t>
-            </a:r>
-            <a:endParaRPr lang="en-DK" dirty="0"/>
-          </a:p>
-        </p:txBody>
-      </p:sp>
-      <p:sp>
-        <p:nvSpPr>
-          <p:cNvPr id="5" name="Text Placeholder 4">
-            <a:extLst>
-              <a:ext uri="{FF2B5EF4-FFF2-40B4-BE49-F238E27FC236}">
-                <a16:creationId xmlns:a16="http://schemas.microsoft.com/office/drawing/2014/main" id="{D2F0BB80-78AE-474B-A24A-BC17A572D690}"/>
-              </a:ext>
-            </a:extLst>
-          </p:cNvPr>
-          <p:cNvSpPr>
-            <a:spLocks noGrp="1"/>
-          </p:cNvSpPr>
-          <p:nvPr>
-            <p:ph type="body" sz="quarter" idx="16"/>
-          </p:nvPr>
-        </p:nvSpPr>
-        <p:spPr/>
-        <p:txBody>
-          <a:bodyPr/>
-          <a:lstStyle/>
-          <a:p>
-            <a:r>
-              <a:rPr lang="en-GB" dirty="0"/>
-              <a:t>Partner Enablement Manager, Kofax</a:t>
-            </a:r>
-            <a:endParaRPr lang="en-DK" dirty="0"/>
-          </a:p>
-        </p:txBody>
-      </p:sp>
+              <a:t>Tips</a:t>
+            </a:r>
+          </a:p>
+        </p:txBody>
+      </p:sp>
+      <p:pic>
+        <p:nvPicPr>
+          <p:cNvPr id="10" name="Picture 9">
+            <a:extLst>
+              <a:ext uri="{FF2B5EF4-FFF2-40B4-BE49-F238E27FC236}">
+                <a16:creationId xmlns:a16="http://schemas.microsoft.com/office/drawing/2014/main" id="{FB053D18-C0F3-44A1-8DAE-68EEF67D15CD}"/>
+              </a:ext>
+            </a:extLst>
+          </p:cNvPr>
+          <p:cNvPicPr>
+            <a:picLocks noChangeAspect="1"/>
+          </p:cNvPicPr>
+          <p:nvPr/>
+        </p:nvPicPr>
+        <p:blipFill>
+          <a:blip r:embed="rId3"/>
+          <a:stretch>
+            <a:fillRect/>
+          </a:stretch>
+        </p:blipFill>
+        <p:spPr>
+          <a:xfrm>
+            <a:off x="7495900" y="1954317"/>
+            <a:ext cx="3943900" cy="1324160"/>
+          </a:xfrm>
+          <a:prstGeom prst="rect">
+            <a:avLst/>
+          </a:prstGeom>
+        </p:spPr>
+      </p:pic>
     </p:spTree>
     <p:extLst>
       <p:ext uri="{BB962C8B-B14F-4D97-AF65-F5344CB8AC3E}">
-        <p14:creationId xmlns:p14="http://schemas.microsoft.com/office/powerpoint/2010/main" val="3137773406"/>
+        <p14:creationId xmlns:p14="http://schemas.microsoft.com/office/powerpoint/2010/main" val="4220961646"/>
       </p:ext>
     </p:extLst>
   </p:cSld>
@@ -49563,7 +50569,7 @@
             </a:r>
             <a:r>
               <a:rPr lang="en-US" sz="1600" dirty="0"/>
-              <a:t> other robots, “fire and forget”. </a:t>
+              <a:t> other robots, “fire and forget”</a:t>
             </a:r>
           </a:p>
           <a:p>
@@ -49604,7 +50610,15 @@
             </a:pPr>
             <a:r>
               <a:rPr lang="en-US" sz="1600" dirty="0"/>
-              <a:t>More KTA integration</a:t>
+              <a:t> Kofax </a:t>
+            </a:r>
+            <a:r>
+              <a:rPr lang="en-US" sz="1600" dirty="0" err="1"/>
+              <a:t>TotalAgility</a:t>
+            </a:r>
+            <a:r>
+              <a:rPr lang="en-US" sz="1600" dirty="0"/>
+              <a:t> integration – documents and events</a:t>
             </a:r>
           </a:p>
           <a:p>
@@ -49628,15 +50642,7 @@
             </a:r>
             <a:r>
               <a:rPr lang="en-US" sz="1600" dirty="0"/>
-              <a:t>has </a:t>
-            </a:r>
-            <a:r>
-              <a:rPr lang="en-US" sz="1600" dirty="0" err="1"/>
-              <a:t>XValues</a:t>
-            </a:r>
-            <a:r>
-              <a:rPr lang="en-US" sz="1600" dirty="0"/>
-              <a:t> for input</a:t>
+              <a:t>has metadata input</a:t>
             </a:r>
           </a:p>
           <a:p>
@@ -49768,7 +50774,19 @@
             </a:r>
             <a:r>
               <a:rPr lang="en-US" sz="1600" dirty="0"/>
-              <a:t> features</a:t>
+              <a:t> features, including </a:t>
+            </a:r>
+            <a:r>
+              <a:rPr lang="en-US" sz="1600" b="1" dirty="0"/>
+              <a:t>named</a:t>
+            </a:r>
+            <a:r>
+              <a:rPr lang="en-US" sz="1600" dirty="0"/>
+              <a:t> </a:t>
+            </a:r>
+            <a:r>
+              <a:rPr lang="en-US" sz="1600" b="1" dirty="0"/>
+              <a:t>range awareness</a:t>
             </a:r>
             <a:endParaRPr lang="en-GB" sz="4400" dirty="0"/>
           </a:p>
@@ -49801,10 +50819,10 @@
       </p:sp>
       <p:pic>
         <p:nvPicPr>
-          <p:cNvPr id="7" name="Picture 6" descr="A picture containing sitting&#10;&#10;Description automatically generated">
-            <a:extLst>
-              <a:ext uri="{FF2B5EF4-FFF2-40B4-BE49-F238E27FC236}">
-                <a16:creationId xmlns:a16="http://schemas.microsoft.com/office/drawing/2014/main" id="{48312BED-A0B5-4A1D-96C1-48964F643F2C}"/>
+          <p:cNvPr id="11" name="Picture 10" descr="Icon&#10;&#10;Description automatically generated">
+            <a:extLst>
+              <a:ext uri="{FF2B5EF4-FFF2-40B4-BE49-F238E27FC236}">
+                <a16:creationId xmlns:a16="http://schemas.microsoft.com/office/drawing/2014/main" id="{BB906BE9-6ECF-4D35-AE3D-13666F730B41}"/>
               </a:ext>
             </a:extLst>
           </p:cNvPr>
@@ -49827,43 +50845,7 @@
         </p:blipFill>
         <p:spPr>
           <a:xfrm>
-            <a:off x="9782615" y="2493499"/>
-            <a:ext cx="1455525" cy="1455525"/>
-          </a:xfrm>
-          <a:prstGeom prst="rect">
-            <a:avLst/>
-          </a:prstGeom>
-        </p:spPr>
-      </p:pic>
-      <p:pic>
-        <p:nvPicPr>
-          <p:cNvPr id="11" name="Picture 10" descr="Icon&#10;&#10;Description automatically generated">
-            <a:extLst>
-              <a:ext uri="{FF2B5EF4-FFF2-40B4-BE49-F238E27FC236}">
-                <a16:creationId xmlns:a16="http://schemas.microsoft.com/office/drawing/2014/main" id="{BB906BE9-6ECF-4D35-AE3D-13666F730B41}"/>
-              </a:ext>
-            </a:extLst>
-          </p:cNvPr>
-          <p:cNvPicPr>
-            <a:picLocks noChangeAspect="1"/>
-          </p:cNvPicPr>
-          <p:nvPr/>
-        </p:nvPicPr>
-        <p:blipFill>
-          <a:blip r:embed="rId4">
-            <a:extLst>
-              <a:ext uri="{28A0092B-C50C-407E-A947-70E740481C1C}">
-                <a14:useLocalDpi xmlns:a14="http://schemas.microsoft.com/office/drawing/2010/main" val="0"/>
-              </a:ext>
-            </a:extLst>
-          </a:blip>
-          <a:stretch>
-            <a:fillRect/>
-          </a:stretch>
-        </p:blipFill>
-        <p:spPr>
-          <a:xfrm>
-            <a:off x="7453248" y="5228099"/>
+            <a:off x="8944008" y="5234319"/>
             <a:ext cx="1184756" cy="1101453"/>
           </a:xfrm>
           <a:prstGeom prst="rect">
@@ -49896,7 +50878,7 @@
           <p:nvPr/>
         </p:nvPicPr>
         <p:blipFill>
-          <a:blip r:embed="rId5">
+          <a:blip r:embed="rId4">
             <a:clrChange>
               <a:clrFrom>
                 <a:srgbClr val="FFFFFF"/>
@@ -49952,7 +50934,7 @@
           <p:nvPr/>
         </p:nvPicPr>
         <p:blipFill>
-          <a:blip r:embed="rId6">
+          <a:blip r:embed="rId5">
             <a:extLst>
               <a:ext uri="{28A0092B-C50C-407E-A947-70E740481C1C}">
                 <a14:useLocalDpi xmlns:a14="http://schemas.microsoft.com/office/drawing/2010/main" val="0"/>
@@ -49998,7 +50980,7 @@
           <p:nvPr/>
         </p:nvPicPr>
         <p:blipFill>
-          <a:blip r:embed="rId7">
+          <a:blip r:embed="rId6">
             <a:extLst>
               <a:ext uri="{28A0092B-C50C-407E-A947-70E740481C1C}">
                 <a14:useLocalDpi xmlns:a14="http://schemas.microsoft.com/office/drawing/2010/main" val="0"/>
@@ -50011,7 +50993,7 @@
         </p:blipFill>
         <p:spPr>
           <a:xfrm>
-            <a:off x="7553750" y="2645472"/>
+            <a:off x="7544131" y="4811547"/>
             <a:ext cx="1151577" cy="1151577"/>
           </a:xfrm>
           <a:prstGeom prst="rect">
@@ -50029,10 +51011,1002 @@
           </a:effectLst>
         </p:spPr>
       </p:pic>
+      <p:pic>
+        <p:nvPicPr>
+          <p:cNvPr id="9" name="Picture 8" descr="Icon&#10;&#10;Description automatically generated">
+            <a:extLst>
+              <a:ext uri="{FF2B5EF4-FFF2-40B4-BE49-F238E27FC236}">
+                <a16:creationId xmlns:a16="http://schemas.microsoft.com/office/drawing/2014/main" id="{FBF28AF2-A257-4F4E-B4C5-1881FB485A44}"/>
+              </a:ext>
+            </a:extLst>
+          </p:cNvPr>
+          <p:cNvPicPr>
+            <a:picLocks noChangeAspect="1"/>
+          </p:cNvPicPr>
+          <p:nvPr/>
+        </p:nvPicPr>
+        <p:blipFill>
+          <a:blip r:embed="rId7">
+            <a:extLst>
+              <a:ext uri="{28A0092B-C50C-407E-A947-70E740481C1C}">
+                <a14:useLocalDpi xmlns:a14="http://schemas.microsoft.com/office/drawing/2010/main" val="0"/>
+              </a:ext>
+            </a:extLst>
+          </a:blip>
+          <a:stretch>
+            <a:fillRect/>
+          </a:stretch>
+        </p:blipFill>
+        <p:spPr>
+          <a:xfrm>
+            <a:off x="7691127" y="2638826"/>
+            <a:ext cx="1455525" cy="1455525"/>
+          </a:xfrm>
+          <a:prstGeom prst="rect">
+            <a:avLst/>
+          </a:prstGeom>
+          <a:ln>
+            <a:noFill/>
+          </a:ln>
+          <a:effectLst>
+            <a:outerShdw blurRad="292100" dist="139700" dir="2700000" algn="tl" rotWithShape="0">
+              <a:srgbClr val="333333">
+                <a:alpha val="65000"/>
+              </a:srgbClr>
+            </a:outerShdw>
+          </a:effectLst>
+        </p:spPr>
+      </p:pic>
+      <p:pic>
+        <p:nvPicPr>
+          <p:cNvPr id="14" name="Picture 13">
+            <a:extLst>
+              <a:ext uri="{FF2B5EF4-FFF2-40B4-BE49-F238E27FC236}">
+                <a16:creationId xmlns:a16="http://schemas.microsoft.com/office/drawing/2014/main" id="{FF6D38DD-A4D0-4804-9521-A56BE47158F1}"/>
+              </a:ext>
+            </a:extLst>
+          </p:cNvPr>
+          <p:cNvPicPr>
+            <a:picLocks noChangeAspect="1"/>
+          </p:cNvPicPr>
+          <p:nvPr/>
+        </p:nvPicPr>
+        <p:blipFill>
+          <a:blip r:embed="rId8">
+            <a:extLst>
+              <a:ext uri="{28A0092B-C50C-407E-A947-70E740481C1C}">
+                <a14:useLocalDpi xmlns:a14="http://schemas.microsoft.com/office/drawing/2010/main" val="0"/>
+              </a:ext>
+            </a:extLst>
+          </a:blip>
+          <a:srcRect/>
+          <a:stretch/>
+        </p:blipFill>
+        <p:spPr>
+          <a:xfrm>
+            <a:off x="10011487" y="2416874"/>
+            <a:ext cx="1266285" cy="1899428"/>
+          </a:xfrm>
+          <a:prstGeom prst="rect">
+            <a:avLst/>
+          </a:prstGeom>
+          <a:ln>
+            <a:noFill/>
+          </a:ln>
+          <a:effectLst>
+            <a:outerShdw blurRad="292100" dist="139700" dir="2700000" algn="tl" rotWithShape="0">
+              <a:srgbClr val="333333">
+                <a:alpha val="65000"/>
+              </a:srgbClr>
+            </a:outerShdw>
+          </a:effectLst>
+        </p:spPr>
+      </p:pic>
     </p:spTree>
     <p:extLst>
       <p:ext uri="{BB962C8B-B14F-4D97-AF65-F5344CB8AC3E}">
         <p14:creationId xmlns:p14="http://schemas.microsoft.com/office/powerpoint/2010/main" val="3503231527"/>
+      </p:ext>
+    </p:extLst>
+  </p:cSld>
+  <p:clrMapOvr>
+    <a:masterClrMapping/>
+  </p:clrMapOvr>
+  <p:timing>
+    <p:tnLst>
+      <p:par>
+        <p:cTn id="1" dur="indefinite" restart="never" nodeType="tmRoot">
+          <p:childTnLst>
+            <p:seq concurrent="1" nextAc="seek">
+              <p:cTn id="2" dur="indefinite" nodeType="mainSeq">
+                <p:childTnLst>
+                  <p:par>
+                    <p:cTn id="3" fill="hold">
+                      <p:stCondLst>
+                        <p:cond delay="indefinite"/>
+                      </p:stCondLst>
+                      <p:childTnLst>
+                        <p:par>
+                          <p:cTn id="4" fill="hold">
+                            <p:stCondLst>
+                              <p:cond delay="0"/>
+                            </p:stCondLst>
+                            <p:childTnLst>
+                              <p:par>
+                                <p:cTn id="5" presetID="1" presetClass="entr" presetSubtype="0" fill="hold" grpId="0" nodeType="clickEffect">
+                                  <p:stCondLst>
+                                    <p:cond delay="0"/>
+                                  </p:stCondLst>
+                                  <p:childTnLst>
+                                    <p:set>
+                                      <p:cBhvr>
+                                        <p:cTn id="6" dur="1" fill="hold">
+                                          <p:stCondLst>
+                                            <p:cond delay="0"/>
+                                          </p:stCondLst>
+                                        </p:cTn>
+                                        <p:tgtEl>
+                                          <p:spTgt spid="4">
+                                            <p:txEl>
+                                              <p:pRg st="0" end="0"/>
+                                            </p:txEl>
+                                          </p:spTgt>
+                                        </p:tgtEl>
+                                        <p:attrNameLst>
+                                          <p:attrName>style.visibility</p:attrName>
+                                        </p:attrNameLst>
+                                      </p:cBhvr>
+                                      <p:to>
+                                        <p:strVal val="visible"/>
+                                      </p:to>
+                                    </p:set>
+                                  </p:childTnLst>
+                                </p:cTn>
+                              </p:par>
+                            </p:childTnLst>
+                          </p:cTn>
+                        </p:par>
+                      </p:childTnLst>
+                    </p:cTn>
+                  </p:par>
+                  <p:par>
+                    <p:cTn id="7" fill="hold">
+                      <p:stCondLst>
+                        <p:cond delay="indefinite"/>
+                      </p:stCondLst>
+                      <p:childTnLst>
+                        <p:par>
+                          <p:cTn id="8" fill="hold">
+                            <p:stCondLst>
+                              <p:cond delay="0"/>
+                            </p:stCondLst>
+                            <p:childTnLst>
+                              <p:par>
+                                <p:cTn id="9" presetID="1" presetClass="entr" presetSubtype="0" fill="hold" grpId="0" nodeType="clickEffect">
+                                  <p:stCondLst>
+                                    <p:cond delay="0"/>
+                                  </p:stCondLst>
+                                  <p:childTnLst>
+                                    <p:set>
+                                      <p:cBhvr>
+                                        <p:cTn id="10" dur="1" fill="hold">
+                                          <p:stCondLst>
+                                            <p:cond delay="0"/>
+                                          </p:stCondLst>
+                                        </p:cTn>
+                                        <p:tgtEl>
+                                          <p:spTgt spid="4">
+                                            <p:txEl>
+                                              <p:pRg st="1" end="1"/>
+                                            </p:txEl>
+                                          </p:spTgt>
+                                        </p:tgtEl>
+                                        <p:attrNameLst>
+                                          <p:attrName>style.visibility</p:attrName>
+                                        </p:attrNameLst>
+                                      </p:cBhvr>
+                                      <p:to>
+                                        <p:strVal val="visible"/>
+                                      </p:to>
+                                    </p:set>
+                                  </p:childTnLst>
+                                </p:cTn>
+                              </p:par>
+                              <p:par>
+                                <p:cTn id="11" presetID="1" presetClass="entr" presetSubtype="0" fill="hold" nodeType="withEffect">
+                                  <p:stCondLst>
+                                    <p:cond delay="0"/>
+                                  </p:stCondLst>
+                                  <p:childTnLst>
+                                    <p:set>
+                                      <p:cBhvr>
+                                        <p:cTn id="12" dur="1" fill="hold">
+                                          <p:stCondLst>
+                                            <p:cond delay="0"/>
+                                          </p:stCondLst>
+                                        </p:cTn>
+                                        <p:tgtEl>
+                                          <p:spTgt spid="15"/>
+                                        </p:tgtEl>
+                                        <p:attrNameLst>
+                                          <p:attrName>style.visibility</p:attrName>
+                                        </p:attrNameLst>
+                                      </p:cBhvr>
+                                      <p:to>
+                                        <p:strVal val="visible"/>
+                                      </p:to>
+                                    </p:set>
+                                  </p:childTnLst>
+                                </p:cTn>
+                              </p:par>
+                            </p:childTnLst>
+                          </p:cTn>
+                        </p:par>
+                        <p:par>
+                          <p:cTn id="13" fill="hold">
+                            <p:stCondLst>
+                              <p:cond delay="0"/>
+                            </p:stCondLst>
+                            <p:childTnLst>
+                              <p:par>
+                                <p:cTn id="14" presetID="1" presetClass="entr" presetSubtype="0" fill="hold" nodeType="afterEffect">
+                                  <p:stCondLst>
+                                    <p:cond delay="0"/>
+                                  </p:stCondLst>
+                                  <p:childTnLst>
+                                    <p:set>
+                                      <p:cBhvr>
+                                        <p:cTn id="15" dur="1" fill="hold">
+                                          <p:stCondLst>
+                                            <p:cond delay="0"/>
+                                          </p:stCondLst>
+                                        </p:cTn>
+                                        <p:tgtEl>
+                                          <p:spTgt spid="13"/>
+                                        </p:tgtEl>
+                                        <p:attrNameLst>
+                                          <p:attrName>style.visibility</p:attrName>
+                                        </p:attrNameLst>
+                                      </p:cBhvr>
+                                      <p:to>
+                                        <p:strVal val="visible"/>
+                                      </p:to>
+                                    </p:set>
+                                  </p:childTnLst>
+                                </p:cTn>
+                              </p:par>
+                            </p:childTnLst>
+                          </p:cTn>
+                        </p:par>
+                      </p:childTnLst>
+                    </p:cTn>
+                  </p:par>
+                  <p:par>
+                    <p:cTn id="16" fill="hold">
+                      <p:stCondLst>
+                        <p:cond delay="indefinite"/>
+                      </p:stCondLst>
+                      <p:childTnLst>
+                        <p:par>
+                          <p:cTn id="17" fill="hold">
+                            <p:stCondLst>
+                              <p:cond delay="0"/>
+                            </p:stCondLst>
+                            <p:childTnLst>
+                              <p:par>
+                                <p:cTn id="18" presetID="1" presetClass="entr" presetSubtype="0" fill="hold" grpId="0" nodeType="clickEffect">
+                                  <p:stCondLst>
+                                    <p:cond delay="0"/>
+                                  </p:stCondLst>
+                                  <p:childTnLst>
+                                    <p:set>
+                                      <p:cBhvr>
+                                        <p:cTn id="19" dur="1" fill="hold">
+                                          <p:stCondLst>
+                                            <p:cond delay="0"/>
+                                          </p:stCondLst>
+                                        </p:cTn>
+                                        <p:tgtEl>
+                                          <p:spTgt spid="4">
+                                            <p:txEl>
+                                              <p:pRg st="2" end="2"/>
+                                            </p:txEl>
+                                          </p:spTgt>
+                                        </p:tgtEl>
+                                        <p:attrNameLst>
+                                          <p:attrName>style.visibility</p:attrName>
+                                        </p:attrNameLst>
+                                      </p:cBhvr>
+                                      <p:to>
+                                        <p:strVal val="visible"/>
+                                      </p:to>
+                                    </p:set>
+                                  </p:childTnLst>
+                                </p:cTn>
+                              </p:par>
+                            </p:childTnLst>
+                          </p:cTn>
+                        </p:par>
+                      </p:childTnLst>
+                    </p:cTn>
+                  </p:par>
+                  <p:par>
+                    <p:cTn id="20" fill="hold">
+                      <p:stCondLst>
+                        <p:cond delay="indefinite"/>
+                      </p:stCondLst>
+                      <p:childTnLst>
+                        <p:par>
+                          <p:cTn id="21" fill="hold">
+                            <p:stCondLst>
+                              <p:cond delay="0"/>
+                            </p:stCondLst>
+                            <p:childTnLst>
+                              <p:par>
+                                <p:cTn id="22" presetID="1" presetClass="entr" presetSubtype="0" fill="hold" grpId="0" nodeType="clickEffect">
+                                  <p:stCondLst>
+                                    <p:cond delay="0"/>
+                                  </p:stCondLst>
+                                  <p:childTnLst>
+                                    <p:set>
+                                      <p:cBhvr>
+                                        <p:cTn id="23" dur="1" fill="hold">
+                                          <p:stCondLst>
+                                            <p:cond delay="0"/>
+                                          </p:stCondLst>
+                                        </p:cTn>
+                                        <p:tgtEl>
+                                          <p:spTgt spid="4">
+                                            <p:txEl>
+                                              <p:pRg st="3" end="3"/>
+                                            </p:txEl>
+                                          </p:spTgt>
+                                        </p:tgtEl>
+                                        <p:attrNameLst>
+                                          <p:attrName>style.visibility</p:attrName>
+                                        </p:attrNameLst>
+                                      </p:cBhvr>
+                                      <p:to>
+                                        <p:strVal val="visible"/>
+                                      </p:to>
+                                    </p:set>
+                                  </p:childTnLst>
+                                </p:cTn>
+                              </p:par>
+                            </p:childTnLst>
+                          </p:cTn>
+                        </p:par>
+                      </p:childTnLst>
+                    </p:cTn>
+                  </p:par>
+                  <p:par>
+                    <p:cTn id="24" fill="hold">
+                      <p:stCondLst>
+                        <p:cond delay="indefinite"/>
+                      </p:stCondLst>
+                      <p:childTnLst>
+                        <p:par>
+                          <p:cTn id="25" fill="hold">
+                            <p:stCondLst>
+                              <p:cond delay="0"/>
+                            </p:stCondLst>
+                            <p:childTnLst>
+                              <p:par>
+                                <p:cTn id="26" presetID="1" presetClass="entr" presetSubtype="0" fill="hold" grpId="0" nodeType="clickEffect">
+                                  <p:stCondLst>
+                                    <p:cond delay="0"/>
+                                  </p:stCondLst>
+                                  <p:childTnLst>
+                                    <p:set>
+                                      <p:cBhvr>
+                                        <p:cTn id="27" dur="1" fill="hold">
+                                          <p:stCondLst>
+                                            <p:cond delay="0"/>
+                                          </p:stCondLst>
+                                        </p:cTn>
+                                        <p:tgtEl>
+                                          <p:spTgt spid="4">
+                                            <p:txEl>
+                                              <p:pRg st="4" end="4"/>
+                                            </p:txEl>
+                                          </p:spTgt>
+                                        </p:tgtEl>
+                                        <p:attrNameLst>
+                                          <p:attrName>style.visibility</p:attrName>
+                                        </p:attrNameLst>
+                                      </p:cBhvr>
+                                      <p:to>
+                                        <p:strVal val="visible"/>
+                                      </p:to>
+                                    </p:set>
+                                  </p:childTnLst>
+                                </p:cTn>
+                              </p:par>
+                            </p:childTnLst>
+                          </p:cTn>
+                        </p:par>
+                      </p:childTnLst>
+                    </p:cTn>
+                  </p:par>
+                  <p:par>
+                    <p:cTn id="28" fill="hold">
+                      <p:stCondLst>
+                        <p:cond delay="indefinite"/>
+                      </p:stCondLst>
+                      <p:childTnLst>
+                        <p:par>
+                          <p:cTn id="29" fill="hold">
+                            <p:stCondLst>
+                              <p:cond delay="0"/>
+                            </p:stCondLst>
+                            <p:childTnLst>
+                              <p:par>
+                                <p:cTn id="30" presetID="1" presetClass="entr" presetSubtype="0" fill="hold" grpId="0" nodeType="clickEffect">
+                                  <p:stCondLst>
+                                    <p:cond delay="0"/>
+                                  </p:stCondLst>
+                                  <p:childTnLst>
+                                    <p:set>
+                                      <p:cBhvr>
+                                        <p:cTn id="31" dur="1" fill="hold">
+                                          <p:stCondLst>
+                                            <p:cond delay="0"/>
+                                          </p:stCondLst>
+                                        </p:cTn>
+                                        <p:tgtEl>
+                                          <p:spTgt spid="4">
+                                            <p:txEl>
+                                              <p:pRg st="5" end="5"/>
+                                            </p:txEl>
+                                          </p:spTgt>
+                                        </p:tgtEl>
+                                        <p:attrNameLst>
+                                          <p:attrName>style.visibility</p:attrName>
+                                        </p:attrNameLst>
+                                      </p:cBhvr>
+                                      <p:to>
+                                        <p:strVal val="visible"/>
+                                      </p:to>
+                                    </p:set>
+                                  </p:childTnLst>
+                                </p:cTn>
+                              </p:par>
+                            </p:childTnLst>
+                          </p:cTn>
+                        </p:par>
+                      </p:childTnLst>
+                    </p:cTn>
+                  </p:par>
+                  <p:par>
+                    <p:cTn id="32" fill="hold">
+                      <p:stCondLst>
+                        <p:cond delay="indefinite"/>
+                      </p:stCondLst>
+                      <p:childTnLst>
+                        <p:par>
+                          <p:cTn id="33" fill="hold">
+                            <p:stCondLst>
+                              <p:cond delay="0"/>
+                            </p:stCondLst>
+                            <p:childTnLst>
+                              <p:par>
+                                <p:cTn id="34" presetID="1" presetClass="entr" presetSubtype="0" fill="hold" grpId="0" nodeType="clickEffect">
+                                  <p:stCondLst>
+                                    <p:cond delay="0"/>
+                                  </p:stCondLst>
+                                  <p:childTnLst>
+                                    <p:set>
+                                      <p:cBhvr>
+                                        <p:cTn id="35" dur="1" fill="hold">
+                                          <p:stCondLst>
+                                            <p:cond delay="0"/>
+                                          </p:stCondLst>
+                                        </p:cTn>
+                                        <p:tgtEl>
+                                          <p:spTgt spid="4">
+                                            <p:txEl>
+                                              <p:pRg st="6" end="6"/>
+                                            </p:txEl>
+                                          </p:spTgt>
+                                        </p:tgtEl>
+                                        <p:attrNameLst>
+                                          <p:attrName>style.visibility</p:attrName>
+                                        </p:attrNameLst>
+                                      </p:cBhvr>
+                                      <p:to>
+                                        <p:strVal val="visible"/>
+                                      </p:to>
+                                    </p:set>
+                                  </p:childTnLst>
+                                </p:cTn>
+                              </p:par>
+                              <p:par>
+                                <p:cTn id="36" presetID="1" presetClass="entr" presetSubtype="0" fill="hold" nodeType="withEffect">
+                                  <p:stCondLst>
+                                    <p:cond delay="0"/>
+                                  </p:stCondLst>
+                                  <p:childTnLst>
+                                    <p:set>
+                                      <p:cBhvr>
+                                        <p:cTn id="37" dur="1" fill="hold">
+                                          <p:stCondLst>
+                                            <p:cond delay="0"/>
+                                          </p:stCondLst>
+                                        </p:cTn>
+                                        <p:tgtEl>
+                                          <p:spTgt spid="9"/>
+                                        </p:tgtEl>
+                                        <p:attrNameLst>
+                                          <p:attrName>style.visibility</p:attrName>
+                                        </p:attrNameLst>
+                                      </p:cBhvr>
+                                      <p:to>
+                                        <p:strVal val="visible"/>
+                                      </p:to>
+                                    </p:set>
+                                  </p:childTnLst>
+                                </p:cTn>
+                              </p:par>
+                            </p:childTnLst>
+                          </p:cTn>
+                        </p:par>
+                      </p:childTnLst>
+                    </p:cTn>
+                  </p:par>
+                  <p:par>
+                    <p:cTn id="38" fill="hold">
+                      <p:stCondLst>
+                        <p:cond delay="indefinite"/>
+                      </p:stCondLst>
+                      <p:childTnLst>
+                        <p:par>
+                          <p:cTn id="39" fill="hold">
+                            <p:stCondLst>
+                              <p:cond delay="0"/>
+                            </p:stCondLst>
+                            <p:childTnLst>
+                              <p:par>
+                                <p:cTn id="40" presetID="1" presetClass="entr" presetSubtype="0" fill="hold" grpId="0" nodeType="clickEffect">
+                                  <p:stCondLst>
+                                    <p:cond delay="0"/>
+                                  </p:stCondLst>
+                                  <p:childTnLst>
+                                    <p:set>
+                                      <p:cBhvr>
+                                        <p:cTn id="41" dur="1" fill="hold">
+                                          <p:stCondLst>
+                                            <p:cond delay="0"/>
+                                          </p:stCondLst>
+                                        </p:cTn>
+                                        <p:tgtEl>
+                                          <p:spTgt spid="4">
+                                            <p:txEl>
+                                              <p:pRg st="7" end="7"/>
+                                            </p:txEl>
+                                          </p:spTgt>
+                                        </p:tgtEl>
+                                        <p:attrNameLst>
+                                          <p:attrName>style.visibility</p:attrName>
+                                        </p:attrNameLst>
+                                      </p:cBhvr>
+                                      <p:to>
+                                        <p:strVal val="visible"/>
+                                      </p:to>
+                                    </p:set>
+                                  </p:childTnLst>
+                                </p:cTn>
+                              </p:par>
+                              <p:par>
+                                <p:cTn id="42" presetID="1" presetClass="entr" presetSubtype="0" fill="hold" nodeType="withEffect">
+                                  <p:stCondLst>
+                                    <p:cond delay="0"/>
+                                  </p:stCondLst>
+                                  <p:childTnLst>
+                                    <p:set>
+                                      <p:cBhvr>
+                                        <p:cTn id="43" dur="1" fill="hold">
+                                          <p:stCondLst>
+                                            <p:cond delay="0"/>
+                                          </p:stCondLst>
+                                        </p:cTn>
+                                        <p:tgtEl>
+                                          <p:spTgt spid="14"/>
+                                        </p:tgtEl>
+                                        <p:attrNameLst>
+                                          <p:attrName>style.visibility</p:attrName>
+                                        </p:attrNameLst>
+                                      </p:cBhvr>
+                                      <p:to>
+                                        <p:strVal val="visible"/>
+                                      </p:to>
+                                    </p:set>
+                                  </p:childTnLst>
+                                </p:cTn>
+                              </p:par>
+                            </p:childTnLst>
+                          </p:cTn>
+                        </p:par>
+                      </p:childTnLst>
+                    </p:cTn>
+                  </p:par>
+                  <p:par>
+                    <p:cTn id="44" fill="hold">
+                      <p:stCondLst>
+                        <p:cond delay="indefinite"/>
+                      </p:stCondLst>
+                      <p:childTnLst>
+                        <p:par>
+                          <p:cTn id="45" fill="hold">
+                            <p:stCondLst>
+                              <p:cond delay="0"/>
+                            </p:stCondLst>
+                            <p:childTnLst>
+                              <p:par>
+                                <p:cTn id="46" presetID="1" presetClass="entr" presetSubtype="0" fill="hold" grpId="0" nodeType="clickEffect">
+                                  <p:stCondLst>
+                                    <p:cond delay="0"/>
+                                  </p:stCondLst>
+                                  <p:childTnLst>
+                                    <p:set>
+                                      <p:cBhvr>
+                                        <p:cTn id="47" dur="1" fill="hold">
+                                          <p:stCondLst>
+                                            <p:cond delay="0"/>
+                                          </p:stCondLst>
+                                        </p:cTn>
+                                        <p:tgtEl>
+                                          <p:spTgt spid="4">
+                                            <p:txEl>
+                                              <p:pRg st="8" end="8"/>
+                                            </p:txEl>
+                                          </p:spTgt>
+                                        </p:tgtEl>
+                                        <p:attrNameLst>
+                                          <p:attrName>style.visibility</p:attrName>
+                                        </p:attrNameLst>
+                                      </p:cBhvr>
+                                      <p:to>
+                                        <p:strVal val="visible"/>
+                                      </p:to>
+                                    </p:set>
+                                  </p:childTnLst>
+                                </p:cTn>
+                              </p:par>
+                            </p:childTnLst>
+                          </p:cTn>
+                        </p:par>
+                      </p:childTnLst>
+                    </p:cTn>
+                  </p:par>
+                  <p:par>
+                    <p:cTn id="48" fill="hold">
+                      <p:stCondLst>
+                        <p:cond delay="indefinite"/>
+                      </p:stCondLst>
+                      <p:childTnLst>
+                        <p:par>
+                          <p:cTn id="49" fill="hold">
+                            <p:stCondLst>
+                              <p:cond delay="0"/>
+                            </p:stCondLst>
+                            <p:childTnLst>
+                              <p:par>
+                                <p:cTn id="50" presetID="1" presetClass="entr" presetSubtype="0" fill="hold" grpId="0" nodeType="clickEffect">
+                                  <p:stCondLst>
+                                    <p:cond delay="0"/>
+                                  </p:stCondLst>
+                                  <p:childTnLst>
+                                    <p:set>
+                                      <p:cBhvr>
+                                        <p:cTn id="51" dur="1" fill="hold">
+                                          <p:stCondLst>
+                                            <p:cond delay="0"/>
+                                          </p:stCondLst>
+                                        </p:cTn>
+                                        <p:tgtEl>
+                                          <p:spTgt spid="4">
+                                            <p:txEl>
+                                              <p:pRg st="9" end="9"/>
+                                            </p:txEl>
+                                          </p:spTgt>
+                                        </p:tgtEl>
+                                        <p:attrNameLst>
+                                          <p:attrName>style.visibility</p:attrName>
+                                        </p:attrNameLst>
+                                      </p:cBhvr>
+                                      <p:to>
+                                        <p:strVal val="visible"/>
+                                      </p:to>
+                                    </p:set>
+                                  </p:childTnLst>
+                                </p:cTn>
+                              </p:par>
+                              <p:par>
+                                <p:cTn id="52" presetID="1" presetClass="entr" presetSubtype="0" fill="hold" nodeType="withEffect">
+                                  <p:stCondLst>
+                                    <p:cond delay="0"/>
+                                  </p:stCondLst>
+                                  <p:childTnLst>
+                                    <p:set>
+                                      <p:cBhvr>
+                                        <p:cTn id="53" dur="1" fill="hold">
+                                          <p:stCondLst>
+                                            <p:cond delay="0"/>
+                                          </p:stCondLst>
+                                        </p:cTn>
+                                        <p:tgtEl>
+                                          <p:spTgt spid="8"/>
+                                        </p:tgtEl>
+                                        <p:attrNameLst>
+                                          <p:attrName>style.visibility</p:attrName>
+                                        </p:attrNameLst>
+                                      </p:cBhvr>
+                                      <p:to>
+                                        <p:strVal val="visible"/>
+                                      </p:to>
+                                    </p:set>
+                                  </p:childTnLst>
+                                </p:cTn>
+                              </p:par>
+                            </p:childTnLst>
+                          </p:cTn>
+                        </p:par>
+                      </p:childTnLst>
+                    </p:cTn>
+                  </p:par>
+                  <p:par>
+                    <p:cTn id="54" fill="hold">
+                      <p:stCondLst>
+                        <p:cond delay="indefinite"/>
+                      </p:stCondLst>
+                      <p:childTnLst>
+                        <p:par>
+                          <p:cTn id="55" fill="hold">
+                            <p:stCondLst>
+                              <p:cond delay="0"/>
+                            </p:stCondLst>
+                            <p:childTnLst>
+                              <p:par>
+                                <p:cTn id="56" presetID="1" presetClass="entr" presetSubtype="0" fill="hold" grpId="0" nodeType="clickEffect">
+                                  <p:stCondLst>
+                                    <p:cond delay="0"/>
+                                  </p:stCondLst>
+                                  <p:childTnLst>
+                                    <p:set>
+                                      <p:cBhvr>
+                                        <p:cTn id="57" dur="1" fill="hold">
+                                          <p:stCondLst>
+                                            <p:cond delay="0"/>
+                                          </p:stCondLst>
+                                        </p:cTn>
+                                        <p:tgtEl>
+                                          <p:spTgt spid="4">
+                                            <p:txEl>
+                                              <p:pRg st="10" end="10"/>
+                                            </p:txEl>
+                                          </p:spTgt>
+                                        </p:tgtEl>
+                                        <p:attrNameLst>
+                                          <p:attrName>style.visibility</p:attrName>
+                                        </p:attrNameLst>
+                                      </p:cBhvr>
+                                      <p:to>
+                                        <p:strVal val="visible"/>
+                                      </p:to>
+                                    </p:set>
+                                  </p:childTnLst>
+                                </p:cTn>
+                              </p:par>
+                              <p:par>
+                                <p:cTn id="58" presetID="1" presetClass="entr" presetSubtype="0" fill="hold" nodeType="withEffect">
+                                  <p:stCondLst>
+                                    <p:cond delay="0"/>
+                                  </p:stCondLst>
+                                  <p:childTnLst>
+                                    <p:set>
+                                      <p:cBhvr>
+                                        <p:cTn id="59" dur="1" fill="hold">
+                                          <p:stCondLst>
+                                            <p:cond delay="0"/>
+                                          </p:stCondLst>
+                                        </p:cTn>
+                                        <p:tgtEl>
+                                          <p:spTgt spid="11"/>
+                                        </p:tgtEl>
+                                        <p:attrNameLst>
+                                          <p:attrName>style.visibility</p:attrName>
+                                        </p:attrNameLst>
+                                      </p:cBhvr>
+                                      <p:to>
+                                        <p:strVal val="visible"/>
+                                      </p:to>
+                                    </p:set>
+                                  </p:childTnLst>
+                                </p:cTn>
+                              </p:par>
+                            </p:childTnLst>
+                          </p:cTn>
+                        </p:par>
+                      </p:childTnLst>
+                    </p:cTn>
+                  </p:par>
+                </p:childTnLst>
+              </p:cTn>
+              <p:prevCondLst>
+                <p:cond evt="onPrev" delay="0">
+                  <p:tgtEl>
+                    <p:sldTgt/>
+                  </p:tgtEl>
+                </p:cond>
+              </p:prevCondLst>
+              <p:nextCondLst>
+                <p:cond evt="onNext" delay="0">
+                  <p:tgtEl>
+                    <p:sldTgt/>
+                  </p:tgtEl>
+                </p:cond>
+              </p:nextCondLst>
+            </p:seq>
+          </p:childTnLst>
+        </p:cTn>
+      </p:par>
+    </p:tnLst>
+    <p:bldLst>
+      <p:bldP spid="4" grpId="0" uiExpand="1" build="p"/>
+    </p:bldLst>
+  </p:timing>
+</p:sld>
+</file>
+
+<file path=ppt/slides/slide30.xml><?xml version="1.0" encoding="utf-8"?>
+<p:sld xmlns:a="http://schemas.openxmlformats.org/drawingml/2006/main" xmlns:r="http://schemas.openxmlformats.org/officeDocument/2006/relationships" xmlns:p="http://schemas.openxmlformats.org/presentationml/2006/main">
+  <p:cSld>
+    <p:spTree>
+      <p:nvGrpSpPr>
+        <p:cNvPr id="1" name=""/>
+        <p:cNvGrpSpPr/>
+        <p:nvPr/>
+      </p:nvGrpSpPr>
+      <p:grpSpPr>
+        <a:xfrm>
+          <a:off x="0" y="0"/>
+          <a:ext cx="0" cy="0"/>
+          <a:chOff x="0" y="0"/>
+          <a:chExt cx="0" cy="0"/>
+        </a:xfrm>
+      </p:grpSpPr>
+      <p:sp>
+        <p:nvSpPr>
+          <p:cNvPr id="2" name="Slide Number Placeholder 1">
+            <a:extLst>
+              <a:ext uri="{FF2B5EF4-FFF2-40B4-BE49-F238E27FC236}">
+                <a16:creationId xmlns:a16="http://schemas.microsoft.com/office/drawing/2014/main" id="{A0EC139E-180C-4793-8338-04AB7722F0F9}"/>
+              </a:ext>
+            </a:extLst>
+          </p:cNvPr>
+          <p:cNvSpPr>
+            <a:spLocks noGrp="1"/>
+          </p:cNvSpPr>
+          <p:nvPr>
+            <p:ph type="sldNum" sz="quarter" idx="10"/>
+          </p:nvPr>
+        </p:nvSpPr>
+        <p:spPr/>
+        <p:txBody>
+          <a:bodyPr/>
+          <a:lstStyle/>
+          <a:p>
+            <a:fld id="{151725ED-AB00-4B02-A764-80C23BBB66A4}" type="slidenum">
+              <a:rPr lang="en-US" smtClean="0"/>
+              <a:pPr/>
+              <a:t>30</a:t>
+            </a:fld>
+            <a:endParaRPr lang="en-US"/>
+          </a:p>
+        </p:txBody>
+      </p:sp>
+      <p:sp>
+        <p:nvSpPr>
+          <p:cNvPr id="3" name="Text Placeholder 2">
+            <a:extLst>
+              <a:ext uri="{FF2B5EF4-FFF2-40B4-BE49-F238E27FC236}">
+                <a16:creationId xmlns:a16="http://schemas.microsoft.com/office/drawing/2014/main" id="{05320741-0BE5-45D3-895F-19B8BFC2AFD0}"/>
+              </a:ext>
+            </a:extLst>
+          </p:cNvPr>
+          <p:cNvSpPr>
+            <a:spLocks noGrp="1"/>
+          </p:cNvSpPr>
+          <p:nvPr>
+            <p:ph type="body" sz="quarter" idx="12"/>
+          </p:nvPr>
+        </p:nvSpPr>
+        <p:spPr/>
+        <p:txBody>
+          <a:bodyPr/>
+          <a:lstStyle/>
+          <a:p>
+            <a:r>
+              <a:rPr lang="en-DK" dirty="0"/>
+              <a:t>Thank you for your attention</a:t>
+            </a:r>
+            <a:r>
+              <a:rPr lang="en-GB" dirty="0"/>
+              <a:t>.</a:t>
+            </a:r>
+            <a:endParaRPr lang="en-DK" dirty="0"/>
+          </a:p>
+          <a:p>
+            <a:r>
+              <a:rPr lang="en-GB" dirty="0"/>
+              <a:t>Enjoy building better robots!</a:t>
+            </a:r>
+            <a:endParaRPr lang="en-DK" dirty="0"/>
+          </a:p>
+        </p:txBody>
+      </p:sp>
+      <p:sp>
+        <p:nvSpPr>
+          <p:cNvPr id="4" name="Text Placeholder 3">
+            <a:extLst>
+              <a:ext uri="{FF2B5EF4-FFF2-40B4-BE49-F238E27FC236}">
+                <a16:creationId xmlns:a16="http://schemas.microsoft.com/office/drawing/2014/main" id="{35DBFFA5-0421-438B-94A8-245D030DBFFA}"/>
+              </a:ext>
+            </a:extLst>
+          </p:cNvPr>
+          <p:cNvSpPr>
+            <a:spLocks noGrp="1"/>
+          </p:cNvSpPr>
+          <p:nvPr>
+            <p:ph type="body" sz="quarter" idx="15"/>
+          </p:nvPr>
+        </p:nvSpPr>
+        <p:spPr/>
+        <p:txBody>
+          <a:bodyPr/>
+          <a:lstStyle/>
+          <a:p>
+            <a:r>
+              <a:rPr lang="en-GB" dirty="0"/>
+              <a:t>David Wright</a:t>
+            </a:r>
+            <a:endParaRPr lang="en-DK" dirty="0"/>
+          </a:p>
+        </p:txBody>
+      </p:sp>
+      <p:sp>
+        <p:nvSpPr>
+          <p:cNvPr id="5" name="Text Placeholder 4">
+            <a:extLst>
+              <a:ext uri="{FF2B5EF4-FFF2-40B4-BE49-F238E27FC236}">
+                <a16:creationId xmlns:a16="http://schemas.microsoft.com/office/drawing/2014/main" id="{D2F0BB80-78AE-474B-A24A-BC17A572D690}"/>
+              </a:ext>
+            </a:extLst>
+          </p:cNvPr>
+          <p:cNvSpPr>
+            <a:spLocks noGrp="1"/>
+          </p:cNvSpPr>
+          <p:nvPr>
+            <p:ph type="body" sz="quarter" idx="16"/>
+          </p:nvPr>
+        </p:nvSpPr>
+        <p:spPr/>
+        <p:txBody>
+          <a:bodyPr/>
+          <a:lstStyle/>
+          <a:p>
+            <a:r>
+              <a:rPr lang="en-GB" dirty="0"/>
+              <a:t>Partner Enablement Manager, Kofax</a:t>
+            </a:r>
+            <a:endParaRPr lang="en-DK" dirty="0"/>
+          </a:p>
+        </p:txBody>
+      </p:sp>
+    </p:spTree>
+    <p:extLst>
+      <p:ext uri="{BB962C8B-B14F-4D97-AF65-F5344CB8AC3E}">
+        <p14:creationId xmlns:p14="http://schemas.microsoft.com/office/powerpoint/2010/main" val="3137773406"/>
       </p:ext>
     </p:extLst>
   </p:cSld>
@@ -50148,7 +52122,16 @@
             </a:pPr>
             <a:r>
               <a:rPr lang="en-GB" i="1" dirty="0"/>
-              <a:t>This presentation gives an high level overview.</a:t>
+              <a:t>This presentation only gives </a:t>
+            </a:r>
+          </a:p>
+          <a:p>
+            <a:pPr marL="45720" indent="0">
+              <a:buNone/>
+            </a:pPr>
+            <a:r>
+              <a:rPr lang="en-GB" i="1" dirty="0"/>
+              <a:t>a high level overview.</a:t>
             </a:r>
           </a:p>
           <a:p>
@@ -50158,7 +52141,7 @@
             </a:r>
             <a:r>
               <a:rPr lang="en-GB" dirty="0">
-                <a:hlinkClick r:id="rId2"/>
+                <a:hlinkClick r:id="rId3"/>
               </a:rPr>
               <a:t>https://git.io/Jkt5H</a:t>
             </a:r>
@@ -50308,16 +52291,15 @@
           </p:cNvPicPr>
           <p:nvPr/>
         </p:nvPicPr>
-        <p:blipFill>
-          <a:blip r:embed="rId3"/>
-          <a:stretch>
-            <a:fillRect/>
-          </a:stretch>
+        <p:blipFill rotWithShape="1">
+          <a:blip r:embed="rId4"/>
+          <a:srcRect t="2315" r="3657"/>
+          <a:stretch/>
         </p:blipFill>
         <p:spPr>
           <a:xfrm>
-            <a:off x="5580907" y="1384687"/>
-            <a:ext cx="4738441" cy="4738441"/>
+            <a:off x="5580907" y="1494387"/>
+            <a:ext cx="4565175" cy="4628741"/>
           </a:xfrm>
           <a:prstGeom prst="rect">
             <a:avLst/>
@@ -50354,456 +52336,12 @@
           <a:chExt cx="0" cy="0"/>
         </a:xfrm>
       </p:grpSpPr>
-      <p:sp>
-        <p:nvSpPr>
-          <p:cNvPr id="2" name="Title 1">
-            <a:extLst>
-              <a:ext uri="{FF2B5EF4-FFF2-40B4-BE49-F238E27FC236}">
-                <a16:creationId xmlns:a16="http://schemas.microsoft.com/office/drawing/2014/main" id="{5D13743E-F462-4336-8B37-64F9CA67734F}"/>
-              </a:ext>
-            </a:extLst>
-          </p:cNvPr>
-          <p:cNvSpPr>
-            <a:spLocks noGrp="1"/>
-          </p:cNvSpPr>
-          <p:nvPr>
-            <p:ph type="title"/>
-          </p:nvPr>
-        </p:nvSpPr>
-        <p:spPr/>
-        <p:txBody>
-          <a:bodyPr/>
-          <a:lstStyle/>
-          <a:p>
-            <a:r>
-              <a:rPr lang="en-GB" dirty="0"/>
-              <a:t>Enhanced Email Integration</a:t>
-            </a:r>
-          </a:p>
-        </p:txBody>
-      </p:sp>
-      <p:sp>
-        <p:nvSpPr>
-          <p:cNvPr id="3" name="Slide Number Placeholder 2">
-            <a:extLst>
-              <a:ext uri="{FF2B5EF4-FFF2-40B4-BE49-F238E27FC236}">
-                <a16:creationId xmlns:a16="http://schemas.microsoft.com/office/drawing/2014/main" id="{513F0C65-476F-4A17-AFFD-24F73A26AE38}"/>
-              </a:ext>
-            </a:extLst>
-          </p:cNvPr>
-          <p:cNvSpPr>
-            <a:spLocks noGrp="1"/>
-          </p:cNvSpPr>
-          <p:nvPr>
-            <p:ph type="sldNum" sz="quarter" idx="10"/>
-          </p:nvPr>
-        </p:nvSpPr>
-        <p:spPr/>
-        <p:txBody>
-          <a:bodyPr/>
-          <a:lstStyle/>
-          <a:p>
-            <a:fld id="{151725ED-AB00-4B02-A764-80C23BBB66A4}" type="slidenum">
-              <a:rPr lang="en-US" smtClean="0"/>
-              <a:pPr/>
-              <a:t>5</a:t>
-            </a:fld>
-            <a:endParaRPr lang="en-US"/>
-          </a:p>
-        </p:txBody>
-      </p:sp>
-      <p:sp>
-        <p:nvSpPr>
-          <p:cNvPr id="4" name="Text Placeholder 3">
-            <a:extLst>
-              <a:ext uri="{FF2B5EF4-FFF2-40B4-BE49-F238E27FC236}">
-                <a16:creationId xmlns:a16="http://schemas.microsoft.com/office/drawing/2014/main" id="{16397F9A-8EC4-4498-8204-727D59B9E1DC}"/>
-              </a:ext>
-            </a:extLst>
-          </p:cNvPr>
-          <p:cNvSpPr>
-            <a:spLocks noGrp="1"/>
-          </p:cNvSpPr>
-          <p:nvPr>
-            <p:ph type="body" sz="quarter" idx="14"/>
-          </p:nvPr>
-        </p:nvSpPr>
-        <p:spPr/>
-        <p:txBody>
-          <a:bodyPr>
-            <a:normAutofit fontScale="92500" lnSpcReduction="10000"/>
-          </a:bodyPr>
-          <a:lstStyle/>
-          <a:p>
-            <a:r>
-              <a:rPr lang="en-GB" dirty="0"/>
-              <a:t>Trigger robots based on </a:t>
-            </a:r>
-            <a:r>
-              <a:rPr lang="en-GB" b="1" dirty="0"/>
-              <a:t>incoming</a:t>
-            </a:r>
-            <a:r>
-              <a:rPr lang="en-GB" dirty="0"/>
-              <a:t> emails.</a:t>
-            </a:r>
-          </a:p>
-          <a:p>
-            <a:r>
-              <a:rPr lang="en-GB" dirty="0"/>
-              <a:t>Use email robots to answer simple questions</a:t>
-            </a:r>
-            <a:br>
-              <a:rPr lang="en-GB" dirty="0"/>
-            </a:br>
-            <a:r>
-              <a:rPr lang="en-GB" dirty="0"/>
-              <a:t>or to forward emails based on 100’s of complex rules.</a:t>
-            </a:r>
-          </a:p>
-          <a:p>
-            <a:r>
-              <a:rPr lang="en-GB" dirty="0"/>
-              <a:t>Process email attachments automatically.</a:t>
-            </a:r>
-          </a:p>
-          <a:p>
-            <a:pPr lvl="1"/>
-            <a:r>
-              <a:rPr lang="en-GB" dirty="0"/>
-              <a:t>Receive orders, payments, reports and forms</a:t>
-            </a:r>
-          </a:p>
-          <a:p>
-            <a:pPr lvl="1"/>
-            <a:r>
-              <a:rPr lang="en-GB" dirty="0"/>
-              <a:t>process the data immediately.</a:t>
-            </a:r>
-          </a:p>
-          <a:p>
-            <a:pPr lvl="1"/>
-            <a:r>
-              <a:rPr lang="en-GB" dirty="0"/>
-              <a:t>Many businesses send data to other business via PDF attachments</a:t>
-            </a:r>
-          </a:p>
-          <a:p>
-            <a:r>
-              <a:rPr lang="en-GB" dirty="0"/>
-              <a:t>Combine </a:t>
-            </a:r>
-            <a:r>
-              <a:rPr lang="en-GB" b="1" dirty="0"/>
-              <a:t>Incoming</a:t>
-            </a:r>
-            <a:r>
-              <a:rPr lang="en-GB" dirty="0"/>
-              <a:t> </a:t>
-            </a:r>
-            <a:r>
-              <a:rPr lang="en-GB" b="1" dirty="0"/>
-              <a:t>Email</a:t>
-            </a:r>
-            <a:r>
-              <a:rPr lang="en-GB" dirty="0"/>
-              <a:t> with </a:t>
-            </a:r>
-            <a:r>
-              <a:rPr lang="en-GB" b="1" dirty="0"/>
-              <a:t>Robot Queueing </a:t>
-            </a:r>
-            <a:r>
-              <a:rPr lang="en-GB" dirty="0"/>
-              <a:t>and</a:t>
-            </a:r>
-            <a:r>
-              <a:rPr lang="en-GB" b="1" dirty="0"/>
-              <a:t> Robot Priorities </a:t>
-            </a:r>
-          </a:p>
-          <a:p>
-            <a:pPr lvl="1"/>
-            <a:r>
-              <a:rPr lang="en-GB" dirty="0"/>
-              <a:t>To process many incoming emails in parallel.</a:t>
-            </a:r>
-          </a:p>
-          <a:p>
-            <a:pPr lvl="1"/>
-            <a:r>
-              <a:rPr lang="en-GB" dirty="0"/>
-              <a:t>To distribute emails to hundreds of other robots.</a:t>
-            </a:r>
-          </a:p>
-          <a:p>
-            <a:pPr lvl="1"/>
-            <a:r>
-              <a:rPr lang="en-GB" dirty="0"/>
-              <a:t>To create jobs for each entry in an email attachment.</a:t>
-            </a:r>
-          </a:p>
-          <a:p>
-            <a:pPr marL="45720" indent="0">
-              <a:buNone/>
-            </a:pPr>
-            <a:r>
-              <a:rPr lang="en-GB" i="1" dirty="0"/>
-              <a:t>Supports Gmail, Office365 and any Email provider using IMAP.</a:t>
-            </a:r>
-          </a:p>
-        </p:txBody>
-      </p:sp>
-      <p:sp>
-        <p:nvSpPr>
-          <p:cNvPr id="5" name="Text Placeholder 4">
-            <a:extLst>
-              <a:ext uri="{FF2B5EF4-FFF2-40B4-BE49-F238E27FC236}">
-                <a16:creationId xmlns:a16="http://schemas.microsoft.com/office/drawing/2014/main" id="{23CBF5C7-D560-46FB-9183-6401D8F6AAD3}"/>
-              </a:ext>
-            </a:extLst>
-          </p:cNvPr>
-          <p:cNvSpPr>
-            <a:spLocks noGrp="1"/>
-          </p:cNvSpPr>
-          <p:nvPr>
-            <p:ph type="body" sz="quarter" idx="15"/>
-          </p:nvPr>
-        </p:nvSpPr>
-        <p:spPr/>
-        <p:txBody>
-          <a:bodyPr/>
-          <a:lstStyle/>
-          <a:p>
-            <a:endParaRPr lang="en-GB"/>
-          </a:p>
-        </p:txBody>
-      </p:sp>
       <p:pic>
         <p:nvPicPr>
-          <p:cNvPr id="9" name="Picture 8" descr="Icon&#10;&#10;Description automatically generated">
-            <a:extLst>
-              <a:ext uri="{FF2B5EF4-FFF2-40B4-BE49-F238E27FC236}">
-                <a16:creationId xmlns:a16="http://schemas.microsoft.com/office/drawing/2014/main" id="{9C4E99E1-3BEB-4084-B8FE-A28F077E1555}"/>
-              </a:ext>
-            </a:extLst>
-          </p:cNvPr>
-          <p:cNvPicPr>
-            <a:picLocks noChangeAspect="1"/>
-          </p:cNvPicPr>
-          <p:nvPr/>
-        </p:nvPicPr>
-        <p:blipFill>
-          <a:blip r:embed="rId2">
-            <a:clrChange>
-              <a:clrFrom>
-                <a:srgbClr val="FFFFFF"/>
-              </a:clrFrom>
-              <a:clrTo>
-                <a:srgbClr val="FFFFFF">
-                  <a:alpha val="0"/>
-                </a:srgbClr>
-              </a:clrTo>
-            </a:clrChange>
-            <a:extLst>
-              <a:ext uri="{28A0092B-C50C-407E-A947-70E740481C1C}">
-                <a14:useLocalDpi xmlns:a14="http://schemas.microsoft.com/office/drawing/2010/main" val="0"/>
-              </a:ext>
-            </a:extLst>
-          </a:blip>
-          <a:stretch>
-            <a:fillRect/>
-          </a:stretch>
-        </p:blipFill>
-        <p:spPr>
-          <a:xfrm>
-            <a:off x="9334508" y="734259"/>
-            <a:ext cx="1714500" cy="1714500"/>
-          </a:xfrm>
-          <a:prstGeom prst="rect">
-            <a:avLst/>
-          </a:prstGeom>
-          <a:ln>
-            <a:noFill/>
-          </a:ln>
-          <a:effectLst>
-            <a:outerShdw blurRad="292100" dist="139700" dir="2700000" algn="tl" rotWithShape="0">
-              <a:srgbClr val="333333">
-                <a:alpha val="65000"/>
-              </a:srgbClr>
-            </a:outerShdw>
-          </a:effectLst>
-        </p:spPr>
-      </p:pic>
-      <p:pic>
-        <p:nvPicPr>
-          <p:cNvPr id="11" name="Picture 10" descr="Icon&#10;&#10;Description automatically generated">
-            <a:extLst>
-              <a:ext uri="{FF2B5EF4-FFF2-40B4-BE49-F238E27FC236}">
-                <a16:creationId xmlns:a16="http://schemas.microsoft.com/office/drawing/2014/main" id="{175F1F7A-9F91-41E4-A61A-2EFBD82CA97F}"/>
-              </a:ext>
-            </a:extLst>
-          </p:cNvPr>
-          <p:cNvPicPr>
-            <a:picLocks noChangeAspect="1"/>
-          </p:cNvPicPr>
-          <p:nvPr/>
-        </p:nvPicPr>
-        <p:blipFill>
-          <a:blip r:embed="rId3">
-            <a:extLst>
-              <a:ext uri="{28A0092B-C50C-407E-A947-70E740481C1C}">
-                <a14:useLocalDpi xmlns:a14="http://schemas.microsoft.com/office/drawing/2010/main" val="0"/>
-              </a:ext>
-            </a:extLst>
-          </a:blip>
-          <a:stretch>
-            <a:fillRect/>
-          </a:stretch>
-        </p:blipFill>
-        <p:spPr>
-          <a:xfrm>
-            <a:off x="9626736" y="3146990"/>
-            <a:ext cx="1319402" cy="1319402"/>
-          </a:xfrm>
-          <a:prstGeom prst="rect">
-            <a:avLst/>
-          </a:prstGeom>
-          <a:ln>
-            <a:noFill/>
-          </a:ln>
-          <a:effectLst>
-            <a:outerShdw blurRad="292100" dist="139700" dir="2700000" algn="tl" rotWithShape="0">
-              <a:srgbClr val="333333">
-                <a:alpha val="65000"/>
-              </a:srgbClr>
-            </a:outerShdw>
-          </a:effectLst>
-        </p:spPr>
-      </p:pic>
-    </p:spTree>
-    <p:extLst>
-      <p:ext uri="{BB962C8B-B14F-4D97-AF65-F5344CB8AC3E}">
-        <p14:creationId xmlns:p14="http://schemas.microsoft.com/office/powerpoint/2010/main" val="650845133"/>
-      </p:ext>
-    </p:extLst>
-  </p:cSld>
-  <p:clrMapOvr>
-    <a:masterClrMapping/>
-  </p:clrMapOvr>
-</p:sld>
-</file>
-
-<file path=ppt/slides/slide6.xml><?xml version="1.0" encoding="utf-8"?>
-<p:sld xmlns:a="http://schemas.openxmlformats.org/drawingml/2006/main" xmlns:r="http://schemas.openxmlformats.org/officeDocument/2006/relationships" xmlns:p="http://schemas.openxmlformats.org/presentationml/2006/main">
-  <p:cSld>
-    <p:spTree>
-      <p:nvGrpSpPr>
-        <p:cNvPr id="1" name=""/>
-        <p:cNvGrpSpPr/>
-        <p:nvPr/>
-      </p:nvGrpSpPr>
-      <p:grpSpPr>
-        <a:xfrm>
-          <a:off x="0" y="0"/>
-          <a:ext cx="0" cy="0"/>
-          <a:chOff x="0" y="0"/>
-          <a:chExt cx="0" cy="0"/>
-        </a:xfrm>
-      </p:grpSpPr>
-      <p:sp>
-        <p:nvSpPr>
-          <p:cNvPr id="6" name="Title 5">
-            <a:extLst>
-              <a:ext uri="{FF2B5EF4-FFF2-40B4-BE49-F238E27FC236}">
-                <a16:creationId xmlns:a16="http://schemas.microsoft.com/office/drawing/2014/main" id="{9D82CC43-6962-4952-96B3-713A78FB13C8}"/>
-              </a:ext>
-            </a:extLst>
-          </p:cNvPr>
-          <p:cNvSpPr>
-            <a:spLocks noGrp="1"/>
-          </p:cNvSpPr>
-          <p:nvPr>
-            <p:ph type="title"/>
-          </p:nvPr>
-        </p:nvSpPr>
-        <p:spPr/>
-        <p:txBody>
-          <a:bodyPr/>
-          <a:lstStyle/>
-          <a:p>
-            <a:r>
-              <a:rPr lang="en-US" dirty="0"/>
-              <a:t>An email robot</a:t>
-            </a:r>
-          </a:p>
-        </p:txBody>
-      </p:sp>
-      <p:sp>
-        <p:nvSpPr>
-          <p:cNvPr id="3" name="Slide Number Placeholder 2">
-            <a:extLst>
-              <a:ext uri="{FF2B5EF4-FFF2-40B4-BE49-F238E27FC236}">
-                <a16:creationId xmlns:a16="http://schemas.microsoft.com/office/drawing/2014/main" id="{810BB732-79F9-464E-8028-3083CBB5FDA0}"/>
-              </a:ext>
-            </a:extLst>
-          </p:cNvPr>
-          <p:cNvSpPr>
-            <a:spLocks noGrp="1"/>
-          </p:cNvSpPr>
-          <p:nvPr>
-            <p:ph type="sldNum" sz="quarter" idx="10"/>
-          </p:nvPr>
-        </p:nvSpPr>
-        <p:spPr/>
-        <p:txBody>
-          <a:bodyPr/>
-          <a:lstStyle/>
-          <a:p>
-            <a:fld id="{151725ED-AB00-4B02-A764-80C23BBB66A4}" type="slidenum">
-              <a:rPr lang="en-US" smtClean="0"/>
-              <a:pPr/>
-              <a:t>6</a:t>
-            </a:fld>
-            <a:endParaRPr lang="en-US"/>
-          </a:p>
-        </p:txBody>
-      </p:sp>
-      <p:sp>
-        <p:nvSpPr>
-          <p:cNvPr id="7" name="Text Placeholder 6">
-            <a:extLst>
-              <a:ext uri="{FF2B5EF4-FFF2-40B4-BE49-F238E27FC236}">
-                <a16:creationId xmlns:a16="http://schemas.microsoft.com/office/drawing/2014/main" id="{9DF2EBF6-1DE7-47BE-B568-DC6F70D14EE8}"/>
-              </a:ext>
-            </a:extLst>
-          </p:cNvPr>
-          <p:cNvSpPr>
-            <a:spLocks noGrp="1"/>
-          </p:cNvSpPr>
-          <p:nvPr>
-            <p:ph type="body" sz="quarter" idx="15"/>
-          </p:nvPr>
-        </p:nvSpPr>
-        <p:spPr/>
-        <p:txBody>
-          <a:bodyPr/>
-          <a:lstStyle/>
-          <a:p>
-            <a:r>
-              <a:rPr lang="en-US"/>
-              <a:t>Enhanced Email Integration</a:t>
-            </a:r>
-            <a:endParaRPr lang="en-DK"/>
-          </a:p>
-        </p:txBody>
-      </p:sp>
-      <p:pic>
-        <p:nvPicPr>
-          <p:cNvPr id="2" name="Picture 1">
-            <a:extLst>
-              <a:ext uri="{FF2B5EF4-FFF2-40B4-BE49-F238E27FC236}">
-                <a16:creationId xmlns:a16="http://schemas.microsoft.com/office/drawing/2014/main" id="{28B288B3-2E3A-4C2E-83CF-6A866C7E920E}"/>
+          <p:cNvPr id="17" name="Picture 16">
+            <a:extLst>
+              <a:ext uri="{FF2B5EF4-FFF2-40B4-BE49-F238E27FC236}">
+                <a16:creationId xmlns:a16="http://schemas.microsoft.com/office/drawing/2014/main" id="{164AFAE7-0BC2-4186-98DD-D763754CEE06}"/>
               </a:ext>
             </a:extLst>
           </p:cNvPr>
@@ -50820,14 +52358,101 @@
         </p:blipFill>
         <p:spPr>
           <a:xfrm>
-            <a:off x="757645" y="1046776"/>
-            <a:ext cx="10419468" cy="5811224"/>
+            <a:off x="725222" y="998827"/>
+            <a:ext cx="10285155" cy="5379761"/>
           </a:xfrm>
           <a:prstGeom prst="rect">
             <a:avLst/>
           </a:prstGeom>
         </p:spPr>
       </p:pic>
+      <p:sp>
+        <p:nvSpPr>
+          <p:cNvPr id="6" name="Title 5">
+            <a:extLst>
+              <a:ext uri="{FF2B5EF4-FFF2-40B4-BE49-F238E27FC236}">
+                <a16:creationId xmlns:a16="http://schemas.microsoft.com/office/drawing/2014/main" id="{9D82CC43-6962-4952-96B3-713A78FB13C8}"/>
+              </a:ext>
+            </a:extLst>
+          </p:cNvPr>
+          <p:cNvSpPr>
+            <a:spLocks noGrp="1"/>
+          </p:cNvSpPr>
+          <p:nvPr>
+            <p:ph type="title"/>
+          </p:nvPr>
+        </p:nvSpPr>
+        <p:spPr/>
+        <p:txBody>
+          <a:bodyPr/>
+          <a:lstStyle/>
+          <a:p>
+            <a:r>
+              <a:rPr lang="en-US" dirty="0"/>
+              <a:t>An email robot</a:t>
+            </a:r>
+          </a:p>
+        </p:txBody>
+      </p:sp>
+      <p:sp>
+        <p:nvSpPr>
+          <p:cNvPr id="3" name="Slide Number Placeholder 2">
+            <a:extLst>
+              <a:ext uri="{FF2B5EF4-FFF2-40B4-BE49-F238E27FC236}">
+                <a16:creationId xmlns:a16="http://schemas.microsoft.com/office/drawing/2014/main" id="{810BB732-79F9-464E-8028-3083CBB5FDA0}"/>
+              </a:ext>
+            </a:extLst>
+          </p:cNvPr>
+          <p:cNvSpPr>
+            <a:spLocks noGrp="1"/>
+          </p:cNvSpPr>
+          <p:nvPr>
+            <p:ph type="sldNum" sz="quarter" idx="10"/>
+          </p:nvPr>
+        </p:nvSpPr>
+        <p:spPr/>
+        <p:txBody>
+          <a:bodyPr/>
+          <a:lstStyle/>
+          <a:p>
+            <a:fld id="{151725ED-AB00-4B02-A764-80C23BBB66A4}" type="slidenum">
+              <a:rPr lang="en-US" smtClean="0"/>
+              <a:pPr/>
+              <a:t>5</a:t>
+            </a:fld>
+            <a:endParaRPr lang="en-US"/>
+          </a:p>
+        </p:txBody>
+      </p:sp>
+      <p:sp>
+        <p:nvSpPr>
+          <p:cNvPr id="7" name="Text Placeholder 6">
+            <a:extLst>
+              <a:ext uri="{FF2B5EF4-FFF2-40B4-BE49-F238E27FC236}">
+                <a16:creationId xmlns:a16="http://schemas.microsoft.com/office/drawing/2014/main" id="{9DF2EBF6-1DE7-47BE-B568-DC6F70D14EE8}"/>
+              </a:ext>
+            </a:extLst>
+          </p:cNvPr>
+          <p:cNvSpPr>
+            <a:spLocks noGrp="1"/>
+          </p:cNvSpPr>
+          <p:nvPr>
+            <p:ph type="body" sz="quarter" idx="15"/>
+          </p:nvPr>
+        </p:nvSpPr>
+        <p:spPr/>
+        <p:txBody>
+          <a:bodyPr/>
+          <a:lstStyle/>
+          <a:p>
+            <a:r>
+              <a:rPr lang="en-US"/>
+              <a:t>Enhanced Email Integration</a:t>
+            </a:r>
+            <a:endParaRPr lang="en-DK"/>
+          </a:p>
+        </p:txBody>
+      </p:sp>
       <p:grpSp>
         <p:nvGrpSpPr>
           <p:cNvPr id="10" name="Group 9">
@@ -50842,8 +52467,8 @@
         </p:nvGrpSpPr>
         <p:grpSpPr>
           <a:xfrm>
-            <a:off x="7977554" y="1336119"/>
-            <a:ext cx="2192216" cy="2837296"/>
+            <a:off x="9469325" y="741403"/>
+            <a:ext cx="2192216" cy="4797827"/>
             <a:chOff x="7977554" y="1336119"/>
             <a:chExt cx="2192216" cy="2837296"/>
           </a:xfrm>
@@ -50976,10 +52601,10 @@
         </p:nvGrpSpPr>
         <p:grpSpPr>
           <a:xfrm>
-            <a:off x="3908612" y="1037723"/>
-            <a:ext cx="3887201" cy="2092881"/>
-            <a:chOff x="6282569" y="1336119"/>
-            <a:chExt cx="3887201" cy="2067345"/>
+            <a:off x="2142113" y="1750963"/>
+            <a:ext cx="6813997" cy="1206230"/>
+            <a:chOff x="4516070" y="2040658"/>
+            <a:chExt cx="6813997" cy="1191513"/>
           </a:xfrm>
         </p:grpSpPr>
         <p:cxnSp>
@@ -50998,8 +52623,8 @@
           </p:nvCxnSpPr>
           <p:spPr>
             <a:xfrm flipH="1" flipV="1">
-              <a:off x="6282569" y="1696803"/>
-              <a:ext cx="1694986" cy="654685"/>
+              <a:off x="5405256" y="2040658"/>
+              <a:ext cx="199693" cy="401391"/>
             </a:xfrm>
             <a:prstGeom prst="straightConnector1">
               <a:avLst/>
@@ -51037,8 +52662,8 @@
           </p:nvSpPr>
           <p:spPr>
             <a:xfrm>
-              <a:off x="7242840" y="1336119"/>
-              <a:ext cx="2926930" cy="2067345"/>
+              <a:off x="4516070" y="2350509"/>
+              <a:ext cx="6813997" cy="881662"/>
             </a:xfrm>
             <a:prstGeom prst="rect">
               <a:avLst/>
@@ -51173,7 +52798,7 @@
         </p:nvSpPr>
         <p:spPr>
           <a:xfrm>
-            <a:off x="952480" y="4570434"/>
+            <a:off x="1626566" y="4792367"/>
             <a:ext cx="6938214" cy="1692771"/>
           </a:xfrm>
           <a:prstGeom prst="rect">
@@ -51222,6 +52847,148 @@
           </a:p>
         </p:txBody>
       </p:sp>
+      <p:grpSp>
+        <p:nvGrpSpPr>
+          <p:cNvPr id="18" name="Group 17">
+            <a:extLst>
+              <a:ext uri="{FF2B5EF4-FFF2-40B4-BE49-F238E27FC236}">
+                <a16:creationId xmlns:a16="http://schemas.microsoft.com/office/drawing/2014/main" id="{4F21B6A4-DFA0-4E42-932C-0DE49509ED8F}"/>
+              </a:ext>
+            </a:extLst>
+          </p:cNvPr>
+          <p:cNvGrpSpPr/>
+          <p:nvPr/>
+        </p:nvGrpSpPr>
+        <p:grpSpPr>
+          <a:xfrm>
+            <a:off x="4462442" y="15632"/>
+            <a:ext cx="4493667" cy="1187042"/>
+            <a:chOff x="6255629" y="175959"/>
+            <a:chExt cx="2926930" cy="1172559"/>
+          </a:xfrm>
+        </p:grpSpPr>
+        <p:cxnSp>
+          <p:nvCxnSpPr>
+            <p:cNvPr id="19" name="Straight Arrow Connector 18">
+              <a:extLst>
+                <a:ext uri="{FF2B5EF4-FFF2-40B4-BE49-F238E27FC236}">
+                  <a16:creationId xmlns:a16="http://schemas.microsoft.com/office/drawing/2014/main" id="{CBF84692-EBE5-4EC0-B48D-76FE0BBBE754}"/>
+                </a:ext>
+              </a:extLst>
+            </p:cNvPr>
+            <p:cNvCxnSpPr>
+              <a:cxnSpLocks/>
+            </p:cNvCxnSpPr>
+            <p:nvPr/>
+          </p:nvCxnSpPr>
+          <p:spPr>
+            <a:xfrm>
+              <a:off x="6726768" y="1082967"/>
+              <a:ext cx="0" cy="265551"/>
+            </a:xfrm>
+            <a:prstGeom prst="straightConnector1">
+              <a:avLst/>
+            </a:prstGeom>
+            <a:ln w="76200">
+              <a:tailEnd type="triangle"/>
+            </a:ln>
+          </p:spPr>
+          <p:style>
+            <a:lnRef idx="1">
+              <a:schemeClr val="accent1"/>
+            </a:lnRef>
+            <a:fillRef idx="0">
+              <a:schemeClr val="accent1"/>
+            </a:fillRef>
+            <a:effectRef idx="0">
+              <a:schemeClr val="accent1"/>
+            </a:effectRef>
+            <a:fontRef idx="minor">
+              <a:schemeClr val="tx1"/>
+            </a:fontRef>
+          </p:style>
+        </p:cxnSp>
+        <p:sp>
+          <p:nvSpPr>
+            <p:cNvPr id="20" name="TextBox 19">
+              <a:extLst>
+                <a:ext uri="{FF2B5EF4-FFF2-40B4-BE49-F238E27FC236}">
+                  <a16:creationId xmlns:a16="http://schemas.microsoft.com/office/drawing/2014/main" id="{ED8A9E29-14CD-4BBA-A04A-AC0AEC033DA4}"/>
+                </a:ext>
+              </a:extLst>
+            </p:cNvPr>
+            <p:cNvSpPr txBox="1"/>
+            <p:nvPr/>
+          </p:nvSpPr>
+          <p:spPr>
+            <a:xfrm>
+              <a:off x="6255629" y="175959"/>
+              <a:ext cx="2926930" cy="881662"/>
+            </a:xfrm>
+            <a:prstGeom prst="rect">
+              <a:avLst/>
+            </a:prstGeom>
+            <a:solidFill>
+              <a:schemeClr val="bg1"/>
+            </a:solidFill>
+            <a:ln>
+              <a:solidFill>
+                <a:schemeClr val="tx2"/>
+              </a:solidFill>
+            </a:ln>
+          </p:spPr>
+          <p:txBody>
+            <a:bodyPr wrap="square" rtlCol="0">
+              <a:spAutoFit/>
+            </a:bodyPr>
+            <a:lstStyle/>
+            <a:p>
+              <a:pPr algn="ctr"/>
+              <a:r>
+                <a:rPr lang="en-GB" sz="2600" b="1" dirty="0" err="1">
+                  <a:solidFill>
+                    <a:schemeClr val="tx2"/>
+                  </a:solidFill>
+                  <a:latin typeface="Arial" panose="020B0604020202020204" pitchFamily="34" charset="0"/>
+                  <a:ea typeface="+mj-ea"/>
+                  <a:cs typeface="Arial" panose="020B0604020202020204" pitchFamily="34" charset="0"/>
+                </a:rPr>
+                <a:t>Ignore&amp;Continue</a:t>
+              </a:r>
+              <a:endParaRPr lang="en-GB" sz="2600" b="1" dirty="0">
+                <a:solidFill>
+                  <a:schemeClr val="tx2"/>
+                </a:solidFill>
+                <a:latin typeface="Arial" panose="020B0604020202020204" pitchFamily="34" charset="0"/>
+                <a:ea typeface="+mj-ea"/>
+                <a:cs typeface="Arial" panose="020B0604020202020204" pitchFamily="34" charset="0"/>
+              </a:endParaRPr>
+            </a:p>
+            <a:p>
+              <a:pPr algn="ctr"/>
+              <a:r>
+                <a:rPr lang="en-GB" sz="2600" dirty="0">
+                  <a:solidFill>
+                    <a:schemeClr val="tx2"/>
+                  </a:solidFill>
+                  <a:latin typeface="Arial" panose="020B0604020202020204" pitchFamily="34" charset="0"/>
+                  <a:ea typeface="+mj-ea"/>
+                  <a:cs typeface="Arial" panose="020B0604020202020204" pitchFamily="34" charset="0"/>
+                </a:rPr>
+                <a:t>for optional fields</a:t>
+              </a:r>
+              <a:endParaRPr lang="en-GB" sz="2600" b="1" dirty="0">
+                <a:solidFill>
+                  <a:schemeClr val="tx2"/>
+                </a:solidFill>
+                <a:latin typeface="Arial" panose="020B0604020202020204" pitchFamily="34" charset="0"/>
+                <a:ea typeface="+mj-ea"/>
+                <a:cs typeface="Arial" panose="020B0604020202020204" pitchFamily="34" charset="0"/>
+              </a:endParaRPr>
+            </a:p>
+          </p:txBody>
+        </p:sp>
+      </p:grpSp>
     </p:spTree>
     <p:extLst>
       <p:ext uri="{BB962C8B-B14F-4D97-AF65-F5344CB8AC3E}">
@@ -51266,7 +53033,7 @@
                                           </p:stCondLst>
                                         </p:cTn>
                                         <p:tgtEl>
-                                          <p:spTgt spid="13"/>
+                                          <p:spTgt spid="18"/>
                                         </p:tgtEl>
                                         <p:attrNameLst>
                                           <p:attrName>style.visibility</p:attrName>
@@ -51311,7 +53078,7 @@
                                           </p:stCondLst>
                                         </p:cTn>
                                         <p:tgtEl>
-                                          <p:spTgt spid="10"/>
+                                          <p:spTgt spid="13"/>
                                         </p:tgtEl>
                                         <p:attrNameLst>
                                           <p:attrName>style.visibility</p:attrName>
@@ -51343,7 +53110,7 @@
                             </p:stCondLst>
                             <p:childTnLst>
                               <p:par>
-                                <p:cTn id="13" presetID="10" presetClass="entr" presetSubtype="0" fill="hold" grpId="0" nodeType="clickEffect">
+                                <p:cTn id="13" presetID="1" presetClass="entr" presetSubtype="0" fill="hold" nodeType="clickEffect">
                                   <p:stCondLst>
                                     <p:cond delay="0"/>
                                   </p:stCondLst>
@@ -51351,6 +53118,51 @@
                                     <p:set>
                                       <p:cBhvr>
                                         <p:cTn id="14" dur="1" fill="hold">
+                                          <p:stCondLst>
+                                            <p:cond delay="0"/>
+                                          </p:stCondLst>
+                                        </p:cTn>
+                                        <p:tgtEl>
+                                          <p:spTgt spid="10"/>
+                                        </p:tgtEl>
+                                        <p:attrNameLst>
+                                          <p:attrName>style.visibility</p:attrName>
+                                        </p:attrNameLst>
+                                      </p:cBhvr>
+                                      <p:to>
+                                        <p:strVal val="visible"/>
+                                      </p:to>
+                                    </p:set>
+                                  </p:childTnLst>
+                                </p:cTn>
+                              </p:par>
+                            </p:childTnLst>
+                          </p:cTn>
+                        </p:par>
+                      </p:childTnLst>
+                    </p:cTn>
+                  </p:par>
+                  <p:par>
+                    <p:cTn id="15" fill="hold">
+                      <p:stCondLst>
+                        <p:cond delay="indefinite"/>
+                      </p:stCondLst>
+                      <p:childTnLst>
+                        <p:par>
+                          <p:cTn id="16" fill="hold">
+                            <p:stCondLst>
+                              <p:cond delay="0"/>
+                            </p:stCondLst>
+                            <p:childTnLst>
+                              <p:par>
+                                <p:cTn id="17" presetID="10" presetClass="entr" presetSubtype="0" fill="hold" grpId="0" nodeType="clickEffect">
+                                  <p:stCondLst>
+                                    <p:cond delay="0"/>
+                                  </p:stCondLst>
+                                  <p:childTnLst>
+                                    <p:set>
+                                      <p:cBhvr>
+                                        <p:cTn id="18" dur="1" fill="hold">
                                           <p:stCondLst>
                                             <p:cond delay="0"/>
                                           </p:stCondLst>
@@ -51368,7 +53180,7 @@
                                     </p:set>
                                     <p:animEffect transition="in" filter="fade">
                                       <p:cBhvr>
-                                        <p:cTn id="15" dur="500"/>
+                                        <p:cTn id="19" dur="500"/>
                                         <p:tgtEl>
                                           <p:spTgt spid="16"/>
                                         </p:tgtEl>
@@ -51411,6 +53223,827 @@
 </p:sld>
 </file>
 
+<file path=ppt/slides/slide6.xml><?xml version="1.0" encoding="utf-8"?>
+<p:sld xmlns:a="http://schemas.openxmlformats.org/drawingml/2006/main" xmlns:r="http://schemas.openxmlformats.org/officeDocument/2006/relationships" xmlns:p="http://schemas.openxmlformats.org/presentationml/2006/main">
+  <p:cSld>
+    <p:spTree>
+      <p:nvGrpSpPr>
+        <p:cNvPr id="1" name=""/>
+        <p:cNvGrpSpPr/>
+        <p:nvPr/>
+      </p:nvGrpSpPr>
+      <p:grpSpPr>
+        <a:xfrm>
+          <a:off x="0" y="0"/>
+          <a:ext cx="0" cy="0"/>
+          <a:chOff x="0" y="0"/>
+          <a:chExt cx="0" cy="0"/>
+        </a:xfrm>
+      </p:grpSpPr>
+      <p:sp>
+        <p:nvSpPr>
+          <p:cNvPr id="2" name="Title 1">
+            <a:extLst>
+              <a:ext uri="{FF2B5EF4-FFF2-40B4-BE49-F238E27FC236}">
+                <a16:creationId xmlns:a16="http://schemas.microsoft.com/office/drawing/2014/main" id="{5D13743E-F462-4336-8B37-64F9CA67734F}"/>
+              </a:ext>
+            </a:extLst>
+          </p:cNvPr>
+          <p:cNvSpPr>
+            <a:spLocks noGrp="1"/>
+          </p:cNvSpPr>
+          <p:nvPr>
+            <p:ph type="title"/>
+          </p:nvPr>
+        </p:nvSpPr>
+        <p:spPr/>
+        <p:txBody>
+          <a:bodyPr/>
+          <a:lstStyle/>
+          <a:p>
+            <a:r>
+              <a:rPr lang="en-GB" dirty="0"/>
+              <a:t>Enhanced Email Integration</a:t>
+            </a:r>
+          </a:p>
+        </p:txBody>
+      </p:sp>
+      <p:sp>
+        <p:nvSpPr>
+          <p:cNvPr id="3" name="Slide Number Placeholder 2">
+            <a:extLst>
+              <a:ext uri="{FF2B5EF4-FFF2-40B4-BE49-F238E27FC236}">
+                <a16:creationId xmlns:a16="http://schemas.microsoft.com/office/drawing/2014/main" id="{513F0C65-476F-4A17-AFFD-24F73A26AE38}"/>
+              </a:ext>
+            </a:extLst>
+          </p:cNvPr>
+          <p:cNvSpPr>
+            <a:spLocks noGrp="1"/>
+          </p:cNvSpPr>
+          <p:nvPr>
+            <p:ph type="sldNum" sz="quarter" idx="10"/>
+          </p:nvPr>
+        </p:nvSpPr>
+        <p:spPr/>
+        <p:txBody>
+          <a:bodyPr/>
+          <a:lstStyle/>
+          <a:p>
+            <a:fld id="{151725ED-AB00-4B02-A764-80C23BBB66A4}" type="slidenum">
+              <a:rPr lang="en-US" smtClean="0"/>
+              <a:pPr/>
+              <a:t>6</a:t>
+            </a:fld>
+            <a:endParaRPr lang="en-US"/>
+          </a:p>
+        </p:txBody>
+      </p:sp>
+      <p:sp>
+        <p:nvSpPr>
+          <p:cNvPr id="4" name="Text Placeholder 3">
+            <a:extLst>
+              <a:ext uri="{FF2B5EF4-FFF2-40B4-BE49-F238E27FC236}">
+                <a16:creationId xmlns:a16="http://schemas.microsoft.com/office/drawing/2014/main" id="{16397F9A-8EC4-4498-8204-727D59B9E1DC}"/>
+              </a:ext>
+            </a:extLst>
+          </p:cNvPr>
+          <p:cNvSpPr>
+            <a:spLocks noGrp="1"/>
+          </p:cNvSpPr>
+          <p:nvPr>
+            <p:ph type="body" sz="quarter" idx="14"/>
+          </p:nvPr>
+        </p:nvSpPr>
+        <p:spPr/>
+        <p:txBody>
+          <a:bodyPr>
+            <a:normAutofit fontScale="92500" lnSpcReduction="10000"/>
+          </a:bodyPr>
+          <a:lstStyle/>
+          <a:p>
+            <a:r>
+              <a:rPr lang="en-GB" dirty="0"/>
+              <a:t>Trigger robots based on </a:t>
+            </a:r>
+            <a:r>
+              <a:rPr lang="en-GB" b="1" dirty="0"/>
+              <a:t>incoming</a:t>
+            </a:r>
+            <a:r>
+              <a:rPr lang="en-GB" dirty="0"/>
+              <a:t> emails.</a:t>
+            </a:r>
+          </a:p>
+          <a:p>
+            <a:r>
+              <a:rPr lang="en-GB" dirty="0"/>
+              <a:t>Use email robots to answer simple questions</a:t>
+            </a:r>
+            <a:br>
+              <a:rPr lang="en-GB" dirty="0"/>
+            </a:br>
+            <a:r>
+              <a:rPr lang="en-GB" dirty="0"/>
+              <a:t>or to forward emails based on 100’s of complex rules.</a:t>
+            </a:r>
+          </a:p>
+          <a:p>
+            <a:r>
+              <a:rPr lang="en-GB" dirty="0"/>
+              <a:t>Process email attachments automatically.</a:t>
+            </a:r>
+          </a:p>
+          <a:p>
+            <a:pPr lvl="1"/>
+            <a:r>
+              <a:rPr lang="en-GB" dirty="0"/>
+              <a:t>Receive orders, payments, reports and forms</a:t>
+            </a:r>
+          </a:p>
+          <a:p>
+            <a:pPr lvl="1"/>
+            <a:r>
+              <a:rPr lang="en-GB" dirty="0"/>
+              <a:t>process the data immediately.</a:t>
+            </a:r>
+          </a:p>
+          <a:p>
+            <a:pPr lvl="1"/>
+            <a:r>
+              <a:rPr lang="en-GB" dirty="0"/>
+              <a:t>Many businesses send data to other business via PDF attachments</a:t>
+            </a:r>
+          </a:p>
+          <a:p>
+            <a:r>
+              <a:rPr lang="en-GB" dirty="0"/>
+              <a:t>Combine </a:t>
+            </a:r>
+            <a:r>
+              <a:rPr lang="en-GB" b="1" dirty="0"/>
+              <a:t>Incoming</a:t>
+            </a:r>
+            <a:r>
+              <a:rPr lang="en-GB" dirty="0"/>
+              <a:t> </a:t>
+            </a:r>
+            <a:r>
+              <a:rPr lang="en-GB" b="1" dirty="0"/>
+              <a:t>Email</a:t>
+            </a:r>
+            <a:r>
+              <a:rPr lang="en-GB" dirty="0"/>
+              <a:t> with </a:t>
+            </a:r>
+            <a:r>
+              <a:rPr lang="en-GB" b="1" dirty="0"/>
+              <a:t>Robot Queueing </a:t>
+            </a:r>
+            <a:r>
+              <a:rPr lang="en-GB" dirty="0"/>
+              <a:t>and</a:t>
+            </a:r>
+            <a:r>
+              <a:rPr lang="en-GB" b="1" dirty="0"/>
+              <a:t> Robot Priorities </a:t>
+            </a:r>
+          </a:p>
+          <a:p>
+            <a:pPr lvl="1"/>
+            <a:r>
+              <a:rPr lang="en-GB" dirty="0"/>
+              <a:t>To process many incoming emails in parallel.</a:t>
+            </a:r>
+          </a:p>
+          <a:p>
+            <a:pPr lvl="1"/>
+            <a:r>
+              <a:rPr lang="en-GB" dirty="0"/>
+              <a:t>To distribute emails to hundreds of other robots.</a:t>
+            </a:r>
+          </a:p>
+          <a:p>
+            <a:pPr lvl="1"/>
+            <a:r>
+              <a:rPr lang="en-GB" dirty="0"/>
+              <a:t>To create jobs for each entry in an email attachment.</a:t>
+            </a:r>
+          </a:p>
+          <a:p>
+            <a:pPr marL="45720" indent="0">
+              <a:buNone/>
+            </a:pPr>
+            <a:r>
+              <a:rPr lang="en-GB" i="1" dirty="0"/>
+              <a:t>Supports Gmail, Office365 and any Email provider using IMAP.</a:t>
+            </a:r>
+          </a:p>
+        </p:txBody>
+      </p:sp>
+      <p:sp>
+        <p:nvSpPr>
+          <p:cNvPr id="5" name="Text Placeholder 4">
+            <a:extLst>
+              <a:ext uri="{FF2B5EF4-FFF2-40B4-BE49-F238E27FC236}">
+                <a16:creationId xmlns:a16="http://schemas.microsoft.com/office/drawing/2014/main" id="{23CBF5C7-D560-46FB-9183-6401D8F6AAD3}"/>
+              </a:ext>
+            </a:extLst>
+          </p:cNvPr>
+          <p:cNvSpPr>
+            <a:spLocks noGrp="1"/>
+          </p:cNvSpPr>
+          <p:nvPr>
+            <p:ph type="body" sz="quarter" idx="15"/>
+          </p:nvPr>
+        </p:nvSpPr>
+        <p:spPr/>
+        <p:txBody>
+          <a:bodyPr/>
+          <a:lstStyle/>
+          <a:p>
+            <a:endParaRPr lang="en-GB"/>
+          </a:p>
+        </p:txBody>
+      </p:sp>
+      <p:pic>
+        <p:nvPicPr>
+          <p:cNvPr id="9" name="Picture 8" descr="Icon&#10;&#10;Description automatically generated">
+            <a:extLst>
+              <a:ext uri="{FF2B5EF4-FFF2-40B4-BE49-F238E27FC236}">
+                <a16:creationId xmlns:a16="http://schemas.microsoft.com/office/drawing/2014/main" id="{9C4E99E1-3BEB-4084-B8FE-A28F077E1555}"/>
+              </a:ext>
+            </a:extLst>
+          </p:cNvPr>
+          <p:cNvPicPr>
+            <a:picLocks noChangeAspect="1"/>
+          </p:cNvPicPr>
+          <p:nvPr/>
+        </p:nvPicPr>
+        <p:blipFill>
+          <a:blip r:embed="rId2">
+            <a:clrChange>
+              <a:clrFrom>
+                <a:srgbClr val="FFFFFF"/>
+              </a:clrFrom>
+              <a:clrTo>
+                <a:srgbClr val="FFFFFF">
+                  <a:alpha val="0"/>
+                </a:srgbClr>
+              </a:clrTo>
+            </a:clrChange>
+            <a:extLst>
+              <a:ext uri="{28A0092B-C50C-407E-A947-70E740481C1C}">
+                <a14:useLocalDpi xmlns:a14="http://schemas.microsoft.com/office/drawing/2010/main" val="0"/>
+              </a:ext>
+            </a:extLst>
+          </a:blip>
+          <a:stretch>
+            <a:fillRect/>
+          </a:stretch>
+        </p:blipFill>
+        <p:spPr>
+          <a:xfrm>
+            <a:off x="9334508" y="734259"/>
+            <a:ext cx="1714500" cy="1714500"/>
+          </a:xfrm>
+          <a:prstGeom prst="rect">
+            <a:avLst/>
+          </a:prstGeom>
+          <a:ln>
+            <a:noFill/>
+          </a:ln>
+          <a:effectLst>
+            <a:outerShdw blurRad="292100" dist="139700" dir="2700000" algn="tl" rotWithShape="0">
+              <a:srgbClr val="333333">
+                <a:alpha val="65000"/>
+              </a:srgbClr>
+            </a:outerShdw>
+          </a:effectLst>
+        </p:spPr>
+      </p:pic>
+      <p:pic>
+        <p:nvPicPr>
+          <p:cNvPr id="11" name="Picture 10" descr="Icon&#10;&#10;Description automatically generated">
+            <a:extLst>
+              <a:ext uri="{FF2B5EF4-FFF2-40B4-BE49-F238E27FC236}">
+                <a16:creationId xmlns:a16="http://schemas.microsoft.com/office/drawing/2014/main" id="{175F1F7A-9F91-41E4-A61A-2EFBD82CA97F}"/>
+              </a:ext>
+            </a:extLst>
+          </p:cNvPr>
+          <p:cNvPicPr>
+            <a:picLocks noChangeAspect="1"/>
+          </p:cNvPicPr>
+          <p:nvPr/>
+        </p:nvPicPr>
+        <p:blipFill>
+          <a:blip r:embed="rId3">
+            <a:extLst>
+              <a:ext uri="{28A0092B-C50C-407E-A947-70E740481C1C}">
+                <a14:useLocalDpi xmlns:a14="http://schemas.microsoft.com/office/drawing/2010/main" val="0"/>
+              </a:ext>
+            </a:extLst>
+          </a:blip>
+          <a:stretch>
+            <a:fillRect/>
+          </a:stretch>
+        </p:blipFill>
+        <p:spPr>
+          <a:xfrm>
+            <a:off x="9626736" y="3146990"/>
+            <a:ext cx="1319402" cy="1319402"/>
+          </a:xfrm>
+          <a:prstGeom prst="rect">
+            <a:avLst/>
+          </a:prstGeom>
+          <a:ln>
+            <a:noFill/>
+          </a:ln>
+          <a:effectLst>
+            <a:outerShdw blurRad="292100" dist="139700" dir="2700000" algn="tl" rotWithShape="0">
+              <a:srgbClr val="333333">
+                <a:alpha val="65000"/>
+              </a:srgbClr>
+            </a:outerShdw>
+          </a:effectLst>
+        </p:spPr>
+      </p:pic>
+    </p:spTree>
+    <p:extLst>
+      <p:ext uri="{BB962C8B-B14F-4D97-AF65-F5344CB8AC3E}">
+        <p14:creationId xmlns:p14="http://schemas.microsoft.com/office/powerpoint/2010/main" val="650845133"/>
+      </p:ext>
+    </p:extLst>
+  </p:cSld>
+  <p:clrMapOvr>
+    <a:masterClrMapping/>
+  </p:clrMapOvr>
+  <p:timing>
+    <p:tnLst>
+      <p:par>
+        <p:cTn id="1" dur="indefinite" restart="never" nodeType="tmRoot">
+          <p:childTnLst>
+            <p:seq concurrent="1" nextAc="seek">
+              <p:cTn id="2" dur="indefinite" nodeType="mainSeq">
+                <p:childTnLst>
+                  <p:par>
+                    <p:cTn id="3" fill="hold">
+                      <p:stCondLst>
+                        <p:cond delay="indefinite"/>
+                      </p:stCondLst>
+                      <p:childTnLst>
+                        <p:par>
+                          <p:cTn id="4" fill="hold">
+                            <p:stCondLst>
+                              <p:cond delay="0"/>
+                            </p:stCondLst>
+                            <p:childTnLst>
+                              <p:par>
+                                <p:cTn id="5" presetID="1" presetClass="entr" presetSubtype="0" fill="hold" grpId="0" nodeType="clickEffect">
+                                  <p:stCondLst>
+                                    <p:cond delay="0"/>
+                                  </p:stCondLst>
+                                  <p:childTnLst>
+                                    <p:set>
+                                      <p:cBhvr>
+                                        <p:cTn id="6" dur="1" fill="hold">
+                                          <p:stCondLst>
+                                            <p:cond delay="0"/>
+                                          </p:stCondLst>
+                                        </p:cTn>
+                                        <p:tgtEl>
+                                          <p:spTgt spid="4">
+                                            <p:txEl>
+                                              <p:pRg st="0" end="0"/>
+                                            </p:txEl>
+                                          </p:spTgt>
+                                        </p:tgtEl>
+                                        <p:attrNameLst>
+                                          <p:attrName>style.visibility</p:attrName>
+                                        </p:attrNameLst>
+                                      </p:cBhvr>
+                                      <p:to>
+                                        <p:strVal val="visible"/>
+                                      </p:to>
+                                    </p:set>
+                                  </p:childTnLst>
+                                </p:cTn>
+                              </p:par>
+                            </p:childTnLst>
+                          </p:cTn>
+                        </p:par>
+                      </p:childTnLst>
+                    </p:cTn>
+                  </p:par>
+                  <p:par>
+                    <p:cTn id="7" fill="hold">
+                      <p:stCondLst>
+                        <p:cond delay="indefinite"/>
+                      </p:stCondLst>
+                      <p:childTnLst>
+                        <p:par>
+                          <p:cTn id="8" fill="hold">
+                            <p:stCondLst>
+                              <p:cond delay="0"/>
+                            </p:stCondLst>
+                            <p:childTnLst>
+                              <p:par>
+                                <p:cTn id="9" presetID="1" presetClass="entr" presetSubtype="0" fill="hold" grpId="0" nodeType="clickEffect">
+                                  <p:stCondLst>
+                                    <p:cond delay="0"/>
+                                  </p:stCondLst>
+                                  <p:childTnLst>
+                                    <p:set>
+                                      <p:cBhvr>
+                                        <p:cTn id="10" dur="1" fill="hold">
+                                          <p:stCondLst>
+                                            <p:cond delay="0"/>
+                                          </p:stCondLst>
+                                        </p:cTn>
+                                        <p:tgtEl>
+                                          <p:spTgt spid="4">
+                                            <p:txEl>
+                                              <p:pRg st="1" end="1"/>
+                                            </p:txEl>
+                                          </p:spTgt>
+                                        </p:tgtEl>
+                                        <p:attrNameLst>
+                                          <p:attrName>style.visibility</p:attrName>
+                                        </p:attrNameLst>
+                                      </p:cBhvr>
+                                      <p:to>
+                                        <p:strVal val="visible"/>
+                                      </p:to>
+                                    </p:set>
+                                  </p:childTnLst>
+                                </p:cTn>
+                              </p:par>
+                            </p:childTnLst>
+                          </p:cTn>
+                        </p:par>
+                      </p:childTnLst>
+                    </p:cTn>
+                  </p:par>
+                  <p:par>
+                    <p:cTn id="11" fill="hold">
+                      <p:stCondLst>
+                        <p:cond delay="indefinite"/>
+                      </p:stCondLst>
+                      <p:childTnLst>
+                        <p:par>
+                          <p:cTn id="12" fill="hold">
+                            <p:stCondLst>
+                              <p:cond delay="0"/>
+                            </p:stCondLst>
+                            <p:childTnLst>
+                              <p:par>
+                                <p:cTn id="13" presetID="1" presetClass="entr" presetSubtype="0" fill="hold" grpId="0" nodeType="clickEffect">
+                                  <p:stCondLst>
+                                    <p:cond delay="0"/>
+                                  </p:stCondLst>
+                                  <p:childTnLst>
+                                    <p:set>
+                                      <p:cBhvr>
+                                        <p:cTn id="14" dur="1" fill="hold">
+                                          <p:stCondLst>
+                                            <p:cond delay="0"/>
+                                          </p:stCondLst>
+                                        </p:cTn>
+                                        <p:tgtEl>
+                                          <p:spTgt spid="4">
+                                            <p:txEl>
+                                              <p:pRg st="2" end="2"/>
+                                            </p:txEl>
+                                          </p:spTgt>
+                                        </p:tgtEl>
+                                        <p:attrNameLst>
+                                          <p:attrName>style.visibility</p:attrName>
+                                        </p:attrNameLst>
+                                      </p:cBhvr>
+                                      <p:to>
+                                        <p:strVal val="visible"/>
+                                      </p:to>
+                                    </p:set>
+                                  </p:childTnLst>
+                                </p:cTn>
+                              </p:par>
+                              <p:par>
+                                <p:cTn id="15" presetID="1" presetClass="entr" presetSubtype="0" fill="hold" grpId="0" nodeType="withEffect">
+                                  <p:stCondLst>
+                                    <p:cond delay="0"/>
+                                  </p:stCondLst>
+                                  <p:childTnLst>
+                                    <p:set>
+                                      <p:cBhvr>
+                                        <p:cTn id="16" dur="1" fill="hold">
+                                          <p:stCondLst>
+                                            <p:cond delay="0"/>
+                                          </p:stCondLst>
+                                        </p:cTn>
+                                        <p:tgtEl>
+                                          <p:spTgt spid="4">
+                                            <p:txEl>
+                                              <p:pRg st="3" end="3"/>
+                                            </p:txEl>
+                                          </p:spTgt>
+                                        </p:tgtEl>
+                                        <p:attrNameLst>
+                                          <p:attrName>style.visibility</p:attrName>
+                                        </p:attrNameLst>
+                                      </p:cBhvr>
+                                      <p:to>
+                                        <p:strVal val="visible"/>
+                                      </p:to>
+                                    </p:set>
+                                  </p:childTnLst>
+                                </p:cTn>
+                              </p:par>
+                              <p:par>
+                                <p:cTn id="17" presetID="1" presetClass="entr" presetSubtype="0" fill="hold" grpId="0" nodeType="withEffect">
+                                  <p:stCondLst>
+                                    <p:cond delay="0"/>
+                                  </p:stCondLst>
+                                  <p:childTnLst>
+                                    <p:set>
+                                      <p:cBhvr>
+                                        <p:cTn id="18" dur="1" fill="hold">
+                                          <p:stCondLst>
+                                            <p:cond delay="0"/>
+                                          </p:stCondLst>
+                                        </p:cTn>
+                                        <p:tgtEl>
+                                          <p:spTgt spid="4">
+                                            <p:txEl>
+                                              <p:pRg st="4" end="4"/>
+                                            </p:txEl>
+                                          </p:spTgt>
+                                        </p:tgtEl>
+                                        <p:attrNameLst>
+                                          <p:attrName>style.visibility</p:attrName>
+                                        </p:attrNameLst>
+                                      </p:cBhvr>
+                                      <p:to>
+                                        <p:strVal val="visible"/>
+                                      </p:to>
+                                    </p:set>
+                                  </p:childTnLst>
+                                </p:cTn>
+                              </p:par>
+                              <p:par>
+                                <p:cTn id="19" presetID="1" presetClass="entr" presetSubtype="0" fill="hold" grpId="0" nodeType="withEffect">
+                                  <p:stCondLst>
+                                    <p:cond delay="0"/>
+                                  </p:stCondLst>
+                                  <p:childTnLst>
+                                    <p:set>
+                                      <p:cBhvr>
+                                        <p:cTn id="20" dur="1" fill="hold">
+                                          <p:stCondLst>
+                                            <p:cond delay="0"/>
+                                          </p:stCondLst>
+                                        </p:cTn>
+                                        <p:tgtEl>
+                                          <p:spTgt spid="4">
+                                            <p:txEl>
+                                              <p:pRg st="5" end="5"/>
+                                            </p:txEl>
+                                          </p:spTgt>
+                                        </p:tgtEl>
+                                        <p:attrNameLst>
+                                          <p:attrName>style.visibility</p:attrName>
+                                        </p:attrNameLst>
+                                      </p:cBhvr>
+                                      <p:to>
+                                        <p:strVal val="visible"/>
+                                      </p:to>
+                                    </p:set>
+                                  </p:childTnLst>
+                                </p:cTn>
+                              </p:par>
+                            </p:childTnLst>
+                          </p:cTn>
+                        </p:par>
+                      </p:childTnLst>
+                    </p:cTn>
+                  </p:par>
+                  <p:par>
+                    <p:cTn id="21" fill="hold">
+                      <p:stCondLst>
+                        <p:cond delay="indefinite"/>
+                      </p:stCondLst>
+                      <p:childTnLst>
+                        <p:par>
+                          <p:cTn id="22" fill="hold">
+                            <p:stCondLst>
+                              <p:cond delay="0"/>
+                            </p:stCondLst>
+                            <p:childTnLst>
+                              <p:par>
+                                <p:cTn id="23" presetID="1" presetClass="entr" presetSubtype="0" fill="hold" grpId="0" nodeType="clickEffect">
+                                  <p:stCondLst>
+                                    <p:cond delay="0"/>
+                                  </p:stCondLst>
+                                  <p:childTnLst>
+                                    <p:set>
+                                      <p:cBhvr>
+                                        <p:cTn id="24" dur="1" fill="hold">
+                                          <p:stCondLst>
+                                            <p:cond delay="0"/>
+                                          </p:stCondLst>
+                                        </p:cTn>
+                                        <p:tgtEl>
+                                          <p:spTgt spid="4">
+                                            <p:txEl>
+                                              <p:pRg st="6" end="6"/>
+                                            </p:txEl>
+                                          </p:spTgt>
+                                        </p:tgtEl>
+                                        <p:attrNameLst>
+                                          <p:attrName>style.visibility</p:attrName>
+                                        </p:attrNameLst>
+                                      </p:cBhvr>
+                                      <p:to>
+                                        <p:strVal val="visible"/>
+                                      </p:to>
+                                    </p:set>
+                                  </p:childTnLst>
+                                </p:cTn>
+                              </p:par>
+                              <p:par>
+                                <p:cTn id="25" presetID="1" presetClass="entr" presetSubtype="0" fill="hold" grpId="0" nodeType="withEffect">
+                                  <p:stCondLst>
+                                    <p:cond delay="0"/>
+                                  </p:stCondLst>
+                                  <p:childTnLst>
+                                    <p:set>
+                                      <p:cBhvr>
+                                        <p:cTn id="26" dur="1" fill="hold">
+                                          <p:stCondLst>
+                                            <p:cond delay="0"/>
+                                          </p:stCondLst>
+                                        </p:cTn>
+                                        <p:tgtEl>
+                                          <p:spTgt spid="4">
+                                            <p:txEl>
+                                              <p:pRg st="7" end="7"/>
+                                            </p:txEl>
+                                          </p:spTgt>
+                                        </p:tgtEl>
+                                        <p:attrNameLst>
+                                          <p:attrName>style.visibility</p:attrName>
+                                        </p:attrNameLst>
+                                      </p:cBhvr>
+                                      <p:to>
+                                        <p:strVal val="visible"/>
+                                      </p:to>
+                                    </p:set>
+                                  </p:childTnLst>
+                                </p:cTn>
+                              </p:par>
+                              <p:par>
+                                <p:cTn id="27" presetID="1" presetClass="entr" presetSubtype="0" fill="hold" grpId="0" nodeType="withEffect">
+                                  <p:stCondLst>
+                                    <p:cond delay="0"/>
+                                  </p:stCondLst>
+                                  <p:childTnLst>
+                                    <p:set>
+                                      <p:cBhvr>
+                                        <p:cTn id="28" dur="1" fill="hold">
+                                          <p:stCondLst>
+                                            <p:cond delay="0"/>
+                                          </p:stCondLst>
+                                        </p:cTn>
+                                        <p:tgtEl>
+                                          <p:spTgt spid="4">
+                                            <p:txEl>
+                                              <p:pRg st="8" end="8"/>
+                                            </p:txEl>
+                                          </p:spTgt>
+                                        </p:tgtEl>
+                                        <p:attrNameLst>
+                                          <p:attrName>style.visibility</p:attrName>
+                                        </p:attrNameLst>
+                                      </p:cBhvr>
+                                      <p:to>
+                                        <p:strVal val="visible"/>
+                                      </p:to>
+                                    </p:set>
+                                  </p:childTnLst>
+                                </p:cTn>
+                              </p:par>
+                              <p:par>
+                                <p:cTn id="29" presetID="1" presetClass="entr" presetSubtype="0" fill="hold" grpId="0" nodeType="withEffect">
+                                  <p:stCondLst>
+                                    <p:cond delay="0"/>
+                                  </p:stCondLst>
+                                  <p:childTnLst>
+                                    <p:set>
+                                      <p:cBhvr>
+                                        <p:cTn id="30" dur="1" fill="hold">
+                                          <p:stCondLst>
+                                            <p:cond delay="0"/>
+                                          </p:stCondLst>
+                                        </p:cTn>
+                                        <p:tgtEl>
+                                          <p:spTgt spid="4">
+                                            <p:txEl>
+                                              <p:pRg st="9" end="9"/>
+                                            </p:txEl>
+                                          </p:spTgt>
+                                        </p:tgtEl>
+                                        <p:attrNameLst>
+                                          <p:attrName>style.visibility</p:attrName>
+                                        </p:attrNameLst>
+                                      </p:cBhvr>
+                                      <p:to>
+                                        <p:strVal val="visible"/>
+                                      </p:to>
+                                    </p:set>
+                                  </p:childTnLst>
+                                </p:cTn>
+                              </p:par>
+                            </p:childTnLst>
+                          </p:cTn>
+                        </p:par>
+                      </p:childTnLst>
+                    </p:cTn>
+                  </p:par>
+                  <p:par>
+                    <p:cTn id="31" fill="hold">
+                      <p:stCondLst>
+                        <p:cond delay="indefinite"/>
+                      </p:stCondLst>
+                      <p:childTnLst>
+                        <p:par>
+                          <p:cTn id="32" fill="hold">
+                            <p:stCondLst>
+                              <p:cond delay="0"/>
+                            </p:stCondLst>
+                            <p:childTnLst>
+                              <p:par>
+                                <p:cTn id="33" presetID="1" presetClass="entr" presetSubtype="0" fill="hold" grpId="0" nodeType="clickEffect">
+                                  <p:stCondLst>
+                                    <p:cond delay="0"/>
+                                  </p:stCondLst>
+                                  <p:childTnLst>
+                                    <p:set>
+                                      <p:cBhvr>
+                                        <p:cTn id="34" dur="1" fill="hold">
+                                          <p:stCondLst>
+                                            <p:cond delay="0"/>
+                                          </p:stCondLst>
+                                        </p:cTn>
+                                        <p:tgtEl>
+                                          <p:spTgt spid="4">
+                                            <p:txEl>
+                                              <p:pRg st="10" end="10"/>
+                                            </p:txEl>
+                                          </p:spTgt>
+                                        </p:tgtEl>
+                                        <p:attrNameLst>
+                                          <p:attrName>style.visibility</p:attrName>
+                                        </p:attrNameLst>
+                                      </p:cBhvr>
+                                      <p:to>
+                                        <p:strVal val="visible"/>
+                                      </p:to>
+                                    </p:set>
+                                  </p:childTnLst>
+                                </p:cTn>
+                              </p:par>
+                            </p:childTnLst>
+                          </p:cTn>
+                        </p:par>
+                      </p:childTnLst>
+                    </p:cTn>
+                  </p:par>
+                </p:childTnLst>
+              </p:cTn>
+              <p:prevCondLst>
+                <p:cond evt="onPrev" delay="0">
+                  <p:tgtEl>
+                    <p:sldTgt/>
+                  </p:tgtEl>
+                </p:cond>
+              </p:prevCondLst>
+              <p:nextCondLst>
+                <p:cond evt="onNext" delay="0">
+                  <p:tgtEl>
+                    <p:sldTgt/>
+                  </p:tgtEl>
+                </p:cond>
+              </p:nextCondLst>
+            </p:seq>
+          </p:childTnLst>
+        </p:cTn>
+      </p:par>
+    </p:tnLst>
+    <p:bldLst>
+      <p:bldP spid="4" grpId="0" uiExpand="1" build="p"/>
+    </p:bldLst>
+  </p:timing>
+</p:sld>
+</file>
+
 <file path=ppt/slides/slide7.xml><?xml version="1.0" encoding="utf-8"?>
 <p:sld xmlns:a="http://schemas.openxmlformats.org/drawingml/2006/main" xmlns:r="http://schemas.openxmlformats.org/officeDocument/2006/relationships" xmlns:p="http://schemas.openxmlformats.org/presentationml/2006/main">
   <p:cSld>
@@ -51517,10 +54150,10 @@
       </p:sp>
       <p:pic>
         <p:nvPicPr>
-          <p:cNvPr id="4" name="Picture 3">
-            <a:extLst>
-              <a:ext uri="{FF2B5EF4-FFF2-40B4-BE49-F238E27FC236}">
-                <a16:creationId xmlns:a16="http://schemas.microsoft.com/office/drawing/2014/main" id="{B86E40DE-0C87-4409-9609-66FF90CC08AC}"/>
+          <p:cNvPr id="9" name="Picture 8">
+            <a:extLst>
+              <a:ext uri="{FF2B5EF4-FFF2-40B4-BE49-F238E27FC236}">
+                <a16:creationId xmlns:a16="http://schemas.microsoft.com/office/drawing/2014/main" id="{1AC002C7-9C9F-4763-8DDC-AA63F8588F08}"/>
               </a:ext>
             </a:extLst>
           </p:cNvPr>
@@ -51529,15 +54162,16 @@
           </p:cNvPicPr>
           <p:nvPr/>
         </p:nvPicPr>
-        <p:blipFill rotWithShape="1">
+        <p:blipFill>
           <a:blip r:embed="rId2"/>
-          <a:srcRect t="13160" r="21094" b="8673"/>
-          <a:stretch/>
+          <a:stretch>
+            <a:fillRect/>
+          </a:stretch>
         </p:blipFill>
         <p:spPr>
           <a:xfrm>
-            <a:off x="942975" y="995653"/>
-            <a:ext cx="9620250" cy="5360697"/>
+            <a:off x="1001484" y="1160708"/>
+            <a:ext cx="9173029" cy="5102497"/>
           </a:xfrm>
           <a:prstGeom prst="rect">
             <a:avLst/>
@@ -51661,12 +54295,156 @@
           </a:p>
         </p:txBody>
       </p:sp>
+      <p:sp>
+        <p:nvSpPr>
+          <p:cNvPr id="4" name="TextBox 3">
+            <a:extLst>
+              <a:ext uri="{FF2B5EF4-FFF2-40B4-BE49-F238E27FC236}">
+                <a16:creationId xmlns:a16="http://schemas.microsoft.com/office/drawing/2014/main" id="{9076704A-D951-42FE-B30C-F8C85AEFC714}"/>
+              </a:ext>
+            </a:extLst>
+          </p:cNvPr>
+          <p:cNvSpPr txBox="1"/>
+          <p:nvPr/>
+        </p:nvSpPr>
+        <p:spPr>
+          <a:xfrm>
+            <a:off x="4932218" y="3574473"/>
+            <a:ext cx="3867150" cy="369332"/>
+          </a:xfrm>
+          <a:prstGeom prst="rect">
+            <a:avLst/>
+          </a:prstGeom>
+          <a:noFill/>
+        </p:spPr>
+        <p:txBody>
+          <a:bodyPr wrap="square" rtlCol="0">
+            <a:spAutoFit/>
+          </a:bodyPr>
+          <a:lstStyle/>
+          <a:p>
+            <a:r>
+              <a:rPr lang="en-US"/>
+              <a:t>Depends on setup Email accounts</a:t>
+            </a:r>
+            <a:endParaRPr lang="en-DK"/>
+          </a:p>
+        </p:txBody>
+      </p:sp>
+      <p:sp>
+        <p:nvSpPr>
+          <p:cNvPr id="8" name="TextBox 7">
+            <a:extLst>
+              <a:ext uri="{FF2B5EF4-FFF2-40B4-BE49-F238E27FC236}">
+                <a16:creationId xmlns:a16="http://schemas.microsoft.com/office/drawing/2014/main" id="{4F8E04C0-38F7-4067-9749-DEA12536F99F}"/>
+              </a:ext>
+            </a:extLst>
+          </p:cNvPr>
+          <p:cNvSpPr txBox="1"/>
+          <p:nvPr/>
+        </p:nvSpPr>
+        <p:spPr>
+          <a:xfrm>
+            <a:off x="4932218" y="4336473"/>
+            <a:ext cx="3867150" cy="369332"/>
+          </a:xfrm>
+          <a:prstGeom prst="rect">
+            <a:avLst/>
+          </a:prstGeom>
+          <a:noFill/>
+        </p:spPr>
+        <p:txBody>
+          <a:bodyPr wrap="square" rtlCol="0">
+            <a:spAutoFit/>
+          </a:bodyPr>
+          <a:lstStyle/>
+          <a:p>
+            <a:r>
+              <a:rPr lang="en-US"/>
+              <a:t>Depends on setup Robot</a:t>
+            </a:r>
+            <a:endParaRPr lang="en-DK"/>
+          </a:p>
+        </p:txBody>
+      </p:sp>
+      <p:sp>
+        <p:nvSpPr>
+          <p:cNvPr id="9" name="TextBox 8">
+            <a:extLst>
+              <a:ext uri="{FF2B5EF4-FFF2-40B4-BE49-F238E27FC236}">
+                <a16:creationId xmlns:a16="http://schemas.microsoft.com/office/drawing/2014/main" id="{13AEDC8F-3F5E-4C84-851D-DE4F95BEECCD}"/>
+              </a:ext>
+            </a:extLst>
+          </p:cNvPr>
+          <p:cNvSpPr txBox="1"/>
+          <p:nvPr/>
+        </p:nvSpPr>
+        <p:spPr>
+          <a:xfrm>
+            <a:off x="4932218" y="5098473"/>
+            <a:ext cx="3867150" cy="369332"/>
+          </a:xfrm>
+          <a:prstGeom prst="rect">
+            <a:avLst/>
+          </a:prstGeom>
+          <a:noFill/>
+        </p:spPr>
+        <p:txBody>
+          <a:bodyPr wrap="square" rtlCol="0">
+            <a:spAutoFit/>
+          </a:bodyPr>
+          <a:lstStyle/>
+          <a:p>
+            <a:r>
+              <a:rPr lang="en-US"/>
+              <a:t>Fetches live from Email account</a:t>
+            </a:r>
+            <a:endParaRPr lang="en-DK"/>
+          </a:p>
+        </p:txBody>
+      </p:sp>
+      <p:sp>
+        <p:nvSpPr>
+          <p:cNvPr id="10" name="TextBox 9">
+            <a:extLst>
+              <a:ext uri="{FF2B5EF4-FFF2-40B4-BE49-F238E27FC236}">
+                <a16:creationId xmlns:a16="http://schemas.microsoft.com/office/drawing/2014/main" id="{0C116F0E-CD89-42A2-8827-DFBEFF64BE5F}"/>
+              </a:ext>
+            </a:extLst>
+          </p:cNvPr>
+          <p:cNvSpPr txBox="1"/>
+          <p:nvPr/>
+        </p:nvSpPr>
+        <p:spPr>
+          <a:xfrm>
+            <a:off x="4936901" y="2877820"/>
+            <a:ext cx="3867150" cy="369332"/>
+          </a:xfrm>
+          <a:prstGeom prst="rect">
+            <a:avLst/>
+          </a:prstGeom>
+          <a:noFill/>
+        </p:spPr>
+        <p:txBody>
+          <a:bodyPr wrap="square" rtlCol="0">
+            <a:spAutoFit/>
+          </a:bodyPr>
+          <a:lstStyle/>
+          <a:p>
+            <a:r>
+              <a:rPr lang="en-US"/>
+              <a:t>Select project</a:t>
+            </a:r>
+            <a:endParaRPr lang="en-DK"/>
+          </a:p>
+        </p:txBody>
+      </p:sp>
       <p:pic>
         <p:nvPicPr>
-          <p:cNvPr id="2" name="Picture 1">
-            <a:extLst>
-              <a:ext uri="{FF2B5EF4-FFF2-40B4-BE49-F238E27FC236}">
-                <a16:creationId xmlns:a16="http://schemas.microsoft.com/office/drawing/2014/main" id="{C87368BF-6747-4C05-B74D-A18665CCD54D}"/>
+          <p:cNvPr id="5" name="Picture 4">
+            <a:extLst>
+              <a:ext uri="{FF2B5EF4-FFF2-40B4-BE49-F238E27FC236}">
+                <a16:creationId xmlns:a16="http://schemas.microsoft.com/office/drawing/2014/main" id="{07BFDB65-B028-4EA7-9925-A0C86AC9880C}"/>
               </a:ext>
             </a:extLst>
           </p:cNvPr>
@@ -51677,180 +54455,6 @@
         </p:nvPicPr>
         <p:blipFill>
           <a:blip r:embed="rId2"/>
-          <a:stretch>
-            <a:fillRect/>
-          </a:stretch>
-        </p:blipFill>
-        <p:spPr>
-          <a:xfrm>
-            <a:off x="835389" y="1360428"/>
-            <a:ext cx="3867150" cy="4895850"/>
-          </a:xfrm>
-          <a:prstGeom prst="rect">
-            <a:avLst/>
-          </a:prstGeom>
-        </p:spPr>
-      </p:pic>
-      <p:sp>
-        <p:nvSpPr>
-          <p:cNvPr id="4" name="TextBox 3">
-            <a:extLst>
-              <a:ext uri="{FF2B5EF4-FFF2-40B4-BE49-F238E27FC236}">
-                <a16:creationId xmlns:a16="http://schemas.microsoft.com/office/drawing/2014/main" id="{9076704A-D951-42FE-B30C-F8C85AEFC714}"/>
-              </a:ext>
-            </a:extLst>
-          </p:cNvPr>
-          <p:cNvSpPr txBox="1"/>
-          <p:nvPr/>
-        </p:nvSpPr>
-        <p:spPr>
-          <a:xfrm>
-            <a:off x="4932218" y="3574473"/>
-            <a:ext cx="3867150" cy="369332"/>
-          </a:xfrm>
-          <a:prstGeom prst="rect">
-            <a:avLst/>
-          </a:prstGeom>
-          <a:noFill/>
-        </p:spPr>
-        <p:txBody>
-          <a:bodyPr wrap="square" rtlCol="0">
-            <a:spAutoFit/>
-          </a:bodyPr>
-          <a:lstStyle/>
-          <a:p>
-            <a:r>
-              <a:rPr lang="en-US"/>
-              <a:t>Depends on setup Email accounts</a:t>
-            </a:r>
-            <a:endParaRPr lang="en-DK"/>
-          </a:p>
-        </p:txBody>
-      </p:sp>
-      <p:sp>
-        <p:nvSpPr>
-          <p:cNvPr id="8" name="TextBox 7">
-            <a:extLst>
-              <a:ext uri="{FF2B5EF4-FFF2-40B4-BE49-F238E27FC236}">
-                <a16:creationId xmlns:a16="http://schemas.microsoft.com/office/drawing/2014/main" id="{4F8E04C0-38F7-4067-9749-DEA12536F99F}"/>
-              </a:ext>
-            </a:extLst>
-          </p:cNvPr>
-          <p:cNvSpPr txBox="1"/>
-          <p:nvPr/>
-        </p:nvSpPr>
-        <p:spPr>
-          <a:xfrm>
-            <a:off x="4932218" y="4336473"/>
-            <a:ext cx="3867150" cy="369332"/>
-          </a:xfrm>
-          <a:prstGeom prst="rect">
-            <a:avLst/>
-          </a:prstGeom>
-          <a:noFill/>
-        </p:spPr>
-        <p:txBody>
-          <a:bodyPr wrap="square" rtlCol="0">
-            <a:spAutoFit/>
-          </a:bodyPr>
-          <a:lstStyle/>
-          <a:p>
-            <a:r>
-              <a:rPr lang="en-US"/>
-              <a:t>Depends on setup Robot</a:t>
-            </a:r>
-            <a:endParaRPr lang="en-DK"/>
-          </a:p>
-        </p:txBody>
-      </p:sp>
-      <p:sp>
-        <p:nvSpPr>
-          <p:cNvPr id="9" name="TextBox 8">
-            <a:extLst>
-              <a:ext uri="{FF2B5EF4-FFF2-40B4-BE49-F238E27FC236}">
-                <a16:creationId xmlns:a16="http://schemas.microsoft.com/office/drawing/2014/main" id="{13AEDC8F-3F5E-4C84-851D-DE4F95BEECCD}"/>
-              </a:ext>
-            </a:extLst>
-          </p:cNvPr>
-          <p:cNvSpPr txBox="1"/>
-          <p:nvPr/>
-        </p:nvSpPr>
-        <p:spPr>
-          <a:xfrm>
-            <a:off x="4932218" y="5098473"/>
-            <a:ext cx="3867150" cy="369332"/>
-          </a:xfrm>
-          <a:prstGeom prst="rect">
-            <a:avLst/>
-          </a:prstGeom>
-          <a:noFill/>
-        </p:spPr>
-        <p:txBody>
-          <a:bodyPr wrap="square" rtlCol="0">
-            <a:spAutoFit/>
-          </a:bodyPr>
-          <a:lstStyle/>
-          <a:p>
-            <a:r>
-              <a:rPr lang="en-US"/>
-              <a:t>Fetches live from Email account</a:t>
-            </a:r>
-            <a:endParaRPr lang="en-DK"/>
-          </a:p>
-        </p:txBody>
-      </p:sp>
-      <p:sp>
-        <p:nvSpPr>
-          <p:cNvPr id="10" name="TextBox 9">
-            <a:extLst>
-              <a:ext uri="{FF2B5EF4-FFF2-40B4-BE49-F238E27FC236}">
-                <a16:creationId xmlns:a16="http://schemas.microsoft.com/office/drawing/2014/main" id="{0C116F0E-CD89-42A2-8827-DFBEFF64BE5F}"/>
-              </a:ext>
-            </a:extLst>
-          </p:cNvPr>
-          <p:cNvSpPr txBox="1"/>
-          <p:nvPr/>
-        </p:nvSpPr>
-        <p:spPr>
-          <a:xfrm>
-            <a:off x="4936901" y="2877820"/>
-            <a:ext cx="3867150" cy="369332"/>
-          </a:xfrm>
-          <a:prstGeom prst="rect">
-            <a:avLst/>
-          </a:prstGeom>
-          <a:noFill/>
-        </p:spPr>
-        <p:txBody>
-          <a:bodyPr wrap="square" rtlCol="0">
-            <a:spAutoFit/>
-          </a:bodyPr>
-          <a:lstStyle/>
-          <a:p>
-            <a:r>
-              <a:rPr lang="en-US"/>
-              <a:t>Select project</a:t>
-            </a:r>
-            <a:endParaRPr lang="en-DK"/>
-          </a:p>
-        </p:txBody>
-      </p:sp>
-      <p:pic>
-        <p:nvPicPr>
-          <p:cNvPr id="5" name="Picture 4">
-            <a:extLst>
-              <a:ext uri="{FF2B5EF4-FFF2-40B4-BE49-F238E27FC236}">
-                <a16:creationId xmlns:a16="http://schemas.microsoft.com/office/drawing/2014/main" id="{07BFDB65-B028-4EA7-9925-A0C86AC9880C}"/>
-              </a:ext>
-            </a:extLst>
-          </p:cNvPr>
-          <p:cNvPicPr>
-            <a:picLocks noChangeAspect="1"/>
-          </p:cNvPicPr>
-          <p:nvPr/>
-        </p:nvPicPr>
-        <p:blipFill>
-          <a:blip r:embed="rId3"/>
           <a:stretch>
             <a:fillRect/>
           </a:stretch>
@@ -51976,6 +54580,42 @@
           </p:txBody>
         </p:sp>
       </p:grpSp>
+      <p:pic>
+        <p:nvPicPr>
+          <p:cNvPr id="14" name="Picture 13" descr="Graphical user interface, text, application, email&#10;&#10;Description automatically generated">
+            <a:extLst>
+              <a:ext uri="{FF2B5EF4-FFF2-40B4-BE49-F238E27FC236}">
+                <a16:creationId xmlns:a16="http://schemas.microsoft.com/office/drawing/2014/main" id="{CF4AA3DB-7E3F-4E5C-835F-2FE2B544F06C}"/>
+              </a:ext>
+            </a:extLst>
+          </p:cNvPr>
+          <p:cNvPicPr>
+            <a:picLocks noChangeAspect="1"/>
+          </p:cNvPicPr>
+          <p:nvPr/>
+        </p:nvPicPr>
+        <p:blipFill>
+          <a:blip r:embed="rId3">
+            <a:extLst>
+              <a:ext uri="{28A0092B-C50C-407E-A947-70E740481C1C}">
+                <a14:useLocalDpi xmlns:a14="http://schemas.microsoft.com/office/drawing/2010/main" val="0"/>
+              </a:ext>
+            </a:extLst>
+          </a:blip>
+          <a:stretch>
+            <a:fillRect/>
+          </a:stretch>
+        </p:blipFill>
+        <p:spPr>
+          <a:xfrm>
+            <a:off x="835389" y="1140835"/>
+            <a:ext cx="3800475" cy="4867275"/>
+          </a:xfrm>
+          <a:prstGeom prst="rect">
+            <a:avLst/>
+          </a:prstGeom>
+        </p:spPr>
+      </p:pic>
     </p:spTree>
     <p:extLst>
       <p:ext uri="{BB962C8B-B14F-4D97-AF65-F5344CB8AC3E}">
@@ -53636,6 +56276,61 @@
 </file>
 
 <file path=customXml/item2.xml><?xml version="1.0" encoding="utf-8"?>
+<?mso-contentType ?>
+<FormTemplates xmlns="http://schemas.microsoft.com/sharepoint/v3/contenttype/forms">
+  <Display>DocumentLibraryForm</Display>
+  <Edit>DocumentLibraryForm</Edit>
+  <New>DocumentLibraryForm</New>
+</FormTemplates>
+</file>
+
+<file path=customXml/item3.xml><?xml version="1.0" encoding="utf-8"?>
+<?mso-contentType ?>
+<spe:Receivers xmlns:spe="http://schemas.microsoft.com/sharepoint/events">
+  <Receiver>
+    <Name>Document ID Generator</Name>
+    <Synchronization>Synchronous</Synchronization>
+    <Type>10001</Type>
+    <SequenceNumber>1000</SequenceNumber>
+    <Assembly>Microsoft.Office.DocumentManagement, Version=14.0.0.0, Culture=neutral, PublicKeyToken=71e9bce111e9429c</Assembly>
+    <Class>Microsoft.Office.DocumentManagement.Internal.DocIdHandler</Class>
+    <Data/>
+    <Filter/>
+  </Receiver>
+  <Receiver>
+    <Name>Document ID Generator</Name>
+    <Synchronization>Synchronous</Synchronization>
+    <Type>10002</Type>
+    <SequenceNumber>1001</SequenceNumber>
+    <Assembly>Microsoft.Office.DocumentManagement, Version=14.0.0.0, Culture=neutral, PublicKeyToken=71e9bce111e9429c</Assembly>
+    <Class>Microsoft.Office.DocumentManagement.Internal.DocIdHandler</Class>
+    <Data/>
+    <Filter/>
+  </Receiver>
+  <Receiver>
+    <Name>Document ID Generator</Name>
+    <Synchronization>Synchronous</Synchronization>
+    <Type>10004</Type>
+    <SequenceNumber>1002</SequenceNumber>
+    <Assembly>Microsoft.Office.DocumentManagement, Version=14.0.0.0, Culture=neutral, PublicKeyToken=71e9bce111e9429c</Assembly>
+    <Class>Microsoft.Office.DocumentManagement.Internal.DocIdHandler</Class>
+    <Data/>
+    <Filter/>
+  </Receiver>
+  <Receiver>
+    <Name>Document ID Generator</Name>
+    <Synchronization>Synchronous</Synchronization>
+    <Type>10006</Type>
+    <SequenceNumber>1003</SequenceNumber>
+    <Assembly>Microsoft.Office.DocumentManagement, Version=14.0.0.0, Culture=neutral, PublicKeyToken=71e9bce111e9429c</Assembly>
+    <Class>Microsoft.Office.DocumentManagement.Internal.DocIdHandler</Class>
+    <Data/>
+    <Filter/>
+  </Receiver>
+</spe:Receivers>
+</file>
+
+<file path=customXml/item4.xml><?xml version="1.0" encoding="utf-8"?>
 <ct:contentTypeSchema xmlns:ct="http://schemas.microsoft.com/office/2006/metadata/contentType" xmlns:ma="http://schemas.microsoft.com/office/2006/metadata/properties/metaAttributes" ct:_="" ma:_="" ma:contentTypeName="Document" ma:contentTypeID="0x010100DE1A95A74C8ADB4D86AFEEECB6AC175E" ma:contentTypeVersion="26" ma:contentTypeDescription="Create a new document." ma:contentTypeScope="" ma:versionID="899c6ee683003171256a0b85e3d5a397">
   <xsd:schema xmlns:xsd="http://www.w3.org/2001/XMLSchema" xmlns:xs="http://www.w3.org/2001/XMLSchema" xmlns:p="http://schemas.microsoft.com/office/2006/metadata/properties" xmlns:ns1="1156045d-e69e-413a-aae5-45ea73f223bb" xmlns:ns2="http://schemas.microsoft.com/sharepoint/v3" xmlns:ns3="263ada44-a7f5-4fa5-a329-b9a74bb44749" xmlns:ns4="http://schemas.microsoft.com/sharepoint/v4" targetNamespace="http://schemas.microsoft.com/office/2006/metadata/properties" ma:root="true" ma:fieldsID="9e0ebcb670a721937efc8229b934bc7d" ns1:_="" ns2:_="" ns3:_="" ns4:_="">
     <xsd:import namespace="1156045d-e69e-413a-aae5-45ea73f223bb"/>
@@ -53852,61 +56547,6 @@
 </ct:contentTypeSchema>
 </file>
 
-<file path=customXml/item3.xml><?xml version="1.0" encoding="utf-8"?>
-<?mso-contentType ?>
-<spe:Receivers xmlns:spe="http://schemas.microsoft.com/sharepoint/events">
-  <Receiver>
-    <Name>Document ID Generator</Name>
-    <Synchronization>Synchronous</Synchronization>
-    <Type>10001</Type>
-    <SequenceNumber>1000</SequenceNumber>
-    <Assembly>Microsoft.Office.DocumentManagement, Version=14.0.0.0, Culture=neutral, PublicKeyToken=71e9bce111e9429c</Assembly>
-    <Class>Microsoft.Office.DocumentManagement.Internal.DocIdHandler</Class>
-    <Data/>
-    <Filter/>
-  </Receiver>
-  <Receiver>
-    <Name>Document ID Generator</Name>
-    <Synchronization>Synchronous</Synchronization>
-    <Type>10002</Type>
-    <SequenceNumber>1001</SequenceNumber>
-    <Assembly>Microsoft.Office.DocumentManagement, Version=14.0.0.0, Culture=neutral, PublicKeyToken=71e9bce111e9429c</Assembly>
-    <Class>Microsoft.Office.DocumentManagement.Internal.DocIdHandler</Class>
-    <Data/>
-    <Filter/>
-  </Receiver>
-  <Receiver>
-    <Name>Document ID Generator</Name>
-    <Synchronization>Synchronous</Synchronization>
-    <Type>10004</Type>
-    <SequenceNumber>1002</SequenceNumber>
-    <Assembly>Microsoft.Office.DocumentManagement, Version=14.0.0.0, Culture=neutral, PublicKeyToken=71e9bce111e9429c</Assembly>
-    <Class>Microsoft.Office.DocumentManagement.Internal.DocIdHandler</Class>
-    <Data/>
-    <Filter/>
-  </Receiver>
-  <Receiver>
-    <Name>Document ID Generator</Name>
-    <Synchronization>Synchronous</Synchronization>
-    <Type>10006</Type>
-    <SequenceNumber>1003</SequenceNumber>
-    <Assembly>Microsoft.Office.DocumentManagement, Version=14.0.0.0, Culture=neutral, PublicKeyToken=71e9bce111e9429c</Assembly>
-    <Class>Microsoft.Office.DocumentManagement.Internal.DocIdHandler</Class>
-    <Data/>
-    <Filter/>
-  </Receiver>
-</spe:Receivers>
-</file>
-
-<file path=customXml/item4.xml><?xml version="1.0" encoding="utf-8"?>
-<?mso-contentType ?>
-<FormTemplates xmlns="http://schemas.microsoft.com/sharepoint/v3/contenttype/forms">
-  <Display>DocumentLibraryForm</Display>
-  <Edit>DocumentLibraryForm</Edit>
-  <New>DocumentLibraryForm</New>
-</FormTemplates>
-</file>
-
 <file path=customXml/itemProps1.xml><?xml version="1.0" encoding="utf-8"?>
 <ds:datastoreItem xmlns:ds="http://schemas.openxmlformats.org/officeDocument/2006/customXml" ds:itemID="{927ACAB7-C023-41FF-9D5E-328EF1CD6BEB}">
   <ds:schemaRefs>
@@ -53921,6 +56561,22 @@
 </file>
 
 <file path=customXml/itemProps2.xml><?xml version="1.0" encoding="utf-8"?>
+<ds:datastoreItem xmlns:ds="http://schemas.openxmlformats.org/officeDocument/2006/customXml" ds:itemID="{0C3AC235-71C2-47D4-908C-024C13897BDB}">
+  <ds:schemaRefs>
+    <ds:schemaRef ds:uri="http://schemas.microsoft.com/sharepoint/v3/contenttype/forms"/>
+  </ds:schemaRefs>
+</ds:datastoreItem>
+</file>
+
+<file path=customXml/itemProps3.xml><?xml version="1.0" encoding="utf-8"?>
+<ds:datastoreItem xmlns:ds="http://schemas.openxmlformats.org/officeDocument/2006/customXml" ds:itemID="{25312A7F-7CEF-4F66-A999-0B37304BDF1A}">
+  <ds:schemaRefs>
+    <ds:schemaRef ds:uri="http://schemas.microsoft.com/sharepoint/events"/>
+  </ds:schemaRefs>
+</ds:datastoreItem>
+</file>
+
+<file path=customXml/itemProps4.xml><?xml version="1.0" encoding="utf-8"?>
 <ds:datastoreItem xmlns:ds="http://schemas.openxmlformats.org/officeDocument/2006/customXml" ds:itemID="{680A67CC-994F-4CC2-99B3-4FC6BD848E68}">
   <ds:schemaRefs>
     <ds:schemaRef ds:uri="http://schemas.microsoft.com/office/2006/metadata/contentType"/>
@@ -53939,20 +56595,4 @@
     <ds:schemaRef ds:uri="http://schemas.microsoft.com/internal/obd"/>
   </ds:schemaRefs>
 </ds:datastoreItem>
-</file>
-
-<file path=customXml/itemProps3.xml><?xml version="1.0" encoding="utf-8"?>
-<ds:datastoreItem xmlns:ds="http://schemas.openxmlformats.org/officeDocument/2006/customXml" ds:itemID="{25312A7F-7CEF-4F66-A999-0B37304BDF1A}">
-  <ds:schemaRefs>
-    <ds:schemaRef ds:uri="http://schemas.microsoft.com/sharepoint/events"/>
-  </ds:schemaRefs>
-</ds:datastoreItem>
-</file>
-
-<file path=customXml/itemProps4.xml><?xml version="1.0" encoding="utf-8"?>
-<ds:datastoreItem xmlns:ds="http://schemas.openxmlformats.org/officeDocument/2006/customXml" ds:itemID="{0C3AC235-71C2-47D4-908C-024C13897BDB}">
-  <ds:schemaRefs>
-    <ds:schemaRef ds:uri="http://schemas.microsoft.com/sharepoint/v3/contenttype/forms"/>
-  </ds:schemaRefs>
-</ds:datastoreItem>
 </file>